--- a/Unit 10.pptx
+++ b/Unit 10.pptx
@@ -5,7 +5,7 @@
     <p:sldMasterId id="2147483648" r:id="rId1"/>
   </p:sldMasterIdLst>
   <p:notesMasterIdLst>
-    <p:notesMasterId r:id="rId16"/>
+    <p:notesMasterId r:id="rId27"/>
   </p:notesMasterIdLst>
   <p:sldIdLst>
     <p:sldId id="256" r:id="rId2"/>
@@ -22,6 +22,17 @@
     <p:sldId id="270" r:id="rId13"/>
     <p:sldId id="265" r:id="rId14"/>
     <p:sldId id="262" r:id="rId15"/>
+    <p:sldId id="271" r:id="rId16"/>
+    <p:sldId id="272" r:id="rId17"/>
+    <p:sldId id="273" r:id="rId18"/>
+    <p:sldId id="274" r:id="rId19"/>
+    <p:sldId id="276" r:id="rId20"/>
+    <p:sldId id="275" r:id="rId21"/>
+    <p:sldId id="280" r:id="rId22"/>
+    <p:sldId id="277" r:id="rId23"/>
+    <p:sldId id="281" r:id="rId24"/>
+    <p:sldId id="278" r:id="rId25"/>
+    <p:sldId id="282" r:id="rId26"/>
   </p:sldIdLst>
   <p:sldSz cx="24384000" cy="13716000"/>
   <p:notesSz cx="6858000" cy="9144000"/>
@@ -5751,7 +5762,16 @@
                 </a:solidFill>
                 <a:latin typeface="Consolas"/>
               </a:rPr>
-              <a:t>"data </a:t>
+              <a:t>"data source=</a:t>
+            </a:r>
+            <a:r>
+              <a:rPr lang="en-US" sz="4000" dirty="0" err="1" smtClean="0">
+                <a:solidFill>
+                  <a:srgbClr val="0000FF"/>
+                </a:solidFill>
+                <a:latin typeface="Consolas"/>
+              </a:rPr>
+              <a:t>SERVERNAME;user</a:t>
             </a:r>
             <a:r>
               <a:rPr lang="en-US" sz="4000" dirty="0" smtClean="0">
@@ -5760,34 +5780,7 @@
                 </a:solidFill>
                 <a:latin typeface="Consolas"/>
               </a:rPr>
-              <a:t>source=</a:t>
-            </a:r>
-            <a:r>
-              <a:rPr lang="en-US" sz="4000" dirty="0" err="1" smtClean="0">
-                <a:solidFill>
-                  <a:srgbClr val="0000FF"/>
-                </a:solidFill>
-                <a:latin typeface="Consolas"/>
-              </a:rPr>
-              <a:t>SERVERNAME;user</a:t>
-            </a:r>
-            <a:r>
-              <a:rPr lang="en-US" sz="4000" dirty="0" smtClean="0">
-                <a:solidFill>
-                  <a:srgbClr val="0000FF"/>
-                </a:solidFill>
-                <a:latin typeface="Consolas"/>
-              </a:rPr>
-              <a:t> </a:t>
-            </a:r>
-            <a:r>
-              <a:rPr lang="en-US" sz="4000" dirty="0" smtClean="0">
-                <a:solidFill>
-                  <a:srgbClr val="0000FF"/>
-                </a:solidFill>
-                <a:latin typeface="Consolas"/>
-              </a:rPr>
-              <a:t>id=</a:t>
+              <a:t> id=</a:t>
             </a:r>
             <a:r>
               <a:rPr lang="en-US" sz="4000" dirty="0" err="1" smtClean="0">
@@ -6280,19 +6273,7 @@
               <a:rPr lang="en-US" sz="4000" b="0" dirty="0" smtClean="0">
                 <a:latin typeface="Calibri" pitchFamily="34" charset="0"/>
               </a:rPr>
-              <a:t>Run the InstallSqlState.sql script on the Microsoft SQL Server where you intend to store session state. </a:t>
-            </a:r>
-            <a:r>
-              <a:rPr lang="en-US" sz="4000" b="0" dirty="0" smtClean="0">
-                <a:latin typeface="Calibri" pitchFamily="34" charset="0"/>
-              </a:rPr>
-              <a:t> This </a:t>
-            </a:r>
-            <a:r>
-              <a:rPr lang="en-US" sz="4000" b="0" dirty="0" smtClean="0">
-                <a:latin typeface="Calibri" pitchFamily="34" charset="0"/>
-              </a:rPr>
-              <a:t>script will create the necessary database and database objects.</a:t>
+              <a:t>Run the InstallSqlState.sql script on the Microsoft SQL Server where you intend to store session state.  This script will create the necessary database and database objects.</a:t>
             </a:r>
           </a:p>
           <a:p>
@@ -6310,23 +6291,8 @@
               <a:rPr lang="en-US" sz="4000" b="0" dirty="0" smtClean="0">
                 <a:latin typeface="Calibri" pitchFamily="34" charset="0"/>
               </a:rPr>
-              <a:t>SQL </a:t>
-            </a:r>
-            <a:r>
-              <a:rPr lang="en-US" sz="4000" b="0" dirty="0" smtClean="0">
-                <a:latin typeface="Calibri" pitchFamily="34" charset="0"/>
-              </a:rPr>
-              <a:t>Server lets you share session state among </a:t>
-            </a:r>
-            <a:r>
-              <a:rPr lang="en-US" sz="4000" b="0" dirty="0" smtClean="0">
-                <a:latin typeface="Calibri" pitchFamily="34" charset="0"/>
-              </a:rPr>
-              <a:t>the</a:t>
-            </a:r>
-            <a:endParaRPr lang="en-US" sz="4000" b="0" dirty="0" smtClean="0">
-              <a:latin typeface="Calibri" pitchFamily="34" charset="0"/>
-            </a:endParaRPr>
+              <a:t>SQL Server lets you share session state among the</a:t>
+            </a:r>
           </a:p>
           <a:p>
             <a:pPr marL="400050" indent="-400050" algn="l">
@@ -6340,13 +6306,7 @@
               <a:rPr lang="en-US" sz="4000" b="0" dirty="0" smtClean="0">
                 <a:latin typeface="Calibri" pitchFamily="34" charset="0"/>
               </a:rPr>
-              <a:t>Slower </a:t>
-            </a:r>
-            <a:r>
-              <a:rPr lang="en-US" sz="4000" b="0" dirty="0" smtClean="0">
-                <a:latin typeface="Calibri" pitchFamily="34" charset="0"/>
-              </a:rPr>
-              <a:t>than keeping session state in process</a:t>
+              <a:t>Slower than keeping session state in process</a:t>
             </a:r>
           </a:p>
         </p:txBody>
@@ -8192,6 +8152,3266 @@
               <a:solidFill>
                 <a:schemeClr val="tx2"/>
               </a:solidFill>
+            </a:endParaRPr>
+          </a:p>
+        </p:txBody>
+      </p:sp>
+    </p:spTree>
+  </p:cSld>
+  <p:clrMapOvr>
+    <a:masterClrMapping/>
+  </p:clrMapOvr>
+  <p:transition spd="med"/>
+  <p:timing>
+    <p:tnLst>
+      <p:par>
+        <p:cTn id="1" dur="indefinite" restart="never" nodeType="tmRoot"/>
+      </p:par>
+    </p:tnLst>
+  </p:timing>
+</p:sld>
+</file>
+
+<file path=ppt/slides/slide15.xml><?xml version="1.0" encoding="utf-8"?>
+<p:sld xmlns:a="http://schemas.openxmlformats.org/drawingml/2006/main" xmlns:r="http://schemas.openxmlformats.org/officeDocument/2006/relationships" xmlns:p="http://schemas.openxmlformats.org/presentationml/2006/main">
+  <p:cSld>
+    <p:spTree>
+      <p:nvGrpSpPr>
+        <p:cNvPr id="1" name=""/>
+        <p:cNvGrpSpPr/>
+        <p:nvPr/>
+      </p:nvGrpSpPr>
+      <p:grpSpPr>
+        <a:xfrm>
+          <a:off x="0" y="0"/>
+          <a:ext cx="0" cy="0"/>
+          <a:chOff x="0" y="0"/>
+          <a:chExt cx="0" cy="0"/>
+        </a:xfrm>
+      </p:grpSpPr>
+      <p:sp>
+        <p:nvSpPr>
+          <p:cNvPr id="135" name="Line"/>
+          <p:cNvSpPr/>
+          <p:nvPr/>
+        </p:nvSpPr>
+        <p:spPr>
+          <a:xfrm flipV="1">
+            <a:off x="2885566" y="-124865"/>
+            <a:ext cx="1" cy="13965729"/>
+          </a:xfrm>
+          <a:prstGeom prst="line">
+            <a:avLst/>
+          </a:prstGeom>
+          <a:ln w="57150">
+            <a:solidFill>
+              <a:srgbClr val="183E67"/>
+            </a:solidFill>
+            <a:custDash>
+              <a:ds d="600000" sp="600000"/>
+            </a:custDash>
+            <a:miter lim="400000"/>
+          </a:ln>
+        </p:spPr>
+        <p:txBody>
+          <a:bodyPr lIns="71437" tIns="71437" rIns="71437" bIns="71437" anchor="ctr"/>
+          <a:lstStyle/>
+          <a:p>
+            <a:pPr>
+              <a:defRPr sz="3000" b="0">
+                <a:solidFill>
+                  <a:srgbClr val="FFFFFF"/>
+                </a:solidFill>
+                <a:latin typeface="+mn-lt"/>
+                <a:ea typeface="+mn-ea"/>
+                <a:cs typeface="+mn-cs"/>
+                <a:sym typeface="Helvetica Neue Medium"/>
+              </a:defRPr>
+            </a:pPr>
+            <a:endParaRPr/>
+          </a:p>
+        </p:txBody>
+      </p:sp>
+      <p:sp>
+        <p:nvSpPr>
+          <p:cNvPr id="139" name="Line"/>
+          <p:cNvSpPr/>
+          <p:nvPr/>
+        </p:nvSpPr>
+        <p:spPr>
+          <a:xfrm>
+            <a:off x="2885566" y="2266950"/>
+            <a:ext cx="21498434" cy="0"/>
+          </a:xfrm>
+          <a:prstGeom prst="line">
+            <a:avLst/>
+          </a:prstGeom>
+          <a:ln w="25400">
+            <a:solidFill>
+              <a:schemeClr val="accent1">
+                <a:hueOff val="114395"/>
+                <a:lumOff val="-24975"/>
+              </a:schemeClr>
+            </a:solidFill>
+            <a:miter lim="400000"/>
+          </a:ln>
+          <a:effectLst/>
+        </p:spPr>
+        <p:txBody>
+          <a:bodyPr lIns="71437" tIns="71437" rIns="71437" bIns="71437" anchor="ctr"/>
+          <a:lstStyle/>
+          <a:p>
+            <a:pPr>
+              <a:defRPr sz="3000" b="0">
+                <a:solidFill>
+                  <a:srgbClr val="FFFFFF"/>
+                </a:solidFill>
+                <a:latin typeface="+mn-lt"/>
+                <a:ea typeface="+mn-ea"/>
+                <a:cs typeface="+mn-cs"/>
+                <a:sym typeface="Helvetica Neue Medium"/>
+              </a:defRPr>
+            </a:pPr>
+            <a:endParaRPr/>
+          </a:p>
+        </p:txBody>
+      </p:sp>
+      <p:sp>
+        <p:nvSpPr>
+          <p:cNvPr id="9" name="Constructor"/>
+          <p:cNvSpPr txBox="1"/>
+          <p:nvPr/>
+        </p:nvSpPr>
+        <p:spPr>
+          <a:xfrm rot="16200000">
+            <a:off x="-3585352" y="6047202"/>
+            <a:ext cx="10070064" cy="1621597"/>
+          </a:xfrm>
+          <a:prstGeom prst="rect">
+            <a:avLst/>
+          </a:prstGeom>
+          <a:ln w="12700">
+            <a:miter lim="400000"/>
+          </a:ln>
+          <a:extLst>
+            <a:ext uri="{C572A759-6A51-4108-AA02-DFA0A04FC94B}">
+              <ma14:wrappingTextBoxFlag xmlns="" xmlns:m="http://schemas.openxmlformats.org/officeDocument/2006/math" xmlns:a14="http://schemas.microsoft.com/office/drawing/2010/main" xmlns:ma14="http://schemas.microsoft.com/office/mac/drawingml/2011/main" val="1"/>
+            </a:ext>
+          </a:extLst>
+        </p:spPr>
+        <p:txBody>
+          <a:bodyPr wrap="none" lIns="71437" tIns="71437" rIns="71437" bIns="71437" anchor="ctr">
+            <a:spAutoFit/>
+          </a:bodyPr>
+          <a:lstStyle>
+            <a:lvl1pPr>
+              <a:defRPr sz="10000">
+                <a:solidFill>
+                  <a:srgbClr val="474748"/>
+                </a:solidFill>
+              </a:defRPr>
+            </a:lvl1pPr>
+          </a:lstStyle>
+          <a:p>
+            <a:r>
+              <a:rPr lang="en-US" sz="9600" dirty="0" smtClean="0">
+                <a:solidFill>
+                  <a:schemeClr val="tx2"/>
+                </a:solidFill>
+              </a:rPr>
+              <a:t>State Management</a:t>
+            </a:r>
+            <a:endParaRPr lang="en-US" sz="9600" dirty="0">
+              <a:solidFill>
+                <a:schemeClr val="tx2"/>
+              </a:solidFill>
+            </a:endParaRPr>
+          </a:p>
+        </p:txBody>
+      </p:sp>
+      <p:sp>
+        <p:nvSpPr>
+          <p:cNvPr id="8" name="TextBox 7"/>
+          <p:cNvSpPr txBox="1"/>
+          <p:nvPr/>
+        </p:nvSpPr>
+        <p:spPr>
+          <a:xfrm>
+            <a:off x="3771900" y="3171825"/>
+            <a:ext cx="14373225" cy="1134627"/>
+          </a:xfrm>
+          <a:prstGeom prst="roundRect">
+            <a:avLst>
+              <a:gd name="adj" fmla="val 33627"/>
+            </a:avLst>
+          </a:prstGeom>
+          <a:solidFill>
+            <a:schemeClr val="accent1">
+              <a:lumMod val="75000"/>
+            </a:schemeClr>
+          </a:solidFill>
+          <a:ln w="12700" cap="flat">
+            <a:noFill/>
+            <a:miter lim="400000"/>
+          </a:ln>
+          <a:effectLst/>
+          <a:sp3d/>
+        </p:spPr>
+        <p:style>
+          <a:lnRef idx="0">
+            <a:scrgbClr r="0" g="0" b="0"/>
+          </a:lnRef>
+          <a:fillRef idx="0">
+            <a:scrgbClr r="0" g="0" b="0"/>
+          </a:fillRef>
+          <a:effectRef idx="0">
+            <a:scrgbClr r="0" g="0" b="0"/>
+          </a:effectRef>
+          <a:fontRef idx="none"/>
+        </p:style>
+        <p:txBody>
+          <a:bodyPr rot="0" spcFirstLastPara="1" vertOverflow="overflow" horzOverflow="overflow" vert="horz" wrap="square" lIns="71437" tIns="71437" rIns="71437" bIns="71437" numCol="1" spcCol="38100" rtlCol="0" anchor="t">
+            <a:spAutoFit/>
+          </a:bodyPr>
+          <a:lstStyle/>
+          <a:p>
+            <a:pPr marL="0" marR="0" indent="0" algn="ctr" defTabSz="821531" rtl="0" fontAlgn="auto" latinLnBrk="0" hangingPunct="0">
+              <a:lnSpc>
+                <a:spcPct val="100000"/>
+              </a:lnSpc>
+              <a:spcBef>
+                <a:spcPts val="0"/>
+              </a:spcBef>
+              <a:spcAft>
+                <a:spcPts val="0"/>
+              </a:spcAft>
+              <a:buClrTx/>
+              <a:buSzTx/>
+              <a:buFontTx/>
+              <a:buNone/>
+              <a:tabLst/>
+            </a:pPr>
+            <a:r>
+              <a:rPr kumimoji="0" lang="en-US" sz="5000" b="1" i="0" u="none" strike="noStrike" cap="none" spc="0" normalizeH="0" baseline="0" dirty="0" smtClean="0">
+                <a:ln>
+                  <a:noFill/>
+                </a:ln>
+                <a:solidFill>
+                  <a:schemeClr val="bg1"/>
+                </a:solidFill>
+                <a:effectLst/>
+                <a:uFillTx/>
+                <a:latin typeface="Calibri" pitchFamily="34" charset="0"/>
+                <a:sym typeface="Helvetica Neue"/>
+              </a:rPr>
+              <a:t>Techniques to send data from one form to another</a:t>
+            </a:r>
+            <a:endParaRPr kumimoji="0" lang="en-US" sz="5000" b="1" i="0" u="none" strike="noStrike" cap="none" spc="0" normalizeH="0" baseline="0" dirty="0">
+              <a:ln>
+                <a:noFill/>
+              </a:ln>
+              <a:solidFill>
+                <a:schemeClr val="bg1"/>
+              </a:solidFill>
+              <a:effectLst/>
+              <a:uFillTx/>
+              <a:latin typeface="Calibri" pitchFamily="34" charset="0"/>
+              <a:sym typeface="Helvetica Neue"/>
+            </a:endParaRPr>
+          </a:p>
+        </p:txBody>
+      </p:sp>
+      <p:sp>
+        <p:nvSpPr>
+          <p:cNvPr id="11" name="Rounded Rectangle 10"/>
+          <p:cNvSpPr/>
+          <p:nvPr/>
+        </p:nvSpPr>
+        <p:spPr>
+          <a:xfrm>
+            <a:off x="11558588" y="5486400"/>
+            <a:ext cx="4229100" cy="908758"/>
+          </a:xfrm>
+          <a:prstGeom prst="roundRect">
+            <a:avLst/>
+          </a:prstGeom>
+          <a:solidFill>
+            <a:schemeClr val="accent1">
+              <a:lumMod val="50000"/>
+            </a:schemeClr>
+          </a:solidFill>
+          <a:ln w="12700" cap="flat">
+            <a:noFill/>
+            <a:miter lim="400000"/>
+          </a:ln>
+          <a:effectLst/>
+          <a:sp3d/>
+        </p:spPr>
+        <p:style>
+          <a:lnRef idx="0">
+            <a:scrgbClr r="0" g="0" b="0"/>
+          </a:lnRef>
+          <a:fillRef idx="0">
+            <a:scrgbClr r="0" g="0" b="0"/>
+          </a:fillRef>
+          <a:effectRef idx="0">
+            <a:scrgbClr r="0" g="0" b="0"/>
+          </a:effectRef>
+          <a:fontRef idx="none"/>
+        </p:style>
+        <p:txBody>
+          <a:bodyPr rot="0" spcFirstLastPara="1" vertOverflow="overflow" horzOverflow="overflow" vert="horz" wrap="square" lIns="71437" tIns="71437" rIns="71437" bIns="71437" numCol="1" spcCol="38100" rtlCol="0" anchor="ctr">
+            <a:spAutoFit/>
+          </a:bodyPr>
+          <a:lstStyle/>
+          <a:p>
+            <a:pPr marL="0" marR="0" indent="0" algn="ctr" defTabSz="821531" rtl="0" fontAlgn="auto" latinLnBrk="0" hangingPunct="0">
+              <a:lnSpc>
+                <a:spcPct val="100000"/>
+              </a:lnSpc>
+              <a:spcBef>
+                <a:spcPts val="0"/>
+              </a:spcBef>
+              <a:spcAft>
+                <a:spcPts val="0"/>
+              </a:spcAft>
+              <a:buClrTx/>
+              <a:buSzTx/>
+              <a:buFontTx/>
+              <a:buNone/>
+              <a:tabLst/>
+            </a:pPr>
+            <a:r>
+              <a:rPr kumimoji="0" lang="en-US" sz="4400" b="0" i="0" u="none" strike="noStrike" cap="none" spc="0" normalizeH="0" baseline="0" dirty="0" err="1" smtClean="0">
+                <a:ln>
+                  <a:noFill/>
+                </a:ln>
+                <a:solidFill>
+                  <a:srgbClr val="FFFFFF"/>
+                </a:solidFill>
+                <a:effectLst/>
+                <a:uFillTx/>
+                <a:latin typeface="Consolas" pitchFamily="49" charset="0"/>
+                <a:ea typeface="+mn-ea"/>
+                <a:cs typeface="Consolas" pitchFamily="49" charset="0"/>
+                <a:sym typeface="Helvetica Neue Medium"/>
+              </a:rPr>
+              <a:t>ViewState</a:t>
+            </a:r>
+            <a:endParaRPr kumimoji="0" lang="en-US" sz="4400" b="0" i="0" u="none" strike="noStrike" cap="none" spc="0" normalizeH="0" baseline="0" dirty="0">
+              <a:ln>
+                <a:noFill/>
+              </a:ln>
+              <a:solidFill>
+                <a:srgbClr val="FFFFFF"/>
+              </a:solidFill>
+              <a:effectLst/>
+              <a:uFillTx/>
+              <a:latin typeface="Consolas" pitchFamily="49" charset="0"/>
+              <a:ea typeface="+mn-ea"/>
+              <a:cs typeface="Consolas" pitchFamily="49" charset="0"/>
+              <a:sym typeface="Helvetica Neue Medium"/>
+            </a:endParaRPr>
+          </a:p>
+        </p:txBody>
+      </p:sp>
+      <p:sp>
+        <p:nvSpPr>
+          <p:cNvPr id="12" name="Rounded Rectangle 11"/>
+          <p:cNvSpPr/>
+          <p:nvPr/>
+        </p:nvSpPr>
+        <p:spPr>
+          <a:xfrm>
+            <a:off x="11558588" y="7286625"/>
+            <a:ext cx="4229100" cy="908758"/>
+          </a:xfrm>
+          <a:prstGeom prst="roundRect">
+            <a:avLst/>
+          </a:prstGeom>
+          <a:solidFill>
+            <a:schemeClr val="accent1">
+              <a:lumMod val="50000"/>
+            </a:schemeClr>
+          </a:solidFill>
+          <a:ln w="12700" cap="flat">
+            <a:noFill/>
+            <a:miter lim="400000"/>
+          </a:ln>
+          <a:effectLst/>
+          <a:sp3d/>
+        </p:spPr>
+        <p:style>
+          <a:lnRef idx="0">
+            <a:scrgbClr r="0" g="0" b="0"/>
+          </a:lnRef>
+          <a:fillRef idx="0">
+            <a:scrgbClr r="0" g="0" b="0"/>
+          </a:fillRef>
+          <a:effectRef idx="0">
+            <a:scrgbClr r="0" g="0" b="0"/>
+          </a:effectRef>
+          <a:fontRef idx="none"/>
+        </p:style>
+        <p:txBody>
+          <a:bodyPr rot="0" spcFirstLastPara="1" vertOverflow="overflow" horzOverflow="overflow" vert="horz" wrap="square" lIns="71437" tIns="71437" rIns="71437" bIns="71437" numCol="1" spcCol="38100" rtlCol="0" anchor="ctr">
+            <a:spAutoFit/>
+          </a:bodyPr>
+          <a:lstStyle/>
+          <a:p>
+            <a:pPr marL="0" marR="0" indent="0" algn="ctr" defTabSz="821531" rtl="0" fontAlgn="auto" latinLnBrk="0" hangingPunct="0">
+              <a:lnSpc>
+                <a:spcPct val="100000"/>
+              </a:lnSpc>
+              <a:spcBef>
+                <a:spcPts val="0"/>
+              </a:spcBef>
+              <a:spcAft>
+                <a:spcPts val="0"/>
+              </a:spcAft>
+              <a:buClrTx/>
+              <a:buSzTx/>
+              <a:buFontTx/>
+              <a:buNone/>
+              <a:tabLst/>
+            </a:pPr>
+            <a:r>
+              <a:rPr kumimoji="0" lang="en-US" sz="4400" b="0" i="0" u="none" strike="noStrike" cap="none" spc="0" normalizeH="0" baseline="0" dirty="0" smtClean="0">
+                <a:ln>
+                  <a:noFill/>
+                </a:ln>
+                <a:solidFill>
+                  <a:srgbClr val="FFFFFF"/>
+                </a:solidFill>
+                <a:effectLst/>
+                <a:uFillTx/>
+                <a:latin typeface="Consolas" pitchFamily="49" charset="0"/>
+                <a:ea typeface="+mn-ea"/>
+                <a:cs typeface="Consolas" pitchFamily="49" charset="0"/>
+                <a:sym typeface="Helvetica Neue Medium"/>
+              </a:rPr>
+              <a:t>Session</a:t>
+            </a:r>
+            <a:endParaRPr kumimoji="0" lang="en-US" sz="4400" b="0" i="0" u="none" strike="noStrike" cap="none" spc="0" normalizeH="0" baseline="0" dirty="0">
+              <a:ln>
+                <a:noFill/>
+              </a:ln>
+              <a:solidFill>
+                <a:srgbClr val="FFFFFF"/>
+              </a:solidFill>
+              <a:effectLst/>
+              <a:uFillTx/>
+              <a:latin typeface="Consolas" pitchFamily="49" charset="0"/>
+              <a:ea typeface="+mn-ea"/>
+              <a:cs typeface="Consolas" pitchFamily="49" charset="0"/>
+              <a:sym typeface="Helvetica Neue Medium"/>
+            </a:endParaRPr>
+          </a:p>
+        </p:txBody>
+      </p:sp>
+      <p:sp>
+        <p:nvSpPr>
+          <p:cNvPr id="13" name="Rounded Rectangle 12"/>
+          <p:cNvSpPr/>
+          <p:nvPr/>
+        </p:nvSpPr>
+        <p:spPr>
+          <a:xfrm>
+            <a:off x="11558588" y="9086850"/>
+            <a:ext cx="4229100" cy="908758"/>
+          </a:xfrm>
+          <a:prstGeom prst="roundRect">
+            <a:avLst/>
+          </a:prstGeom>
+          <a:solidFill>
+            <a:schemeClr val="accent1">
+              <a:lumMod val="50000"/>
+            </a:schemeClr>
+          </a:solidFill>
+          <a:ln w="12700" cap="flat">
+            <a:noFill/>
+            <a:miter lim="400000"/>
+          </a:ln>
+          <a:effectLst/>
+          <a:sp3d/>
+        </p:spPr>
+        <p:style>
+          <a:lnRef idx="0">
+            <a:scrgbClr r="0" g="0" b="0"/>
+          </a:lnRef>
+          <a:fillRef idx="0">
+            <a:scrgbClr r="0" g="0" b="0"/>
+          </a:fillRef>
+          <a:effectRef idx="0">
+            <a:scrgbClr r="0" g="0" b="0"/>
+          </a:effectRef>
+          <a:fontRef idx="none"/>
+        </p:style>
+        <p:txBody>
+          <a:bodyPr rot="0" spcFirstLastPara="1" vertOverflow="overflow" horzOverflow="overflow" vert="horz" wrap="square" lIns="71437" tIns="71437" rIns="71437" bIns="71437" numCol="1" spcCol="38100" rtlCol="0" anchor="ctr">
+            <a:spAutoFit/>
+          </a:bodyPr>
+          <a:lstStyle/>
+          <a:p>
+            <a:pPr marL="0" marR="0" indent="0" algn="ctr" defTabSz="821531" rtl="0" fontAlgn="auto" latinLnBrk="0" hangingPunct="0">
+              <a:lnSpc>
+                <a:spcPct val="100000"/>
+              </a:lnSpc>
+              <a:spcBef>
+                <a:spcPts val="0"/>
+              </a:spcBef>
+              <a:spcAft>
+                <a:spcPts val="0"/>
+              </a:spcAft>
+              <a:buClrTx/>
+              <a:buSzTx/>
+              <a:buFontTx/>
+              <a:buNone/>
+              <a:tabLst/>
+            </a:pPr>
+            <a:r>
+              <a:rPr kumimoji="0" lang="en-US" sz="4400" b="0" i="0" u="none" strike="noStrike" cap="none" spc="0" normalizeH="0" baseline="0" dirty="0" smtClean="0">
+                <a:ln>
+                  <a:noFill/>
+                </a:ln>
+                <a:solidFill>
+                  <a:srgbClr val="FFFFFF"/>
+                </a:solidFill>
+                <a:effectLst/>
+                <a:uFillTx/>
+                <a:latin typeface="Consolas" pitchFamily="49" charset="0"/>
+                <a:ea typeface="+mn-ea"/>
+                <a:cs typeface="Consolas" pitchFamily="49" charset="0"/>
+                <a:sym typeface="Helvetica Neue Medium"/>
+              </a:rPr>
+              <a:t>Application</a:t>
+            </a:r>
+            <a:endParaRPr kumimoji="0" lang="en-US" sz="4400" b="0" i="0" u="none" strike="noStrike" cap="none" spc="0" normalizeH="0" baseline="0" dirty="0">
+              <a:ln>
+                <a:noFill/>
+              </a:ln>
+              <a:solidFill>
+                <a:srgbClr val="FFFFFF"/>
+              </a:solidFill>
+              <a:effectLst/>
+              <a:uFillTx/>
+              <a:latin typeface="Consolas" pitchFamily="49" charset="0"/>
+              <a:ea typeface="+mn-ea"/>
+              <a:cs typeface="Consolas" pitchFamily="49" charset="0"/>
+              <a:sym typeface="Helvetica Neue Medium"/>
+            </a:endParaRPr>
+          </a:p>
+        </p:txBody>
+      </p:sp>
+      <p:grpSp>
+        <p:nvGrpSpPr>
+          <p:cNvPr id="21" name="Group 20"/>
+          <p:cNvGrpSpPr/>
+          <p:nvPr/>
+        </p:nvGrpSpPr>
+        <p:grpSpPr>
+          <a:xfrm>
+            <a:off x="7416800" y="4314825"/>
+            <a:ext cx="4129088" cy="5226404"/>
+            <a:chOff x="9702800" y="4257675"/>
+            <a:chExt cx="4129088" cy="5226404"/>
+          </a:xfrm>
+        </p:grpSpPr>
+        <p:cxnSp>
+          <p:nvCxnSpPr>
+            <p:cNvPr id="15" name="Elbow Connector 14"/>
+            <p:cNvCxnSpPr/>
+            <p:nvPr/>
+          </p:nvCxnSpPr>
+          <p:spPr>
+            <a:xfrm>
+              <a:off x="9702800" y="4257675"/>
+              <a:ext cx="4129088" cy="1625954"/>
+            </a:xfrm>
+            <a:prstGeom prst="bentConnector3">
+              <a:avLst>
+                <a:gd name="adj1" fmla="val 173"/>
+              </a:avLst>
+            </a:prstGeom>
+            <a:noFill/>
+            <a:ln w="69850" cap="flat">
+              <a:solidFill>
+                <a:schemeClr val="tx1"/>
+              </a:solidFill>
+              <a:prstDash val="solid"/>
+              <a:miter lim="400000"/>
+              <a:tailEnd type="arrow"/>
+            </a:ln>
+            <a:effectLst/>
+            <a:sp3d/>
+          </p:spPr>
+          <p:style>
+            <a:lnRef idx="0">
+              <a:scrgbClr r="0" g="0" b="0"/>
+            </a:lnRef>
+            <a:fillRef idx="0">
+              <a:scrgbClr r="0" g="0" b="0"/>
+            </a:fillRef>
+            <a:effectRef idx="0">
+              <a:scrgbClr r="0" g="0" b="0"/>
+            </a:effectRef>
+            <a:fontRef idx="none"/>
+          </p:style>
+        </p:cxnSp>
+        <p:cxnSp>
+          <p:nvCxnSpPr>
+            <p:cNvPr id="17" name="Elbow Connector 16"/>
+            <p:cNvCxnSpPr/>
+            <p:nvPr/>
+          </p:nvCxnSpPr>
+          <p:spPr>
+            <a:xfrm>
+              <a:off x="9731375" y="5200650"/>
+              <a:ext cx="4081463" cy="2492729"/>
+            </a:xfrm>
+            <a:prstGeom prst="bentConnector3">
+              <a:avLst>
+                <a:gd name="adj1" fmla="val -408"/>
+              </a:avLst>
+            </a:prstGeom>
+            <a:noFill/>
+            <a:ln w="69850" cap="flat">
+              <a:solidFill>
+                <a:schemeClr val="tx1"/>
+              </a:solidFill>
+              <a:prstDash val="solid"/>
+              <a:miter lim="400000"/>
+              <a:tailEnd type="arrow"/>
+            </a:ln>
+            <a:effectLst/>
+            <a:sp3d/>
+          </p:spPr>
+          <p:style>
+            <a:lnRef idx="0">
+              <a:scrgbClr r="0" g="0" b="0"/>
+            </a:lnRef>
+            <a:fillRef idx="0">
+              <a:scrgbClr r="0" g="0" b="0"/>
+            </a:fillRef>
+            <a:effectRef idx="0">
+              <a:scrgbClr r="0" g="0" b="0"/>
+            </a:effectRef>
+            <a:fontRef idx="none"/>
+          </p:style>
+        </p:cxnSp>
+        <p:cxnSp>
+          <p:nvCxnSpPr>
+            <p:cNvPr id="20" name="Elbow Connector 19"/>
+            <p:cNvCxnSpPr/>
+            <p:nvPr/>
+          </p:nvCxnSpPr>
+          <p:spPr>
+            <a:xfrm>
+              <a:off x="9731375" y="6991350"/>
+              <a:ext cx="4081463" cy="2492729"/>
+            </a:xfrm>
+            <a:prstGeom prst="bentConnector3">
+              <a:avLst>
+                <a:gd name="adj1" fmla="val -408"/>
+              </a:avLst>
+            </a:prstGeom>
+            <a:noFill/>
+            <a:ln w="69850" cap="flat">
+              <a:solidFill>
+                <a:schemeClr val="tx1"/>
+              </a:solidFill>
+              <a:prstDash val="solid"/>
+              <a:miter lim="400000"/>
+              <a:tailEnd type="arrow"/>
+            </a:ln>
+            <a:effectLst/>
+            <a:sp3d/>
+          </p:spPr>
+          <p:style>
+            <a:lnRef idx="0">
+              <a:scrgbClr r="0" g="0" b="0"/>
+            </a:lnRef>
+            <a:fillRef idx="0">
+              <a:scrgbClr r="0" g="0" b="0"/>
+            </a:fillRef>
+            <a:effectRef idx="0">
+              <a:scrgbClr r="0" g="0" b="0"/>
+            </a:effectRef>
+            <a:fontRef idx="none"/>
+          </p:style>
+        </p:cxnSp>
+      </p:grpSp>
+      <p:sp>
+        <p:nvSpPr>
+          <p:cNvPr id="26" name="TextBox 25"/>
+          <p:cNvSpPr txBox="1"/>
+          <p:nvPr/>
+        </p:nvSpPr>
+        <p:spPr>
+          <a:xfrm>
+            <a:off x="16059150" y="5486400"/>
+            <a:ext cx="6829425" cy="759822"/>
+          </a:xfrm>
+          <a:prstGeom prst="rect">
+            <a:avLst/>
+          </a:prstGeom>
+          <a:noFill/>
+          <a:ln w="12700" cap="flat">
+            <a:noFill/>
+            <a:miter lim="400000"/>
+          </a:ln>
+          <a:effectLst/>
+          <a:sp3d/>
+        </p:spPr>
+        <p:style>
+          <a:lnRef idx="0">
+            <a:scrgbClr r="0" g="0" b="0"/>
+          </a:lnRef>
+          <a:fillRef idx="0">
+            <a:scrgbClr r="0" g="0" b="0"/>
+          </a:fillRef>
+          <a:effectRef idx="0">
+            <a:scrgbClr r="0" g="0" b="0"/>
+          </a:effectRef>
+          <a:fontRef idx="none"/>
+        </p:style>
+        <p:txBody>
+          <a:bodyPr rot="0" spcFirstLastPara="1" vertOverflow="overflow" horzOverflow="overflow" vert="horz" wrap="square" lIns="71437" tIns="71437" rIns="71437" bIns="71437" numCol="1" spcCol="38100" rtlCol="0" anchor="ctr">
+            <a:spAutoFit/>
+          </a:bodyPr>
+          <a:lstStyle/>
+          <a:p>
+            <a:pPr marL="0" marR="0" indent="0" algn="l" defTabSz="821531" rtl="0" fontAlgn="auto" latinLnBrk="0" hangingPunct="0">
+              <a:lnSpc>
+                <a:spcPct val="100000"/>
+              </a:lnSpc>
+              <a:spcBef>
+                <a:spcPts val="0"/>
+              </a:spcBef>
+              <a:spcAft>
+                <a:spcPts val="0"/>
+              </a:spcAft>
+              <a:buClrTx/>
+              <a:buSzTx/>
+              <a:buFontTx/>
+              <a:buNone/>
+              <a:tabLst/>
+            </a:pPr>
+            <a:r>
+              <a:rPr kumimoji="0" lang="en-US" sz="4000" b="0" i="0" u="none" strike="noStrike" cap="none" spc="0" normalizeH="0" baseline="0" dirty="0" smtClean="0">
+                <a:ln>
+                  <a:noFill/>
+                </a:ln>
+                <a:solidFill>
+                  <a:srgbClr val="000000"/>
+                </a:solidFill>
+                <a:effectLst/>
+                <a:uFillTx/>
+                <a:latin typeface="Consolas" pitchFamily="49" charset="0"/>
+                <a:cs typeface="Consolas" pitchFamily="49" charset="0"/>
+                <a:sym typeface="Helvetica Neue"/>
+              </a:rPr>
+              <a:t>Single user Local Data</a:t>
+            </a:r>
+            <a:endParaRPr kumimoji="0" lang="en-US" sz="4000" b="0" i="0" u="none" strike="noStrike" cap="none" spc="0" normalizeH="0" baseline="0" dirty="0">
+              <a:ln>
+                <a:noFill/>
+              </a:ln>
+              <a:solidFill>
+                <a:srgbClr val="000000"/>
+              </a:solidFill>
+              <a:effectLst/>
+              <a:uFillTx/>
+              <a:latin typeface="Consolas" pitchFamily="49" charset="0"/>
+              <a:cs typeface="Consolas" pitchFamily="49" charset="0"/>
+              <a:sym typeface="Helvetica Neue"/>
+            </a:endParaRPr>
+          </a:p>
+        </p:txBody>
+      </p:sp>
+      <p:sp>
+        <p:nvSpPr>
+          <p:cNvPr id="27" name="TextBox 26"/>
+          <p:cNvSpPr txBox="1"/>
+          <p:nvPr/>
+        </p:nvSpPr>
+        <p:spPr>
+          <a:xfrm>
+            <a:off x="16059150" y="7286625"/>
+            <a:ext cx="6829425" cy="759822"/>
+          </a:xfrm>
+          <a:prstGeom prst="rect">
+            <a:avLst/>
+          </a:prstGeom>
+          <a:noFill/>
+          <a:ln w="12700" cap="flat">
+            <a:noFill/>
+            <a:miter lim="400000"/>
+          </a:ln>
+          <a:effectLst/>
+          <a:sp3d/>
+        </p:spPr>
+        <p:style>
+          <a:lnRef idx="0">
+            <a:scrgbClr r="0" g="0" b="0"/>
+          </a:lnRef>
+          <a:fillRef idx="0">
+            <a:scrgbClr r="0" g="0" b="0"/>
+          </a:fillRef>
+          <a:effectRef idx="0">
+            <a:scrgbClr r="0" g="0" b="0"/>
+          </a:effectRef>
+          <a:fontRef idx="none"/>
+        </p:style>
+        <p:txBody>
+          <a:bodyPr rot="0" spcFirstLastPara="1" vertOverflow="overflow" horzOverflow="overflow" vert="horz" wrap="square" lIns="71437" tIns="71437" rIns="71437" bIns="71437" numCol="1" spcCol="38100" rtlCol="0" anchor="ctr">
+            <a:spAutoFit/>
+          </a:bodyPr>
+          <a:lstStyle/>
+          <a:p>
+            <a:pPr marL="0" marR="0" indent="0" algn="l" defTabSz="821531" rtl="0" fontAlgn="auto" latinLnBrk="0" hangingPunct="0">
+              <a:lnSpc>
+                <a:spcPct val="100000"/>
+              </a:lnSpc>
+              <a:spcBef>
+                <a:spcPts val="0"/>
+              </a:spcBef>
+              <a:spcAft>
+                <a:spcPts val="0"/>
+              </a:spcAft>
+              <a:buClrTx/>
+              <a:buSzTx/>
+              <a:buFontTx/>
+              <a:buNone/>
+              <a:tabLst/>
+            </a:pPr>
+            <a:r>
+              <a:rPr kumimoji="0" lang="en-US" sz="4000" b="0" i="0" u="none" strike="noStrike" cap="none" spc="0" normalizeH="0" baseline="0" dirty="0" smtClean="0">
+                <a:ln>
+                  <a:noFill/>
+                </a:ln>
+                <a:solidFill>
+                  <a:srgbClr val="000000"/>
+                </a:solidFill>
+                <a:effectLst/>
+                <a:uFillTx/>
+                <a:latin typeface="Consolas" pitchFamily="49" charset="0"/>
+                <a:cs typeface="Consolas" pitchFamily="49" charset="0"/>
+                <a:sym typeface="Helvetica Neue"/>
+              </a:rPr>
+              <a:t>Single user Global Data</a:t>
+            </a:r>
+            <a:endParaRPr kumimoji="0" lang="en-US" sz="4000" b="0" i="0" u="none" strike="noStrike" cap="none" spc="0" normalizeH="0" baseline="0" dirty="0">
+              <a:ln>
+                <a:noFill/>
+              </a:ln>
+              <a:solidFill>
+                <a:srgbClr val="000000"/>
+              </a:solidFill>
+              <a:effectLst/>
+              <a:uFillTx/>
+              <a:latin typeface="Consolas" pitchFamily="49" charset="0"/>
+              <a:cs typeface="Consolas" pitchFamily="49" charset="0"/>
+              <a:sym typeface="Helvetica Neue"/>
+            </a:endParaRPr>
+          </a:p>
+        </p:txBody>
+      </p:sp>
+      <p:sp>
+        <p:nvSpPr>
+          <p:cNvPr id="28" name="TextBox 27"/>
+          <p:cNvSpPr txBox="1"/>
+          <p:nvPr/>
+        </p:nvSpPr>
+        <p:spPr>
+          <a:xfrm>
+            <a:off x="16059150" y="9144000"/>
+            <a:ext cx="6829425" cy="759822"/>
+          </a:xfrm>
+          <a:prstGeom prst="rect">
+            <a:avLst/>
+          </a:prstGeom>
+          <a:noFill/>
+          <a:ln w="12700" cap="flat">
+            <a:noFill/>
+            <a:miter lim="400000"/>
+          </a:ln>
+          <a:effectLst/>
+          <a:sp3d/>
+        </p:spPr>
+        <p:style>
+          <a:lnRef idx="0">
+            <a:scrgbClr r="0" g="0" b="0"/>
+          </a:lnRef>
+          <a:fillRef idx="0">
+            <a:scrgbClr r="0" g="0" b="0"/>
+          </a:fillRef>
+          <a:effectRef idx="0">
+            <a:scrgbClr r="0" g="0" b="0"/>
+          </a:effectRef>
+          <a:fontRef idx="none"/>
+        </p:style>
+        <p:txBody>
+          <a:bodyPr rot="0" spcFirstLastPara="1" vertOverflow="overflow" horzOverflow="overflow" vert="horz" wrap="square" lIns="71437" tIns="71437" rIns="71437" bIns="71437" numCol="1" spcCol="38100" rtlCol="0" anchor="ctr">
+            <a:spAutoFit/>
+          </a:bodyPr>
+          <a:lstStyle/>
+          <a:p>
+            <a:pPr marL="0" marR="0" indent="0" algn="l" defTabSz="821531" rtl="0" fontAlgn="auto" latinLnBrk="0" hangingPunct="0">
+              <a:lnSpc>
+                <a:spcPct val="100000"/>
+              </a:lnSpc>
+              <a:spcBef>
+                <a:spcPts val="0"/>
+              </a:spcBef>
+              <a:spcAft>
+                <a:spcPts val="0"/>
+              </a:spcAft>
+              <a:buClrTx/>
+              <a:buSzTx/>
+              <a:buFontTx/>
+              <a:buNone/>
+              <a:tabLst/>
+            </a:pPr>
+            <a:r>
+              <a:rPr kumimoji="0" lang="en-US" sz="4000" b="0" i="0" u="none" strike="noStrike" cap="none" spc="0" normalizeH="0" baseline="0" dirty="0" smtClean="0">
+                <a:ln>
+                  <a:noFill/>
+                </a:ln>
+                <a:solidFill>
+                  <a:srgbClr val="000000"/>
+                </a:solidFill>
+                <a:effectLst/>
+                <a:uFillTx/>
+                <a:latin typeface="Consolas" pitchFamily="49" charset="0"/>
+                <a:cs typeface="Consolas" pitchFamily="49" charset="0"/>
+                <a:sym typeface="Helvetica Neue"/>
+              </a:rPr>
+              <a:t>Multi user Global Data</a:t>
+            </a:r>
+            <a:endParaRPr kumimoji="0" lang="en-US" sz="4000" b="0" i="0" u="none" strike="noStrike" cap="none" spc="0" normalizeH="0" baseline="0" dirty="0">
+              <a:ln>
+                <a:noFill/>
+              </a:ln>
+              <a:solidFill>
+                <a:srgbClr val="000000"/>
+              </a:solidFill>
+              <a:effectLst/>
+              <a:uFillTx/>
+              <a:latin typeface="Consolas" pitchFamily="49" charset="0"/>
+              <a:cs typeface="Consolas" pitchFamily="49" charset="0"/>
+              <a:sym typeface="Helvetica Neue"/>
+            </a:endParaRPr>
+          </a:p>
+        </p:txBody>
+      </p:sp>
+    </p:spTree>
+  </p:cSld>
+  <p:clrMapOvr>
+    <a:masterClrMapping/>
+  </p:clrMapOvr>
+  <p:transition spd="med"/>
+  <p:timing>
+    <p:tnLst>
+      <p:par>
+        <p:cTn id="1" dur="indefinite" restart="never" nodeType="tmRoot"/>
+      </p:par>
+    </p:tnLst>
+  </p:timing>
+</p:sld>
+</file>
+
+<file path=ppt/slides/slide16.xml><?xml version="1.0" encoding="utf-8"?>
+<p:sld xmlns:a="http://schemas.openxmlformats.org/drawingml/2006/main" xmlns:r="http://schemas.openxmlformats.org/officeDocument/2006/relationships" xmlns:p="http://schemas.openxmlformats.org/presentationml/2006/main">
+  <p:cSld>
+    <p:spTree>
+      <p:nvGrpSpPr>
+        <p:cNvPr id="1" name=""/>
+        <p:cNvGrpSpPr/>
+        <p:nvPr/>
+      </p:nvGrpSpPr>
+      <p:grpSpPr>
+        <a:xfrm>
+          <a:off x="0" y="0"/>
+          <a:ext cx="0" cy="0"/>
+          <a:chOff x="0" y="0"/>
+          <a:chExt cx="0" cy="0"/>
+        </a:xfrm>
+      </p:grpSpPr>
+      <p:sp>
+        <p:nvSpPr>
+          <p:cNvPr id="135" name="Line"/>
+          <p:cNvSpPr/>
+          <p:nvPr/>
+        </p:nvSpPr>
+        <p:spPr>
+          <a:xfrm flipV="1">
+            <a:off x="2885566" y="-124865"/>
+            <a:ext cx="1" cy="13965729"/>
+          </a:xfrm>
+          <a:prstGeom prst="line">
+            <a:avLst/>
+          </a:prstGeom>
+          <a:ln w="57150">
+            <a:solidFill>
+              <a:srgbClr val="183E67"/>
+            </a:solidFill>
+            <a:custDash>
+              <a:ds d="600000" sp="600000"/>
+            </a:custDash>
+            <a:miter lim="400000"/>
+          </a:ln>
+        </p:spPr>
+        <p:txBody>
+          <a:bodyPr lIns="71437" tIns="71437" rIns="71437" bIns="71437" anchor="ctr"/>
+          <a:lstStyle/>
+          <a:p>
+            <a:pPr>
+              <a:defRPr sz="3000" b="0">
+                <a:solidFill>
+                  <a:srgbClr val="FFFFFF"/>
+                </a:solidFill>
+                <a:latin typeface="+mn-lt"/>
+                <a:ea typeface="+mn-ea"/>
+                <a:cs typeface="+mn-cs"/>
+                <a:sym typeface="Helvetica Neue Medium"/>
+              </a:defRPr>
+            </a:pPr>
+            <a:endParaRPr/>
+          </a:p>
+        </p:txBody>
+      </p:sp>
+      <p:sp>
+        <p:nvSpPr>
+          <p:cNvPr id="139" name="Line"/>
+          <p:cNvSpPr/>
+          <p:nvPr/>
+        </p:nvSpPr>
+        <p:spPr>
+          <a:xfrm>
+            <a:off x="2885566" y="2266950"/>
+            <a:ext cx="21498434" cy="0"/>
+          </a:xfrm>
+          <a:prstGeom prst="line">
+            <a:avLst/>
+          </a:prstGeom>
+          <a:ln w="25400">
+            <a:solidFill>
+              <a:schemeClr val="accent1">
+                <a:hueOff val="114395"/>
+                <a:lumOff val="-24975"/>
+              </a:schemeClr>
+            </a:solidFill>
+            <a:miter lim="400000"/>
+          </a:ln>
+          <a:effectLst/>
+        </p:spPr>
+        <p:txBody>
+          <a:bodyPr lIns="71437" tIns="71437" rIns="71437" bIns="71437" anchor="ctr"/>
+          <a:lstStyle/>
+          <a:p>
+            <a:pPr>
+              <a:defRPr sz="3000" b="0">
+                <a:solidFill>
+                  <a:srgbClr val="FFFFFF"/>
+                </a:solidFill>
+                <a:latin typeface="+mn-lt"/>
+                <a:ea typeface="+mn-ea"/>
+                <a:cs typeface="+mn-cs"/>
+                <a:sym typeface="Helvetica Neue Medium"/>
+              </a:defRPr>
+            </a:pPr>
+            <a:endParaRPr/>
+          </a:p>
+        </p:txBody>
+      </p:sp>
+      <p:sp>
+        <p:nvSpPr>
+          <p:cNvPr id="9" name="Constructor"/>
+          <p:cNvSpPr txBox="1"/>
+          <p:nvPr/>
+        </p:nvSpPr>
+        <p:spPr>
+          <a:xfrm rot="16200000">
+            <a:off x="-3585352" y="6047202"/>
+            <a:ext cx="10070064" cy="1621597"/>
+          </a:xfrm>
+          <a:prstGeom prst="rect">
+            <a:avLst/>
+          </a:prstGeom>
+          <a:ln w="12700">
+            <a:miter lim="400000"/>
+          </a:ln>
+          <a:extLst>
+            <a:ext uri="{C572A759-6A51-4108-AA02-DFA0A04FC94B}">
+              <ma14:wrappingTextBoxFlag xmlns="" xmlns:m="http://schemas.openxmlformats.org/officeDocument/2006/math" xmlns:a14="http://schemas.microsoft.com/office/drawing/2010/main" xmlns:ma14="http://schemas.microsoft.com/office/mac/drawingml/2011/main" val="1"/>
+            </a:ext>
+          </a:extLst>
+        </p:spPr>
+        <p:txBody>
+          <a:bodyPr wrap="none" lIns="71437" tIns="71437" rIns="71437" bIns="71437" anchor="ctr">
+            <a:spAutoFit/>
+          </a:bodyPr>
+          <a:lstStyle>
+            <a:lvl1pPr>
+              <a:defRPr sz="10000">
+                <a:solidFill>
+                  <a:srgbClr val="474748"/>
+                </a:solidFill>
+              </a:defRPr>
+            </a:lvl1pPr>
+          </a:lstStyle>
+          <a:p>
+            <a:r>
+              <a:rPr lang="en-US" sz="9600" dirty="0" smtClean="0">
+                <a:solidFill>
+                  <a:schemeClr val="tx2"/>
+                </a:solidFill>
+              </a:rPr>
+              <a:t>State Management</a:t>
+            </a:r>
+            <a:endParaRPr lang="en-US" sz="9600" dirty="0">
+              <a:solidFill>
+                <a:schemeClr val="tx2"/>
+              </a:solidFill>
+            </a:endParaRPr>
+          </a:p>
+        </p:txBody>
+      </p:sp>
+      <p:sp>
+        <p:nvSpPr>
+          <p:cNvPr id="8" name="TextBox 7"/>
+          <p:cNvSpPr txBox="1"/>
+          <p:nvPr/>
+        </p:nvSpPr>
+        <p:spPr>
+          <a:xfrm>
+            <a:off x="6057900" y="3114675"/>
+            <a:ext cx="14373225" cy="1440380"/>
+          </a:xfrm>
+          <a:prstGeom prst="roundRect">
+            <a:avLst>
+              <a:gd name="adj" fmla="val 33627"/>
+            </a:avLst>
+          </a:prstGeom>
+          <a:solidFill>
+            <a:schemeClr val="accent1">
+              <a:lumMod val="50000"/>
+            </a:schemeClr>
+          </a:solidFill>
+          <a:ln w="12700" cap="flat">
+            <a:noFill/>
+            <a:miter lim="400000"/>
+          </a:ln>
+          <a:effectLst/>
+          <a:sp3d/>
+        </p:spPr>
+        <p:style>
+          <a:lnRef idx="0">
+            <a:scrgbClr r="0" g="0" b="0"/>
+          </a:lnRef>
+          <a:fillRef idx="0">
+            <a:scrgbClr r="0" g="0" b="0"/>
+          </a:fillRef>
+          <a:effectRef idx="0">
+            <a:scrgbClr r="0" g="0" b="0"/>
+          </a:effectRef>
+          <a:fontRef idx="none"/>
+        </p:style>
+        <p:txBody>
+          <a:bodyPr rot="0" spcFirstLastPara="1" vertOverflow="overflow" horzOverflow="overflow" vert="horz" wrap="square" lIns="71437" tIns="71437" rIns="71437" bIns="71437" numCol="1" spcCol="38100" rtlCol="0" anchor="t">
+            <a:spAutoFit/>
+          </a:bodyPr>
+          <a:lstStyle/>
+          <a:p>
+            <a:pPr marL="0" marR="0" indent="0" algn="ctr" defTabSz="821531" rtl="0" fontAlgn="auto" latinLnBrk="0" hangingPunct="0">
+              <a:lnSpc>
+                <a:spcPct val="100000"/>
+              </a:lnSpc>
+              <a:spcBef>
+                <a:spcPts val="0"/>
+              </a:spcBef>
+              <a:spcAft>
+                <a:spcPts val="0"/>
+              </a:spcAft>
+              <a:buClrTx/>
+              <a:buSzTx/>
+              <a:buFontTx/>
+              <a:buNone/>
+              <a:tabLst/>
+            </a:pPr>
+            <a:r>
+              <a:rPr kumimoji="0" lang="en-US" sz="5000" b="1" i="0" u="none" strike="noStrike" cap="none" spc="0" normalizeH="0" baseline="0" dirty="0" smtClean="0">
+                <a:ln>
+                  <a:noFill/>
+                </a:ln>
+                <a:solidFill>
+                  <a:schemeClr val="bg1"/>
+                </a:solidFill>
+                <a:effectLst/>
+                <a:uFillTx/>
+                <a:latin typeface="Calibri" pitchFamily="34" charset="0"/>
+                <a:sym typeface="Helvetica Neue"/>
+              </a:rPr>
+              <a:t>Events in Web Application</a:t>
+            </a:r>
+            <a:r>
+              <a:rPr kumimoji="0" lang="en-US" sz="6600" b="1" i="0" u="none" strike="noStrike" cap="none" spc="0" normalizeH="0" baseline="0" dirty="0" smtClean="0">
+                <a:ln>
+                  <a:noFill/>
+                </a:ln>
+                <a:solidFill>
+                  <a:schemeClr val="bg1"/>
+                </a:solidFill>
+                <a:effectLst/>
+                <a:uFillTx/>
+                <a:latin typeface="Calibri" pitchFamily="34" charset="0"/>
+                <a:sym typeface="Helvetica Neue"/>
+              </a:rPr>
+              <a:t> </a:t>
+            </a:r>
+            <a:endParaRPr kumimoji="0" lang="en-US" sz="5000" b="1" i="0" u="none" strike="noStrike" cap="none" spc="0" normalizeH="0" baseline="0" dirty="0">
+              <a:ln>
+                <a:noFill/>
+              </a:ln>
+              <a:solidFill>
+                <a:schemeClr val="bg1"/>
+              </a:solidFill>
+              <a:effectLst/>
+              <a:uFillTx/>
+              <a:latin typeface="Calibri" pitchFamily="34" charset="0"/>
+              <a:sym typeface="Helvetica Neue"/>
+            </a:endParaRPr>
+          </a:p>
+        </p:txBody>
+      </p:sp>
+      <p:sp>
+        <p:nvSpPr>
+          <p:cNvPr id="11" name="Rounded Rectangle 10"/>
+          <p:cNvSpPr/>
+          <p:nvPr/>
+        </p:nvSpPr>
+        <p:spPr>
+          <a:xfrm>
+            <a:off x="6057900" y="6972300"/>
+            <a:ext cx="4229100" cy="1657900"/>
+          </a:xfrm>
+          <a:prstGeom prst="roundRect">
+            <a:avLst/>
+          </a:prstGeom>
+          <a:solidFill>
+            <a:schemeClr val="accent1">
+              <a:lumMod val="50000"/>
+            </a:schemeClr>
+          </a:solidFill>
+          <a:ln w="12700" cap="flat">
+            <a:noFill/>
+            <a:miter lim="400000"/>
+          </a:ln>
+          <a:effectLst/>
+          <a:sp3d/>
+        </p:spPr>
+        <p:style>
+          <a:lnRef idx="0">
+            <a:scrgbClr r="0" g="0" b="0"/>
+          </a:lnRef>
+          <a:fillRef idx="0">
+            <a:scrgbClr r="0" g="0" b="0"/>
+          </a:fillRef>
+          <a:effectRef idx="0">
+            <a:scrgbClr r="0" g="0" b="0"/>
+          </a:effectRef>
+          <a:fontRef idx="none"/>
+        </p:style>
+        <p:txBody>
+          <a:bodyPr rot="0" spcFirstLastPara="1" vertOverflow="overflow" horzOverflow="overflow" vert="horz" wrap="square" lIns="71437" tIns="71437" rIns="71437" bIns="71437" numCol="1" spcCol="38100" rtlCol="0" anchor="ctr">
+            <a:spAutoFit/>
+          </a:bodyPr>
+          <a:lstStyle/>
+          <a:p>
+            <a:pPr marL="0" marR="0" indent="0" algn="ctr" defTabSz="821531" rtl="0" fontAlgn="auto" latinLnBrk="0" hangingPunct="0">
+              <a:lnSpc>
+                <a:spcPct val="100000"/>
+              </a:lnSpc>
+              <a:spcBef>
+                <a:spcPts val="0"/>
+              </a:spcBef>
+              <a:spcAft>
+                <a:spcPts val="0"/>
+              </a:spcAft>
+              <a:buClrTx/>
+              <a:buSzTx/>
+              <a:buFontTx/>
+              <a:buNone/>
+              <a:tabLst/>
+            </a:pPr>
+            <a:r>
+              <a:rPr kumimoji="0" lang="en-US" sz="4400" b="0" i="0" u="none" strike="noStrike" cap="none" spc="0" normalizeH="0" baseline="0" dirty="0" smtClean="0">
+                <a:ln>
+                  <a:noFill/>
+                </a:ln>
+                <a:solidFill>
+                  <a:srgbClr val="FFFFFF"/>
+                </a:solidFill>
+                <a:effectLst/>
+                <a:uFillTx/>
+                <a:latin typeface="Consolas" pitchFamily="49" charset="0"/>
+                <a:ea typeface="+mn-ea"/>
+                <a:cs typeface="Consolas" pitchFamily="49" charset="0"/>
+                <a:sym typeface="Helvetica Neue Medium"/>
+              </a:rPr>
+              <a:t>Application Level</a:t>
+            </a:r>
+            <a:endParaRPr kumimoji="0" lang="en-US" sz="4400" b="0" i="0" u="none" strike="noStrike" cap="none" spc="0" normalizeH="0" baseline="0" dirty="0">
+              <a:ln>
+                <a:noFill/>
+              </a:ln>
+              <a:solidFill>
+                <a:srgbClr val="FFFFFF"/>
+              </a:solidFill>
+              <a:effectLst/>
+              <a:uFillTx/>
+              <a:latin typeface="Consolas" pitchFamily="49" charset="0"/>
+              <a:ea typeface="+mn-ea"/>
+              <a:cs typeface="Consolas" pitchFamily="49" charset="0"/>
+              <a:sym typeface="Helvetica Neue Medium"/>
+            </a:endParaRPr>
+          </a:p>
+        </p:txBody>
+      </p:sp>
+      <p:sp>
+        <p:nvSpPr>
+          <p:cNvPr id="12" name="Rounded Rectangle 11"/>
+          <p:cNvSpPr/>
+          <p:nvPr/>
+        </p:nvSpPr>
+        <p:spPr>
+          <a:xfrm>
+            <a:off x="11272838" y="6972300"/>
+            <a:ext cx="4229100" cy="1657900"/>
+          </a:xfrm>
+          <a:prstGeom prst="roundRect">
+            <a:avLst/>
+          </a:prstGeom>
+          <a:solidFill>
+            <a:schemeClr val="accent1">
+              <a:lumMod val="50000"/>
+            </a:schemeClr>
+          </a:solidFill>
+          <a:ln w="12700" cap="flat">
+            <a:noFill/>
+            <a:miter lim="400000"/>
+          </a:ln>
+          <a:effectLst/>
+          <a:sp3d/>
+        </p:spPr>
+        <p:style>
+          <a:lnRef idx="0">
+            <a:scrgbClr r="0" g="0" b="0"/>
+          </a:lnRef>
+          <a:fillRef idx="0">
+            <a:scrgbClr r="0" g="0" b="0"/>
+          </a:fillRef>
+          <a:effectRef idx="0">
+            <a:scrgbClr r="0" g="0" b="0"/>
+          </a:effectRef>
+          <a:fontRef idx="none"/>
+        </p:style>
+        <p:txBody>
+          <a:bodyPr rot="0" spcFirstLastPara="1" vertOverflow="overflow" horzOverflow="overflow" vert="horz" wrap="square" lIns="71437" tIns="71437" rIns="71437" bIns="71437" numCol="1" spcCol="38100" rtlCol="0" anchor="ctr">
+            <a:spAutoFit/>
+          </a:bodyPr>
+          <a:lstStyle/>
+          <a:p>
+            <a:pPr marL="0" marR="0" indent="0" algn="ctr" defTabSz="821531" rtl="0" fontAlgn="auto" latinLnBrk="0" hangingPunct="0">
+              <a:lnSpc>
+                <a:spcPct val="100000"/>
+              </a:lnSpc>
+              <a:spcBef>
+                <a:spcPts val="0"/>
+              </a:spcBef>
+              <a:spcAft>
+                <a:spcPts val="0"/>
+              </a:spcAft>
+              <a:buClrTx/>
+              <a:buSzTx/>
+              <a:buFontTx/>
+              <a:buNone/>
+              <a:tabLst/>
+            </a:pPr>
+            <a:r>
+              <a:rPr kumimoji="0" lang="en-US" sz="4400" b="0" i="0" u="none" strike="noStrike" cap="none" spc="0" normalizeH="0" baseline="0" dirty="0" smtClean="0">
+                <a:ln>
+                  <a:noFill/>
+                </a:ln>
+                <a:solidFill>
+                  <a:srgbClr val="FFFFFF"/>
+                </a:solidFill>
+                <a:effectLst/>
+                <a:uFillTx/>
+                <a:latin typeface="Consolas" pitchFamily="49" charset="0"/>
+                <a:ea typeface="+mn-ea"/>
+                <a:cs typeface="Consolas" pitchFamily="49" charset="0"/>
+                <a:sym typeface="Helvetica Neue Medium"/>
+              </a:rPr>
+              <a:t>Page</a:t>
+            </a:r>
+          </a:p>
+          <a:p>
+            <a:pPr marL="0" marR="0" indent="0" algn="ctr" defTabSz="821531" rtl="0" fontAlgn="auto" latinLnBrk="0" hangingPunct="0">
+              <a:lnSpc>
+                <a:spcPct val="100000"/>
+              </a:lnSpc>
+              <a:spcBef>
+                <a:spcPts val="0"/>
+              </a:spcBef>
+              <a:spcAft>
+                <a:spcPts val="0"/>
+              </a:spcAft>
+              <a:buClrTx/>
+              <a:buSzTx/>
+              <a:buFontTx/>
+              <a:buNone/>
+              <a:tabLst/>
+            </a:pPr>
+            <a:r>
+              <a:rPr kumimoji="0" lang="en-US" sz="4400" b="0" i="0" u="none" strike="noStrike" cap="none" spc="0" normalizeH="0" baseline="0" dirty="0" smtClean="0">
+                <a:ln>
+                  <a:noFill/>
+                </a:ln>
+                <a:solidFill>
+                  <a:srgbClr val="FFFFFF"/>
+                </a:solidFill>
+                <a:effectLst/>
+                <a:uFillTx/>
+                <a:latin typeface="Consolas" pitchFamily="49" charset="0"/>
+                <a:ea typeface="+mn-ea"/>
+                <a:cs typeface="Consolas" pitchFamily="49" charset="0"/>
+                <a:sym typeface="Helvetica Neue Medium"/>
+              </a:rPr>
+              <a:t>Level</a:t>
+            </a:r>
+            <a:endParaRPr kumimoji="0" lang="en-US" sz="4400" b="0" i="0" u="none" strike="noStrike" cap="none" spc="0" normalizeH="0" baseline="0" dirty="0">
+              <a:ln>
+                <a:noFill/>
+              </a:ln>
+              <a:solidFill>
+                <a:srgbClr val="FFFFFF"/>
+              </a:solidFill>
+              <a:effectLst/>
+              <a:uFillTx/>
+              <a:latin typeface="Consolas" pitchFamily="49" charset="0"/>
+              <a:ea typeface="+mn-ea"/>
+              <a:cs typeface="Consolas" pitchFamily="49" charset="0"/>
+              <a:sym typeface="Helvetica Neue Medium"/>
+            </a:endParaRPr>
+          </a:p>
+        </p:txBody>
+      </p:sp>
+      <p:sp>
+        <p:nvSpPr>
+          <p:cNvPr id="13" name="Rounded Rectangle 12"/>
+          <p:cNvSpPr/>
+          <p:nvPr/>
+        </p:nvSpPr>
+        <p:spPr>
+          <a:xfrm>
+            <a:off x="16487775" y="6972300"/>
+            <a:ext cx="4229100" cy="1657900"/>
+          </a:xfrm>
+          <a:prstGeom prst="roundRect">
+            <a:avLst/>
+          </a:prstGeom>
+          <a:solidFill>
+            <a:schemeClr val="accent1">
+              <a:lumMod val="50000"/>
+            </a:schemeClr>
+          </a:solidFill>
+          <a:ln w="12700" cap="flat">
+            <a:noFill/>
+            <a:miter lim="400000"/>
+          </a:ln>
+          <a:effectLst/>
+          <a:sp3d/>
+        </p:spPr>
+        <p:style>
+          <a:lnRef idx="0">
+            <a:scrgbClr r="0" g="0" b="0"/>
+          </a:lnRef>
+          <a:fillRef idx="0">
+            <a:scrgbClr r="0" g="0" b="0"/>
+          </a:fillRef>
+          <a:effectRef idx="0">
+            <a:scrgbClr r="0" g="0" b="0"/>
+          </a:effectRef>
+          <a:fontRef idx="none"/>
+        </p:style>
+        <p:txBody>
+          <a:bodyPr rot="0" spcFirstLastPara="1" vertOverflow="overflow" horzOverflow="overflow" vert="horz" wrap="square" lIns="71437" tIns="71437" rIns="71437" bIns="71437" numCol="1" spcCol="38100" rtlCol="0" anchor="ctr">
+            <a:spAutoFit/>
+          </a:bodyPr>
+          <a:lstStyle/>
+          <a:p>
+            <a:pPr marL="0" marR="0" indent="0" algn="ctr" defTabSz="821531" rtl="0" fontAlgn="auto" latinLnBrk="0" hangingPunct="0">
+              <a:lnSpc>
+                <a:spcPct val="100000"/>
+              </a:lnSpc>
+              <a:spcBef>
+                <a:spcPts val="0"/>
+              </a:spcBef>
+              <a:spcAft>
+                <a:spcPts val="0"/>
+              </a:spcAft>
+              <a:buClrTx/>
+              <a:buSzTx/>
+              <a:buFontTx/>
+              <a:buNone/>
+              <a:tabLst/>
+            </a:pPr>
+            <a:r>
+              <a:rPr kumimoji="0" lang="en-US" sz="4400" b="0" i="0" u="none" strike="noStrike" cap="none" spc="0" normalizeH="0" baseline="0" dirty="0" smtClean="0">
+                <a:ln>
+                  <a:noFill/>
+                </a:ln>
+                <a:solidFill>
+                  <a:srgbClr val="FFFFFF"/>
+                </a:solidFill>
+                <a:effectLst/>
+                <a:uFillTx/>
+                <a:latin typeface="Consolas" pitchFamily="49" charset="0"/>
+                <a:ea typeface="+mn-ea"/>
+                <a:cs typeface="Consolas" pitchFamily="49" charset="0"/>
+                <a:sym typeface="Helvetica Neue Medium"/>
+              </a:rPr>
+              <a:t>Control</a:t>
+            </a:r>
+          </a:p>
+          <a:p>
+            <a:pPr marL="0" marR="0" indent="0" algn="ctr" defTabSz="821531" rtl="0" fontAlgn="auto" latinLnBrk="0" hangingPunct="0">
+              <a:lnSpc>
+                <a:spcPct val="100000"/>
+              </a:lnSpc>
+              <a:spcBef>
+                <a:spcPts val="0"/>
+              </a:spcBef>
+              <a:spcAft>
+                <a:spcPts val="0"/>
+              </a:spcAft>
+              <a:buClrTx/>
+              <a:buSzTx/>
+              <a:buFontTx/>
+              <a:buNone/>
+              <a:tabLst/>
+            </a:pPr>
+            <a:r>
+              <a:rPr kumimoji="0" lang="en-US" sz="4400" b="0" i="0" u="none" strike="noStrike" cap="none" spc="0" normalizeH="0" baseline="0" dirty="0" smtClean="0">
+                <a:ln>
+                  <a:noFill/>
+                </a:ln>
+                <a:solidFill>
+                  <a:srgbClr val="FFFFFF"/>
+                </a:solidFill>
+                <a:effectLst/>
+                <a:uFillTx/>
+                <a:latin typeface="Consolas" pitchFamily="49" charset="0"/>
+                <a:ea typeface="+mn-ea"/>
+                <a:cs typeface="Consolas" pitchFamily="49" charset="0"/>
+                <a:sym typeface="Helvetica Neue Medium"/>
+              </a:rPr>
+              <a:t>Level</a:t>
+            </a:r>
+            <a:endParaRPr kumimoji="0" lang="en-US" sz="4400" b="0" i="0" u="none" strike="noStrike" cap="none" spc="0" normalizeH="0" baseline="0" dirty="0">
+              <a:ln>
+                <a:noFill/>
+              </a:ln>
+              <a:solidFill>
+                <a:srgbClr val="FFFFFF"/>
+              </a:solidFill>
+              <a:effectLst/>
+              <a:uFillTx/>
+              <a:latin typeface="Consolas" pitchFamily="49" charset="0"/>
+              <a:ea typeface="+mn-ea"/>
+              <a:cs typeface="Consolas" pitchFamily="49" charset="0"/>
+              <a:sym typeface="Helvetica Neue Medium"/>
+            </a:endParaRPr>
+          </a:p>
+        </p:txBody>
+      </p:sp>
+    </p:spTree>
+  </p:cSld>
+  <p:clrMapOvr>
+    <a:masterClrMapping/>
+  </p:clrMapOvr>
+  <p:transition spd="med"/>
+  <p:timing>
+    <p:tnLst>
+      <p:par>
+        <p:cTn id="1" dur="indefinite" restart="never" nodeType="tmRoot"/>
+      </p:par>
+    </p:tnLst>
+  </p:timing>
+</p:sld>
+</file>
+
+<file path=ppt/slides/slide17.xml><?xml version="1.0" encoding="utf-8"?>
+<p:sld xmlns:a="http://schemas.openxmlformats.org/drawingml/2006/main" xmlns:r="http://schemas.openxmlformats.org/officeDocument/2006/relationships" xmlns:p="http://schemas.openxmlformats.org/presentationml/2006/main">
+  <p:cSld>
+    <p:spTree>
+      <p:nvGrpSpPr>
+        <p:cNvPr id="1" name=""/>
+        <p:cNvGrpSpPr/>
+        <p:nvPr/>
+      </p:nvGrpSpPr>
+      <p:grpSpPr>
+        <a:xfrm>
+          <a:off x="0" y="0"/>
+          <a:ext cx="0" cy="0"/>
+          <a:chOff x="0" y="0"/>
+          <a:chExt cx="0" cy="0"/>
+        </a:xfrm>
+      </p:grpSpPr>
+      <p:sp>
+        <p:nvSpPr>
+          <p:cNvPr id="135" name="Line"/>
+          <p:cNvSpPr/>
+          <p:nvPr/>
+        </p:nvSpPr>
+        <p:spPr>
+          <a:xfrm flipV="1">
+            <a:off x="2885566" y="-124865"/>
+            <a:ext cx="1" cy="13965729"/>
+          </a:xfrm>
+          <a:prstGeom prst="line">
+            <a:avLst/>
+          </a:prstGeom>
+          <a:ln w="57150">
+            <a:solidFill>
+              <a:srgbClr val="183E67"/>
+            </a:solidFill>
+            <a:custDash>
+              <a:ds d="600000" sp="600000"/>
+            </a:custDash>
+            <a:miter lim="400000"/>
+          </a:ln>
+        </p:spPr>
+        <p:txBody>
+          <a:bodyPr lIns="71437" tIns="71437" rIns="71437" bIns="71437" anchor="ctr"/>
+          <a:lstStyle/>
+          <a:p>
+            <a:pPr>
+              <a:defRPr sz="3000" b="0">
+                <a:solidFill>
+                  <a:srgbClr val="FFFFFF"/>
+                </a:solidFill>
+                <a:latin typeface="+mn-lt"/>
+                <a:ea typeface="+mn-ea"/>
+                <a:cs typeface="+mn-cs"/>
+                <a:sym typeface="Helvetica Neue Medium"/>
+              </a:defRPr>
+            </a:pPr>
+            <a:endParaRPr/>
+          </a:p>
+        </p:txBody>
+      </p:sp>
+      <p:sp>
+        <p:nvSpPr>
+          <p:cNvPr id="139" name="Line"/>
+          <p:cNvSpPr/>
+          <p:nvPr/>
+        </p:nvSpPr>
+        <p:spPr>
+          <a:xfrm>
+            <a:off x="2885566" y="2266950"/>
+            <a:ext cx="21498434" cy="0"/>
+          </a:xfrm>
+          <a:prstGeom prst="line">
+            <a:avLst/>
+          </a:prstGeom>
+          <a:ln w="25400">
+            <a:solidFill>
+              <a:schemeClr val="accent1">
+                <a:hueOff val="114395"/>
+                <a:lumOff val="-24975"/>
+              </a:schemeClr>
+            </a:solidFill>
+            <a:miter lim="400000"/>
+          </a:ln>
+          <a:effectLst/>
+        </p:spPr>
+        <p:txBody>
+          <a:bodyPr lIns="71437" tIns="71437" rIns="71437" bIns="71437" anchor="ctr"/>
+          <a:lstStyle/>
+          <a:p>
+            <a:pPr>
+              <a:defRPr sz="3000" b="0">
+                <a:solidFill>
+                  <a:srgbClr val="FFFFFF"/>
+                </a:solidFill>
+                <a:latin typeface="+mn-lt"/>
+                <a:ea typeface="+mn-ea"/>
+                <a:cs typeface="+mn-cs"/>
+                <a:sym typeface="Helvetica Neue Medium"/>
+              </a:defRPr>
+            </a:pPr>
+            <a:endParaRPr/>
+          </a:p>
+        </p:txBody>
+      </p:sp>
+      <p:sp>
+        <p:nvSpPr>
+          <p:cNvPr id="9" name="Constructor"/>
+          <p:cNvSpPr txBox="1"/>
+          <p:nvPr/>
+        </p:nvSpPr>
+        <p:spPr>
+          <a:xfrm rot="16200000">
+            <a:off x="-3585352" y="6047202"/>
+            <a:ext cx="10070064" cy="1621597"/>
+          </a:xfrm>
+          <a:prstGeom prst="rect">
+            <a:avLst/>
+          </a:prstGeom>
+          <a:ln w="12700">
+            <a:miter lim="400000"/>
+          </a:ln>
+          <a:extLst>
+            <a:ext uri="{C572A759-6A51-4108-AA02-DFA0A04FC94B}">
+              <ma14:wrappingTextBoxFlag xmlns="" xmlns:m="http://schemas.openxmlformats.org/officeDocument/2006/math" xmlns:a14="http://schemas.microsoft.com/office/drawing/2010/main" xmlns:ma14="http://schemas.microsoft.com/office/mac/drawingml/2011/main" val="1"/>
+            </a:ext>
+          </a:extLst>
+        </p:spPr>
+        <p:txBody>
+          <a:bodyPr wrap="none" lIns="71437" tIns="71437" rIns="71437" bIns="71437" anchor="ctr">
+            <a:spAutoFit/>
+          </a:bodyPr>
+          <a:lstStyle>
+            <a:lvl1pPr>
+              <a:defRPr sz="10000">
+                <a:solidFill>
+                  <a:srgbClr val="474748"/>
+                </a:solidFill>
+              </a:defRPr>
+            </a:lvl1pPr>
+          </a:lstStyle>
+          <a:p>
+            <a:r>
+              <a:rPr lang="en-US" sz="9600" dirty="0" smtClean="0">
+                <a:solidFill>
+                  <a:schemeClr val="tx2"/>
+                </a:solidFill>
+              </a:rPr>
+              <a:t>State Management</a:t>
+            </a:r>
+            <a:endParaRPr lang="en-US" sz="9600" dirty="0">
+              <a:solidFill>
+                <a:schemeClr val="tx2"/>
+              </a:solidFill>
+            </a:endParaRPr>
+          </a:p>
+        </p:txBody>
+      </p:sp>
+      <p:sp>
+        <p:nvSpPr>
+          <p:cNvPr id="10" name="TextBox 9"/>
+          <p:cNvSpPr txBox="1"/>
+          <p:nvPr/>
+        </p:nvSpPr>
+        <p:spPr>
+          <a:xfrm>
+            <a:off x="3254188" y="806823"/>
+            <a:ext cx="14737976" cy="1375376"/>
+          </a:xfrm>
+          <a:prstGeom prst="rect">
+            <a:avLst/>
+          </a:prstGeom>
+          <a:noFill/>
+          <a:ln w="12700" cap="flat">
+            <a:noFill/>
+            <a:miter lim="400000"/>
+          </a:ln>
+          <a:effectLst/>
+          <a:sp3d/>
+        </p:spPr>
+        <p:style>
+          <a:lnRef idx="0">
+            <a:scrgbClr r="0" g="0" b="0"/>
+          </a:lnRef>
+          <a:fillRef idx="0">
+            <a:scrgbClr r="0" g="0" b="0"/>
+          </a:fillRef>
+          <a:effectRef idx="0">
+            <a:scrgbClr r="0" g="0" b="0"/>
+          </a:effectRef>
+          <a:fontRef idx="none"/>
+        </p:style>
+        <p:txBody>
+          <a:bodyPr rot="0" spcFirstLastPara="1" vertOverflow="overflow" horzOverflow="overflow" vert="horz" wrap="square" lIns="71437" tIns="71437" rIns="71437" bIns="71437" numCol="1" spcCol="38100" rtlCol="0" anchor="ctr">
+            <a:spAutoFit/>
+          </a:bodyPr>
+          <a:lstStyle/>
+          <a:p>
+            <a:pPr marL="0" marR="0" indent="0" algn="l" defTabSz="821531" rtl="0" fontAlgn="auto" latinLnBrk="0" hangingPunct="0">
+              <a:lnSpc>
+                <a:spcPct val="100000"/>
+              </a:lnSpc>
+              <a:spcBef>
+                <a:spcPts val="0"/>
+              </a:spcBef>
+              <a:spcAft>
+                <a:spcPts val="0"/>
+              </a:spcAft>
+              <a:buClrTx/>
+              <a:buSzTx/>
+              <a:buFontTx/>
+              <a:buNone/>
+              <a:tabLst/>
+            </a:pPr>
+            <a:r>
+              <a:rPr kumimoji="0" lang="en-US" sz="8000" b="1" i="0" u="none" strike="noStrike" cap="none" spc="0" normalizeH="0" baseline="0" dirty="0" err="1" smtClean="0">
+                <a:ln>
+                  <a:noFill/>
+                </a:ln>
+                <a:solidFill>
+                  <a:srgbClr val="000000"/>
+                </a:solidFill>
+                <a:effectLst/>
+                <a:uFillTx/>
+                <a:latin typeface="Aharoni" pitchFamily="2" charset="-79"/>
+                <a:cs typeface="Aharoni" pitchFamily="2" charset="-79"/>
+                <a:sym typeface="Helvetica Neue"/>
+              </a:rPr>
+              <a:t>Global.asax</a:t>
+            </a:r>
+            <a:endParaRPr kumimoji="0" lang="en-US" sz="8000" b="1" i="0" u="none" strike="noStrike" cap="none" spc="0" normalizeH="0" baseline="0" dirty="0">
+              <a:ln>
+                <a:noFill/>
+              </a:ln>
+              <a:solidFill>
+                <a:srgbClr val="000000"/>
+              </a:solidFill>
+              <a:effectLst/>
+              <a:uFillTx/>
+              <a:latin typeface="Aharoni" pitchFamily="2" charset="-79"/>
+              <a:cs typeface="Aharoni" pitchFamily="2" charset="-79"/>
+              <a:sym typeface="Helvetica Neue"/>
+            </a:endParaRPr>
+          </a:p>
+        </p:txBody>
+      </p:sp>
+      <p:sp>
+        <p:nvSpPr>
+          <p:cNvPr id="14" name="Rectangle 13"/>
+          <p:cNvSpPr/>
+          <p:nvPr/>
+        </p:nvSpPr>
+        <p:spPr>
+          <a:xfrm>
+            <a:off x="4267200" y="2752785"/>
+            <a:ext cx="18345150" cy="8956298"/>
+          </a:xfrm>
+          <a:prstGeom prst="rect">
+            <a:avLst/>
+          </a:prstGeom>
+        </p:spPr>
+        <p:txBody>
+          <a:bodyPr wrap="square">
+            <a:spAutoFit/>
+          </a:bodyPr>
+          <a:lstStyle/>
+          <a:p>
+            <a:pPr algn="l"/>
+            <a:r>
+              <a:rPr lang="en-US" dirty="0" smtClean="0">
+                <a:solidFill>
+                  <a:srgbClr val="0000FF"/>
+                </a:solidFill>
+                <a:latin typeface="Consolas"/>
+              </a:rPr>
+              <a:t>public class </a:t>
+            </a:r>
+            <a:r>
+              <a:rPr lang="en-US" dirty="0" smtClean="0">
+                <a:solidFill>
+                  <a:srgbClr val="2B91AF"/>
+                </a:solidFill>
+                <a:latin typeface="Consolas"/>
+              </a:rPr>
+              <a:t>Global : </a:t>
+            </a:r>
+            <a:r>
+              <a:rPr lang="en-US" dirty="0" err="1" smtClean="0">
+                <a:solidFill>
+                  <a:srgbClr val="2B91AF"/>
+                </a:solidFill>
+                <a:latin typeface="Consolas"/>
+              </a:rPr>
+              <a:t>System.Web.HttpApplication</a:t>
+            </a:r>
+            <a:endParaRPr lang="en-US" dirty="0" smtClean="0">
+              <a:solidFill>
+                <a:srgbClr val="2B91AF"/>
+              </a:solidFill>
+              <a:latin typeface="Consolas"/>
+            </a:endParaRPr>
+          </a:p>
+          <a:p>
+            <a:pPr algn="l"/>
+            <a:r>
+              <a:rPr lang="en-US" dirty="0" smtClean="0">
+                <a:solidFill>
+                  <a:srgbClr val="2B91AF"/>
+                </a:solidFill>
+                <a:latin typeface="Consolas"/>
+              </a:rPr>
+              <a:t>    </a:t>
+            </a:r>
+            <a:r>
+              <a:rPr lang="en-US" dirty="0" smtClean="0">
+                <a:solidFill>
+                  <a:srgbClr val="2B91AF"/>
+                </a:solidFill>
+                <a:latin typeface="Consolas"/>
+              </a:rPr>
+              <a:t>{</a:t>
+            </a:r>
+            <a:endParaRPr lang="en-US" dirty="0" smtClean="0">
+              <a:solidFill>
+                <a:srgbClr val="2B91AF"/>
+              </a:solidFill>
+              <a:latin typeface="Consolas"/>
+            </a:endParaRPr>
+          </a:p>
+          <a:p>
+            <a:pPr algn="l"/>
+            <a:r>
+              <a:rPr lang="en-US" dirty="0" smtClean="0">
+                <a:solidFill>
+                  <a:srgbClr val="2B91AF"/>
+                </a:solidFill>
+                <a:latin typeface="Consolas"/>
+              </a:rPr>
+              <a:t>        </a:t>
+            </a:r>
+            <a:r>
+              <a:rPr lang="en-US" dirty="0" smtClean="0">
+                <a:solidFill>
+                  <a:srgbClr val="0000FF"/>
+                </a:solidFill>
+                <a:latin typeface="Consolas"/>
+              </a:rPr>
+              <a:t>protected void </a:t>
+            </a:r>
+            <a:r>
+              <a:rPr lang="en-US" dirty="0" err="1" smtClean="0">
+                <a:solidFill>
+                  <a:srgbClr val="0000FF"/>
+                </a:solidFill>
+                <a:latin typeface="Consolas"/>
+              </a:rPr>
+              <a:t>Application_Start</a:t>
+            </a:r>
+            <a:r>
+              <a:rPr lang="en-US" dirty="0" smtClean="0">
+                <a:solidFill>
+                  <a:srgbClr val="0000FF"/>
+                </a:solidFill>
+                <a:latin typeface="Consolas"/>
+              </a:rPr>
+              <a:t>(object sender, </a:t>
+            </a:r>
+            <a:r>
+              <a:rPr lang="en-US" dirty="0" err="1" smtClean="0">
+                <a:solidFill>
+                  <a:srgbClr val="2B91AF"/>
+                </a:solidFill>
+                <a:latin typeface="Consolas"/>
+              </a:rPr>
+              <a:t>EventArgs</a:t>
+            </a:r>
+            <a:r>
+              <a:rPr lang="en-US" dirty="0" smtClean="0">
+                <a:solidFill>
+                  <a:srgbClr val="2B91AF"/>
+                </a:solidFill>
+                <a:latin typeface="Consolas"/>
+              </a:rPr>
+              <a:t> e)</a:t>
+            </a:r>
+          </a:p>
+          <a:p>
+            <a:pPr algn="l"/>
+            <a:r>
+              <a:rPr lang="en-US" dirty="0" smtClean="0">
+                <a:solidFill>
+                  <a:srgbClr val="2B91AF"/>
+                </a:solidFill>
+                <a:latin typeface="Consolas"/>
+              </a:rPr>
+              <a:t>        {</a:t>
+            </a:r>
+          </a:p>
+          <a:p>
+            <a:pPr algn="l"/>
+            <a:r>
+              <a:rPr lang="en-US" dirty="0" smtClean="0">
+                <a:solidFill>
+                  <a:srgbClr val="2B91AF"/>
+                </a:solidFill>
+                <a:latin typeface="Consolas"/>
+              </a:rPr>
+              <a:t>            Application[</a:t>
+            </a:r>
+            <a:r>
+              <a:rPr lang="en-US" dirty="0" smtClean="0">
+                <a:solidFill>
+                  <a:srgbClr val="A31515"/>
+                </a:solidFill>
+                <a:latin typeface="Consolas"/>
+              </a:rPr>
+              <a:t>"</a:t>
+            </a:r>
+            <a:r>
+              <a:rPr lang="en-US" dirty="0" err="1" smtClean="0">
+                <a:solidFill>
+                  <a:srgbClr val="A31515"/>
+                </a:solidFill>
+                <a:latin typeface="Consolas"/>
+              </a:rPr>
+              <a:t>TotalApplications</a:t>
+            </a:r>
+            <a:r>
+              <a:rPr lang="en-US" dirty="0" smtClean="0">
+                <a:solidFill>
+                  <a:srgbClr val="A31515"/>
+                </a:solidFill>
+                <a:latin typeface="Consolas"/>
+              </a:rPr>
+              <a:t>"] = 1;</a:t>
+            </a:r>
+          </a:p>
+          <a:p>
+            <a:pPr algn="l"/>
+            <a:r>
+              <a:rPr lang="en-US" dirty="0" smtClean="0">
+                <a:solidFill>
+                  <a:srgbClr val="A31515"/>
+                </a:solidFill>
+                <a:latin typeface="Consolas"/>
+              </a:rPr>
+              <a:t>            Application["</a:t>
+            </a:r>
+            <a:r>
+              <a:rPr lang="en-US" dirty="0" err="1" smtClean="0">
+                <a:solidFill>
+                  <a:srgbClr val="A31515"/>
+                </a:solidFill>
+                <a:latin typeface="Consolas"/>
+              </a:rPr>
+              <a:t>TotalUsers</a:t>
+            </a:r>
+            <a:r>
+              <a:rPr lang="en-US" dirty="0" smtClean="0">
+                <a:solidFill>
+                  <a:srgbClr val="A31515"/>
+                </a:solidFill>
+                <a:latin typeface="Consolas"/>
+              </a:rPr>
+              <a:t>"] = 0;</a:t>
+            </a:r>
+          </a:p>
+          <a:p>
+            <a:pPr algn="l"/>
+            <a:r>
+              <a:rPr lang="en-US" dirty="0" smtClean="0">
+                <a:solidFill>
+                  <a:srgbClr val="A31515"/>
+                </a:solidFill>
+                <a:latin typeface="Consolas"/>
+              </a:rPr>
+              <a:t>        }</a:t>
+            </a:r>
+          </a:p>
+          <a:p>
+            <a:pPr algn="l"/>
+            <a:endParaRPr lang="en-US" dirty="0" smtClean="0">
+              <a:solidFill>
+                <a:srgbClr val="A31515"/>
+              </a:solidFill>
+              <a:latin typeface="Consolas"/>
+            </a:endParaRPr>
+          </a:p>
+          <a:p>
+            <a:pPr algn="l"/>
+            <a:r>
+              <a:rPr lang="en-US" dirty="0" smtClean="0">
+                <a:solidFill>
+                  <a:srgbClr val="A31515"/>
+                </a:solidFill>
+                <a:latin typeface="Consolas"/>
+              </a:rPr>
+              <a:t>        </a:t>
+            </a:r>
+            <a:r>
+              <a:rPr lang="en-US" dirty="0" smtClean="0">
+                <a:solidFill>
+                  <a:srgbClr val="0000FF"/>
+                </a:solidFill>
+                <a:latin typeface="Consolas"/>
+              </a:rPr>
+              <a:t>protected void </a:t>
+            </a:r>
+            <a:r>
+              <a:rPr lang="en-US" dirty="0" err="1" smtClean="0">
+                <a:solidFill>
+                  <a:srgbClr val="0000FF"/>
+                </a:solidFill>
+                <a:latin typeface="Consolas"/>
+              </a:rPr>
+              <a:t>Session_Start</a:t>
+            </a:r>
+            <a:r>
+              <a:rPr lang="en-US" dirty="0" smtClean="0">
+                <a:solidFill>
+                  <a:srgbClr val="0000FF"/>
+                </a:solidFill>
+                <a:latin typeface="Consolas"/>
+              </a:rPr>
+              <a:t>(object sender, </a:t>
+            </a:r>
+            <a:r>
+              <a:rPr lang="en-US" dirty="0" err="1" smtClean="0">
+                <a:solidFill>
+                  <a:srgbClr val="2B91AF"/>
+                </a:solidFill>
+                <a:latin typeface="Consolas"/>
+              </a:rPr>
+              <a:t>EventArgs</a:t>
+            </a:r>
+            <a:r>
+              <a:rPr lang="en-US" dirty="0" smtClean="0">
+                <a:solidFill>
+                  <a:srgbClr val="2B91AF"/>
+                </a:solidFill>
+                <a:latin typeface="Consolas"/>
+              </a:rPr>
+              <a:t> e)</a:t>
+            </a:r>
+          </a:p>
+          <a:p>
+            <a:pPr algn="l"/>
+            <a:r>
+              <a:rPr lang="en-US" dirty="0" smtClean="0">
+                <a:solidFill>
+                  <a:srgbClr val="2B91AF"/>
+                </a:solidFill>
+                <a:latin typeface="Consolas"/>
+              </a:rPr>
+              <a:t>        {</a:t>
+            </a:r>
+          </a:p>
+          <a:p>
+            <a:pPr algn="l"/>
+            <a:r>
+              <a:rPr lang="en-US" dirty="0" smtClean="0">
+                <a:solidFill>
+                  <a:srgbClr val="2B91AF"/>
+                </a:solidFill>
+                <a:latin typeface="Consolas"/>
+              </a:rPr>
+              <a:t>            Application[</a:t>
+            </a:r>
+            <a:r>
+              <a:rPr lang="en-US" dirty="0" smtClean="0">
+                <a:solidFill>
+                  <a:srgbClr val="A31515"/>
+                </a:solidFill>
+                <a:latin typeface="Consolas"/>
+              </a:rPr>
+              <a:t>"</a:t>
+            </a:r>
+            <a:r>
+              <a:rPr lang="en-US" dirty="0" err="1" smtClean="0">
+                <a:solidFill>
+                  <a:srgbClr val="A31515"/>
+                </a:solidFill>
+                <a:latin typeface="Consolas"/>
+              </a:rPr>
+              <a:t>TotalUsers</a:t>
+            </a:r>
+            <a:r>
+              <a:rPr lang="en-US" dirty="0" smtClean="0">
+                <a:solidFill>
+                  <a:srgbClr val="A31515"/>
+                </a:solidFill>
+                <a:latin typeface="Consolas"/>
+              </a:rPr>
+              <a:t>"] = (</a:t>
+            </a:r>
+            <a:r>
+              <a:rPr lang="en-US" dirty="0" err="1" smtClean="0">
+                <a:solidFill>
+                  <a:srgbClr val="0000FF"/>
+                </a:solidFill>
+                <a:latin typeface="Consolas"/>
+              </a:rPr>
+              <a:t>int</a:t>
+            </a:r>
+            <a:r>
+              <a:rPr lang="en-US" dirty="0" smtClean="0">
+                <a:solidFill>
+                  <a:srgbClr val="0000FF"/>
+                </a:solidFill>
+                <a:latin typeface="Consolas"/>
+              </a:rPr>
+              <a:t>)Application[</a:t>
+            </a:r>
+            <a:r>
+              <a:rPr lang="en-US" dirty="0" smtClean="0">
+                <a:solidFill>
+                  <a:srgbClr val="A31515"/>
+                </a:solidFill>
+                <a:latin typeface="Consolas"/>
+              </a:rPr>
+              <a:t>"</a:t>
+            </a:r>
+            <a:r>
+              <a:rPr lang="en-US" dirty="0" err="1" smtClean="0">
+                <a:solidFill>
+                  <a:srgbClr val="A31515"/>
+                </a:solidFill>
+                <a:latin typeface="Consolas"/>
+              </a:rPr>
+              <a:t>TotalUsers</a:t>
+            </a:r>
+            <a:r>
+              <a:rPr lang="en-US" dirty="0" smtClean="0">
+                <a:solidFill>
+                  <a:srgbClr val="A31515"/>
+                </a:solidFill>
+                <a:latin typeface="Consolas"/>
+              </a:rPr>
+              <a:t>"] + 1;</a:t>
+            </a:r>
+          </a:p>
+          <a:p>
+            <a:pPr algn="l"/>
+            <a:r>
+              <a:rPr lang="en-US" dirty="0" smtClean="0">
+                <a:solidFill>
+                  <a:srgbClr val="A31515"/>
+                </a:solidFill>
+                <a:latin typeface="Consolas"/>
+              </a:rPr>
+              <a:t>        }</a:t>
+            </a:r>
+          </a:p>
+          <a:p>
+            <a:pPr algn="l"/>
+            <a:endParaRPr lang="en-US" dirty="0" smtClean="0">
+              <a:solidFill>
+                <a:srgbClr val="2B91AF"/>
+              </a:solidFill>
+              <a:latin typeface="Consolas"/>
+            </a:endParaRPr>
+          </a:p>
+          <a:p>
+            <a:pPr algn="l"/>
+            <a:r>
+              <a:rPr lang="en-US" dirty="0" smtClean="0">
+                <a:solidFill>
+                  <a:srgbClr val="2B91AF"/>
+                </a:solidFill>
+                <a:latin typeface="Consolas"/>
+              </a:rPr>
+              <a:t>        </a:t>
+            </a:r>
+            <a:r>
+              <a:rPr lang="en-US" dirty="0" smtClean="0">
+                <a:solidFill>
+                  <a:srgbClr val="0000FF"/>
+                </a:solidFill>
+                <a:latin typeface="Consolas"/>
+              </a:rPr>
+              <a:t>protected void </a:t>
+            </a:r>
+            <a:r>
+              <a:rPr lang="en-US" dirty="0" err="1" smtClean="0">
+                <a:solidFill>
+                  <a:srgbClr val="0000FF"/>
+                </a:solidFill>
+                <a:latin typeface="Consolas"/>
+              </a:rPr>
+              <a:t>Session_End</a:t>
+            </a:r>
+            <a:r>
+              <a:rPr lang="en-US" dirty="0" smtClean="0">
+                <a:solidFill>
+                  <a:srgbClr val="0000FF"/>
+                </a:solidFill>
+                <a:latin typeface="Consolas"/>
+              </a:rPr>
+              <a:t>(object sender, </a:t>
+            </a:r>
+            <a:r>
+              <a:rPr lang="en-US" dirty="0" err="1" smtClean="0">
+                <a:solidFill>
+                  <a:srgbClr val="2B91AF"/>
+                </a:solidFill>
+                <a:latin typeface="Consolas"/>
+              </a:rPr>
+              <a:t>EventArgs</a:t>
+            </a:r>
+            <a:r>
+              <a:rPr lang="en-US" dirty="0" smtClean="0">
+                <a:solidFill>
+                  <a:srgbClr val="2B91AF"/>
+                </a:solidFill>
+                <a:latin typeface="Consolas"/>
+              </a:rPr>
+              <a:t> e)</a:t>
+            </a:r>
+          </a:p>
+          <a:p>
+            <a:pPr algn="l"/>
+            <a:r>
+              <a:rPr lang="en-US" dirty="0" smtClean="0">
+                <a:solidFill>
+                  <a:srgbClr val="2B91AF"/>
+                </a:solidFill>
+                <a:latin typeface="Consolas"/>
+              </a:rPr>
+              <a:t>        {</a:t>
+            </a:r>
+          </a:p>
+          <a:p>
+            <a:pPr algn="l"/>
+            <a:r>
+              <a:rPr lang="en-US" dirty="0" smtClean="0">
+                <a:solidFill>
+                  <a:srgbClr val="2B91AF"/>
+                </a:solidFill>
+                <a:latin typeface="Consolas"/>
+              </a:rPr>
+              <a:t>            Application[</a:t>
+            </a:r>
+            <a:r>
+              <a:rPr lang="en-US" dirty="0" smtClean="0">
+                <a:solidFill>
+                  <a:srgbClr val="A31515"/>
+                </a:solidFill>
+                <a:latin typeface="Consolas"/>
+              </a:rPr>
+              <a:t>"</a:t>
+            </a:r>
+            <a:r>
+              <a:rPr lang="en-US" dirty="0" err="1" smtClean="0">
+                <a:solidFill>
+                  <a:srgbClr val="A31515"/>
+                </a:solidFill>
+                <a:latin typeface="Consolas"/>
+              </a:rPr>
+              <a:t>TotalUsers</a:t>
+            </a:r>
+            <a:r>
+              <a:rPr lang="en-US" dirty="0" smtClean="0">
+                <a:solidFill>
+                  <a:srgbClr val="A31515"/>
+                </a:solidFill>
+                <a:latin typeface="Consolas"/>
+              </a:rPr>
+              <a:t>"] = (</a:t>
+            </a:r>
+            <a:r>
+              <a:rPr lang="en-US" dirty="0" err="1" smtClean="0">
+                <a:solidFill>
+                  <a:srgbClr val="0000FF"/>
+                </a:solidFill>
+                <a:latin typeface="Consolas"/>
+              </a:rPr>
+              <a:t>int</a:t>
+            </a:r>
+            <a:r>
+              <a:rPr lang="en-US" dirty="0" smtClean="0">
+                <a:solidFill>
+                  <a:srgbClr val="0000FF"/>
+                </a:solidFill>
+                <a:latin typeface="Consolas"/>
+              </a:rPr>
+              <a:t>)Application[</a:t>
+            </a:r>
+            <a:r>
+              <a:rPr lang="en-US" dirty="0" smtClean="0">
+                <a:solidFill>
+                  <a:srgbClr val="A31515"/>
+                </a:solidFill>
+                <a:latin typeface="Consolas"/>
+              </a:rPr>
+              <a:t>"</a:t>
+            </a:r>
+            <a:r>
+              <a:rPr lang="en-US" dirty="0" err="1" smtClean="0">
+                <a:solidFill>
+                  <a:srgbClr val="A31515"/>
+                </a:solidFill>
+                <a:latin typeface="Consolas"/>
+              </a:rPr>
+              <a:t>TotalUsers</a:t>
+            </a:r>
+            <a:r>
+              <a:rPr lang="en-US" dirty="0" smtClean="0">
+                <a:solidFill>
+                  <a:srgbClr val="A31515"/>
+                </a:solidFill>
+                <a:latin typeface="Consolas"/>
+              </a:rPr>
+              <a:t>"] - 1;</a:t>
+            </a:r>
+          </a:p>
+          <a:p>
+            <a:pPr algn="l"/>
+            <a:r>
+              <a:rPr lang="en-US" dirty="0" smtClean="0">
+                <a:solidFill>
+                  <a:srgbClr val="A31515"/>
+                </a:solidFill>
+                <a:latin typeface="Consolas"/>
+              </a:rPr>
+              <a:t>        </a:t>
+            </a:r>
+            <a:r>
+              <a:rPr lang="en-US" dirty="0" smtClean="0">
+                <a:solidFill>
+                  <a:srgbClr val="A31515"/>
+                </a:solidFill>
+                <a:latin typeface="Consolas"/>
+              </a:rPr>
+              <a:t>}</a:t>
+            </a:r>
+            <a:endParaRPr lang="en-US" dirty="0" smtClean="0">
+              <a:solidFill>
+                <a:srgbClr val="2B91AF"/>
+              </a:solidFill>
+              <a:latin typeface="Consolas"/>
+            </a:endParaRPr>
+          </a:p>
+          <a:p>
+            <a:pPr algn="l"/>
+            <a:r>
+              <a:rPr lang="en-US" dirty="0" smtClean="0">
+                <a:solidFill>
+                  <a:srgbClr val="2B91AF"/>
+                </a:solidFill>
+                <a:latin typeface="Consolas"/>
+              </a:rPr>
+              <a:t>    }</a:t>
+            </a:r>
+          </a:p>
+        </p:txBody>
+      </p:sp>
+    </p:spTree>
+  </p:cSld>
+  <p:clrMapOvr>
+    <a:masterClrMapping/>
+  </p:clrMapOvr>
+  <p:transition spd="med"/>
+  <p:timing>
+    <p:tnLst>
+      <p:par>
+        <p:cTn id="1" dur="indefinite" restart="never" nodeType="tmRoot"/>
+      </p:par>
+    </p:tnLst>
+  </p:timing>
+</p:sld>
+</file>
+
+<file path=ppt/slides/slide18.xml><?xml version="1.0" encoding="utf-8"?>
+<p:sld xmlns:a="http://schemas.openxmlformats.org/drawingml/2006/main" xmlns:r="http://schemas.openxmlformats.org/officeDocument/2006/relationships" xmlns:p="http://schemas.openxmlformats.org/presentationml/2006/main">
+  <p:cSld>
+    <p:spTree>
+      <p:nvGrpSpPr>
+        <p:cNvPr id="1" name=""/>
+        <p:cNvGrpSpPr/>
+        <p:nvPr/>
+      </p:nvGrpSpPr>
+      <p:grpSpPr>
+        <a:xfrm>
+          <a:off x="0" y="0"/>
+          <a:ext cx="0" cy="0"/>
+          <a:chOff x="0" y="0"/>
+          <a:chExt cx="0" cy="0"/>
+        </a:xfrm>
+      </p:grpSpPr>
+      <p:sp>
+        <p:nvSpPr>
+          <p:cNvPr id="135" name="Line"/>
+          <p:cNvSpPr/>
+          <p:nvPr/>
+        </p:nvSpPr>
+        <p:spPr>
+          <a:xfrm flipV="1">
+            <a:off x="2885566" y="-124865"/>
+            <a:ext cx="1" cy="13965729"/>
+          </a:xfrm>
+          <a:prstGeom prst="line">
+            <a:avLst/>
+          </a:prstGeom>
+          <a:ln w="57150">
+            <a:solidFill>
+              <a:srgbClr val="183E67"/>
+            </a:solidFill>
+            <a:custDash>
+              <a:ds d="600000" sp="600000"/>
+            </a:custDash>
+            <a:miter lim="400000"/>
+          </a:ln>
+        </p:spPr>
+        <p:txBody>
+          <a:bodyPr lIns="71437" tIns="71437" rIns="71437" bIns="71437" anchor="ctr"/>
+          <a:lstStyle/>
+          <a:p>
+            <a:pPr>
+              <a:defRPr sz="3000" b="0">
+                <a:solidFill>
+                  <a:srgbClr val="FFFFFF"/>
+                </a:solidFill>
+                <a:latin typeface="+mn-lt"/>
+                <a:ea typeface="+mn-ea"/>
+                <a:cs typeface="+mn-cs"/>
+                <a:sym typeface="Helvetica Neue Medium"/>
+              </a:defRPr>
+            </a:pPr>
+            <a:endParaRPr/>
+          </a:p>
+        </p:txBody>
+      </p:sp>
+      <p:sp>
+        <p:nvSpPr>
+          <p:cNvPr id="139" name="Line"/>
+          <p:cNvSpPr/>
+          <p:nvPr/>
+        </p:nvSpPr>
+        <p:spPr>
+          <a:xfrm>
+            <a:off x="2885566" y="2266950"/>
+            <a:ext cx="21498434" cy="0"/>
+          </a:xfrm>
+          <a:prstGeom prst="line">
+            <a:avLst/>
+          </a:prstGeom>
+          <a:ln w="25400">
+            <a:solidFill>
+              <a:schemeClr val="accent1">
+                <a:hueOff val="114395"/>
+                <a:lumOff val="-24975"/>
+              </a:schemeClr>
+            </a:solidFill>
+            <a:miter lim="400000"/>
+          </a:ln>
+          <a:effectLst/>
+        </p:spPr>
+        <p:txBody>
+          <a:bodyPr lIns="71437" tIns="71437" rIns="71437" bIns="71437" anchor="ctr"/>
+          <a:lstStyle/>
+          <a:p>
+            <a:pPr>
+              <a:defRPr sz="3000" b="0">
+                <a:solidFill>
+                  <a:srgbClr val="FFFFFF"/>
+                </a:solidFill>
+                <a:latin typeface="+mn-lt"/>
+                <a:ea typeface="+mn-ea"/>
+                <a:cs typeface="+mn-cs"/>
+                <a:sym typeface="Helvetica Neue Medium"/>
+              </a:defRPr>
+            </a:pPr>
+            <a:endParaRPr/>
+          </a:p>
+        </p:txBody>
+      </p:sp>
+      <p:sp>
+        <p:nvSpPr>
+          <p:cNvPr id="9" name="Constructor"/>
+          <p:cNvSpPr txBox="1"/>
+          <p:nvPr/>
+        </p:nvSpPr>
+        <p:spPr>
+          <a:xfrm rot="16200000">
+            <a:off x="-3585352" y="6047202"/>
+            <a:ext cx="10070064" cy="1621597"/>
+          </a:xfrm>
+          <a:prstGeom prst="rect">
+            <a:avLst/>
+          </a:prstGeom>
+          <a:ln w="12700">
+            <a:miter lim="400000"/>
+          </a:ln>
+          <a:extLst>
+            <a:ext uri="{C572A759-6A51-4108-AA02-DFA0A04FC94B}">
+              <ma14:wrappingTextBoxFlag xmlns="" xmlns:m="http://schemas.openxmlformats.org/officeDocument/2006/math" xmlns:a14="http://schemas.microsoft.com/office/drawing/2010/main" xmlns:ma14="http://schemas.microsoft.com/office/mac/drawingml/2011/main" val="1"/>
+            </a:ext>
+          </a:extLst>
+        </p:spPr>
+        <p:txBody>
+          <a:bodyPr wrap="none" lIns="71437" tIns="71437" rIns="71437" bIns="71437" anchor="ctr">
+            <a:spAutoFit/>
+          </a:bodyPr>
+          <a:lstStyle>
+            <a:lvl1pPr>
+              <a:defRPr sz="10000">
+                <a:solidFill>
+                  <a:srgbClr val="474748"/>
+                </a:solidFill>
+              </a:defRPr>
+            </a:lvl1pPr>
+          </a:lstStyle>
+          <a:p>
+            <a:r>
+              <a:rPr lang="en-US" sz="9600" dirty="0" smtClean="0">
+                <a:solidFill>
+                  <a:schemeClr val="tx2"/>
+                </a:solidFill>
+              </a:rPr>
+              <a:t>State Management</a:t>
+            </a:r>
+            <a:endParaRPr lang="en-US" sz="9600" dirty="0">
+              <a:solidFill>
+                <a:schemeClr val="tx2"/>
+              </a:solidFill>
+            </a:endParaRPr>
+          </a:p>
+        </p:txBody>
+      </p:sp>
+      <p:sp>
+        <p:nvSpPr>
+          <p:cNvPr id="10" name="TextBox 9"/>
+          <p:cNvSpPr txBox="1"/>
+          <p:nvPr/>
+        </p:nvSpPr>
+        <p:spPr>
+          <a:xfrm>
+            <a:off x="3254188" y="806823"/>
+            <a:ext cx="14737976" cy="1375376"/>
+          </a:xfrm>
+          <a:prstGeom prst="rect">
+            <a:avLst/>
+          </a:prstGeom>
+          <a:noFill/>
+          <a:ln w="12700" cap="flat">
+            <a:noFill/>
+            <a:miter lim="400000"/>
+          </a:ln>
+          <a:effectLst/>
+          <a:sp3d/>
+        </p:spPr>
+        <p:style>
+          <a:lnRef idx="0">
+            <a:scrgbClr r="0" g="0" b="0"/>
+          </a:lnRef>
+          <a:fillRef idx="0">
+            <a:scrgbClr r="0" g="0" b="0"/>
+          </a:fillRef>
+          <a:effectRef idx="0">
+            <a:scrgbClr r="0" g="0" b="0"/>
+          </a:effectRef>
+          <a:fontRef idx="none"/>
+        </p:style>
+        <p:txBody>
+          <a:bodyPr rot="0" spcFirstLastPara="1" vertOverflow="overflow" horzOverflow="overflow" vert="horz" wrap="square" lIns="71437" tIns="71437" rIns="71437" bIns="71437" numCol="1" spcCol="38100" rtlCol="0" anchor="ctr">
+            <a:spAutoFit/>
+          </a:bodyPr>
+          <a:lstStyle/>
+          <a:p>
+            <a:pPr marL="0" marR="0" indent="0" algn="l" defTabSz="821531" rtl="0" fontAlgn="auto" latinLnBrk="0" hangingPunct="0">
+              <a:lnSpc>
+                <a:spcPct val="100000"/>
+              </a:lnSpc>
+              <a:spcBef>
+                <a:spcPts val="0"/>
+              </a:spcBef>
+              <a:spcAft>
+                <a:spcPts val="0"/>
+              </a:spcAft>
+              <a:buClrTx/>
+              <a:buSzTx/>
+              <a:buFontTx/>
+              <a:buNone/>
+              <a:tabLst/>
+            </a:pPr>
+            <a:r>
+              <a:rPr kumimoji="0" lang="en-US" sz="8000" b="1" i="0" u="none" strike="noStrike" cap="none" spc="0" normalizeH="0" baseline="0" dirty="0" err="1" smtClean="0">
+                <a:ln>
+                  <a:noFill/>
+                </a:ln>
+                <a:solidFill>
+                  <a:srgbClr val="000000"/>
+                </a:solidFill>
+                <a:effectLst/>
+                <a:uFillTx/>
+                <a:latin typeface="Aharoni" pitchFamily="2" charset="-79"/>
+                <a:cs typeface="Aharoni" pitchFamily="2" charset="-79"/>
+                <a:sym typeface="Helvetica Neue"/>
+              </a:rPr>
+              <a:t>Cookiesless</a:t>
+            </a:r>
+            <a:r>
+              <a:rPr kumimoji="0" lang="en-US" sz="8000" b="1" i="0" u="none" strike="noStrike" cap="none" spc="0" normalizeH="0" baseline="0" dirty="0" smtClean="0">
+                <a:ln>
+                  <a:noFill/>
+                </a:ln>
+                <a:solidFill>
+                  <a:srgbClr val="000000"/>
+                </a:solidFill>
+                <a:effectLst/>
+                <a:uFillTx/>
+                <a:latin typeface="Aharoni" pitchFamily="2" charset="-79"/>
+                <a:cs typeface="Aharoni" pitchFamily="2" charset="-79"/>
+                <a:sym typeface="Helvetica Neue"/>
+              </a:rPr>
+              <a:t> Session</a:t>
+            </a:r>
+            <a:endParaRPr kumimoji="0" lang="en-US" sz="8000" b="1" i="0" u="none" strike="noStrike" cap="none" spc="0" normalizeH="0" baseline="0" dirty="0">
+              <a:ln>
+                <a:noFill/>
+              </a:ln>
+              <a:solidFill>
+                <a:srgbClr val="000000"/>
+              </a:solidFill>
+              <a:effectLst/>
+              <a:uFillTx/>
+              <a:latin typeface="Aharoni" pitchFamily="2" charset="-79"/>
+              <a:cs typeface="Aharoni" pitchFamily="2" charset="-79"/>
+              <a:sym typeface="Helvetica Neue"/>
+            </a:endParaRPr>
+          </a:p>
+        </p:txBody>
+      </p:sp>
+      <p:sp>
+        <p:nvSpPr>
+          <p:cNvPr id="7" name="Rectangle 6"/>
+          <p:cNvSpPr/>
+          <p:nvPr/>
+        </p:nvSpPr>
+        <p:spPr>
+          <a:xfrm>
+            <a:off x="4000500" y="3787170"/>
+            <a:ext cx="20002500" cy="3785652"/>
+          </a:xfrm>
+          <a:prstGeom prst="rect">
+            <a:avLst/>
+          </a:prstGeom>
+        </p:spPr>
+        <p:txBody>
+          <a:bodyPr wrap="square">
+            <a:spAutoFit/>
+          </a:bodyPr>
+          <a:lstStyle/>
+          <a:p>
+            <a:pPr marL="2171700" indent="-2171700" algn="l"/>
+            <a:r>
+              <a:rPr lang="en-US" sz="4800" dirty="0" smtClean="0">
+                <a:solidFill>
+                  <a:srgbClr val="0000FF"/>
+                </a:solidFill>
+                <a:latin typeface="Consolas"/>
+              </a:rPr>
+              <a:t>&lt;</a:t>
+            </a:r>
+            <a:r>
+              <a:rPr lang="en-US" sz="4800" dirty="0" err="1" smtClean="0">
+                <a:solidFill>
+                  <a:srgbClr val="A31515"/>
+                </a:solidFill>
+                <a:latin typeface="Consolas"/>
+              </a:rPr>
+              <a:t>sessionState</a:t>
+            </a:r>
+            <a:r>
+              <a:rPr lang="en-US" sz="4800" dirty="0" smtClean="0">
+                <a:solidFill>
+                  <a:srgbClr val="0000FF"/>
+                </a:solidFill>
+                <a:latin typeface="Consolas"/>
+              </a:rPr>
+              <a:t> </a:t>
+            </a:r>
+            <a:r>
+              <a:rPr lang="en-US" sz="4800" dirty="0" smtClean="0">
+                <a:solidFill>
+                  <a:srgbClr val="FF0000"/>
+                </a:solidFill>
+                <a:latin typeface="Consolas"/>
+              </a:rPr>
+              <a:t>mode</a:t>
+            </a:r>
+            <a:r>
+              <a:rPr lang="en-US" sz="4800" dirty="0" smtClean="0">
+                <a:solidFill>
+                  <a:srgbClr val="0000FF"/>
+                </a:solidFill>
+                <a:latin typeface="Consolas"/>
+              </a:rPr>
+              <a:t>="</a:t>
+            </a:r>
+            <a:r>
+              <a:rPr lang="en-US" sz="4800" dirty="0" err="1" smtClean="0">
+                <a:solidFill>
+                  <a:srgbClr val="0000FF"/>
+                </a:solidFill>
+                <a:latin typeface="Consolas"/>
+              </a:rPr>
+              <a:t>InProc</a:t>
+            </a:r>
+            <a:r>
+              <a:rPr lang="en-US" sz="4800" dirty="0" smtClean="0">
+                <a:solidFill>
+                  <a:srgbClr val="0000FF"/>
+                </a:solidFill>
+                <a:latin typeface="Consolas"/>
+              </a:rPr>
+              <a:t>" </a:t>
+            </a:r>
+            <a:r>
+              <a:rPr lang="en-US" sz="4800" dirty="0" err="1" smtClean="0">
+                <a:solidFill>
+                  <a:srgbClr val="FF0000"/>
+                </a:solidFill>
+                <a:latin typeface="Consolas"/>
+              </a:rPr>
+              <a:t>stateConnectionString</a:t>
+            </a:r>
+            <a:r>
+              <a:rPr lang="en-US" sz="4800" dirty="0" smtClean="0">
+                <a:solidFill>
+                  <a:srgbClr val="0000FF"/>
+                </a:solidFill>
+                <a:latin typeface="Consolas"/>
+              </a:rPr>
+              <a:t>="</a:t>
+            </a:r>
+            <a:r>
+              <a:rPr lang="en-US" sz="4800" dirty="0" err="1" smtClean="0">
+                <a:solidFill>
+                  <a:srgbClr val="0000FF"/>
+                </a:solidFill>
+                <a:latin typeface="Consolas"/>
+              </a:rPr>
+              <a:t>tcpip</a:t>
+            </a:r>
+            <a:r>
+              <a:rPr lang="en-US" sz="4800" dirty="0" smtClean="0">
+                <a:solidFill>
+                  <a:srgbClr val="0000FF"/>
+                </a:solidFill>
+                <a:latin typeface="Consolas"/>
+              </a:rPr>
+              <a:t>=127.0.0.1:42424" </a:t>
+            </a:r>
+            <a:r>
+              <a:rPr lang="en-US" sz="4800" dirty="0" smtClean="0">
+                <a:solidFill>
+                  <a:srgbClr val="FF0000"/>
+                </a:solidFill>
+                <a:latin typeface="Consolas"/>
+              </a:rPr>
+              <a:t>timeout</a:t>
+            </a:r>
+            <a:r>
+              <a:rPr lang="en-US" sz="4800" dirty="0" smtClean="0">
+                <a:solidFill>
+                  <a:srgbClr val="0000FF"/>
+                </a:solidFill>
+                <a:latin typeface="Consolas"/>
+              </a:rPr>
+              <a:t>="1" </a:t>
+            </a:r>
+            <a:endParaRPr lang="en-US" sz="4800" dirty="0" smtClean="0">
+              <a:solidFill>
+                <a:srgbClr val="0000FF"/>
+              </a:solidFill>
+              <a:latin typeface="Consolas"/>
+            </a:endParaRPr>
+          </a:p>
+          <a:p>
+            <a:pPr marL="2171700" indent="-2171700" algn="l"/>
+            <a:r>
+              <a:rPr lang="en-US" sz="4800" dirty="0" smtClean="0">
+                <a:solidFill>
+                  <a:srgbClr val="0000FF"/>
+                </a:solidFill>
+                <a:latin typeface="Consolas"/>
+              </a:rPr>
+              <a:t>	</a:t>
+            </a:r>
+            <a:r>
+              <a:rPr lang="en-US" sz="4800" dirty="0" err="1" smtClean="0">
+                <a:solidFill>
+                  <a:srgbClr val="FF0000"/>
+                </a:solidFill>
+                <a:latin typeface="Consolas"/>
+              </a:rPr>
+              <a:t>cookieless</a:t>
+            </a:r>
+            <a:r>
+              <a:rPr lang="en-US" sz="4800" dirty="0" smtClean="0">
+                <a:solidFill>
+                  <a:srgbClr val="0000FF"/>
+                </a:solidFill>
+                <a:latin typeface="Consolas"/>
+              </a:rPr>
+              <a:t>="true</a:t>
+            </a:r>
+            <a:r>
+              <a:rPr lang="en-US" sz="4800" dirty="0" smtClean="0">
+                <a:solidFill>
+                  <a:srgbClr val="0000FF"/>
+                </a:solidFill>
+                <a:latin typeface="Consolas"/>
+              </a:rPr>
+              <a:t>"&gt;</a:t>
+            </a:r>
+          </a:p>
+          <a:p>
+            <a:pPr marL="2171700" indent="-2171700" algn="l"/>
+            <a:r>
+              <a:rPr lang="en-US" sz="4800" dirty="0" smtClean="0">
+                <a:solidFill>
+                  <a:srgbClr val="0000FF"/>
+                </a:solidFill>
+                <a:latin typeface="Consolas"/>
+              </a:rPr>
+              <a:t>&lt;/</a:t>
+            </a:r>
+            <a:r>
+              <a:rPr lang="en-US" sz="4800" dirty="0" err="1" smtClean="0">
+                <a:solidFill>
+                  <a:srgbClr val="A31515"/>
+                </a:solidFill>
+                <a:latin typeface="Consolas"/>
+              </a:rPr>
+              <a:t>sessionState</a:t>
+            </a:r>
+            <a:r>
+              <a:rPr lang="en-US" sz="4800" dirty="0" smtClean="0">
+                <a:solidFill>
+                  <a:srgbClr val="0000FF"/>
+                </a:solidFill>
+                <a:latin typeface="Consolas"/>
+              </a:rPr>
+              <a:t>&gt;</a:t>
+            </a:r>
+          </a:p>
+        </p:txBody>
+      </p:sp>
+    </p:spTree>
+  </p:cSld>
+  <p:clrMapOvr>
+    <a:masterClrMapping/>
+  </p:clrMapOvr>
+  <p:transition spd="med"/>
+  <p:timing>
+    <p:tnLst>
+      <p:par>
+        <p:cTn id="1" dur="indefinite" restart="never" nodeType="tmRoot"/>
+      </p:par>
+    </p:tnLst>
+  </p:timing>
+</p:sld>
+</file>
+
+<file path=ppt/slides/slide19.xml><?xml version="1.0" encoding="utf-8"?>
+<p:sld xmlns:a="http://schemas.openxmlformats.org/drawingml/2006/main" xmlns:r="http://schemas.openxmlformats.org/officeDocument/2006/relationships" xmlns:p="http://schemas.openxmlformats.org/presentationml/2006/main">
+  <p:cSld>
+    <p:spTree>
+      <p:nvGrpSpPr>
+        <p:cNvPr id="1" name=""/>
+        <p:cNvGrpSpPr/>
+        <p:nvPr/>
+      </p:nvGrpSpPr>
+      <p:grpSpPr>
+        <a:xfrm>
+          <a:off x="0" y="0"/>
+          <a:ext cx="0" cy="0"/>
+          <a:chOff x="0" y="0"/>
+          <a:chExt cx="0" cy="0"/>
+        </a:xfrm>
+      </p:grpSpPr>
+      <p:sp>
+        <p:nvSpPr>
+          <p:cNvPr id="135" name="Line"/>
+          <p:cNvSpPr/>
+          <p:nvPr/>
+        </p:nvSpPr>
+        <p:spPr>
+          <a:xfrm flipV="1">
+            <a:off x="2885566" y="-124865"/>
+            <a:ext cx="1" cy="13965729"/>
+          </a:xfrm>
+          <a:prstGeom prst="line">
+            <a:avLst/>
+          </a:prstGeom>
+          <a:ln w="57150">
+            <a:solidFill>
+              <a:srgbClr val="183E67"/>
+            </a:solidFill>
+            <a:custDash>
+              <a:ds d="600000" sp="600000"/>
+            </a:custDash>
+            <a:miter lim="400000"/>
+          </a:ln>
+        </p:spPr>
+        <p:txBody>
+          <a:bodyPr lIns="71437" tIns="71437" rIns="71437" bIns="71437" anchor="ctr"/>
+          <a:lstStyle/>
+          <a:p>
+            <a:pPr>
+              <a:defRPr sz="3000" b="0">
+                <a:solidFill>
+                  <a:srgbClr val="FFFFFF"/>
+                </a:solidFill>
+                <a:latin typeface="+mn-lt"/>
+                <a:ea typeface="+mn-ea"/>
+                <a:cs typeface="+mn-cs"/>
+                <a:sym typeface="Helvetica Neue Medium"/>
+              </a:defRPr>
+            </a:pPr>
+            <a:endParaRPr/>
+          </a:p>
+        </p:txBody>
+      </p:sp>
+      <p:sp>
+        <p:nvSpPr>
+          <p:cNvPr id="139" name="Line"/>
+          <p:cNvSpPr/>
+          <p:nvPr/>
+        </p:nvSpPr>
+        <p:spPr>
+          <a:xfrm>
+            <a:off x="2885566" y="2266950"/>
+            <a:ext cx="21498434" cy="0"/>
+          </a:xfrm>
+          <a:prstGeom prst="line">
+            <a:avLst/>
+          </a:prstGeom>
+          <a:ln w="25400">
+            <a:solidFill>
+              <a:schemeClr val="accent1">
+                <a:hueOff val="114395"/>
+                <a:lumOff val="-24975"/>
+              </a:schemeClr>
+            </a:solidFill>
+            <a:miter lim="400000"/>
+          </a:ln>
+          <a:effectLst/>
+        </p:spPr>
+        <p:txBody>
+          <a:bodyPr lIns="71437" tIns="71437" rIns="71437" bIns="71437" anchor="ctr"/>
+          <a:lstStyle/>
+          <a:p>
+            <a:pPr>
+              <a:defRPr sz="3000" b="0">
+                <a:solidFill>
+                  <a:srgbClr val="FFFFFF"/>
+                </a:solidFill>
+                <a:latin typeface="+mn-lt"/>
+                <a:ea typeface="+mn-ea"/>
+                <a:cs typeface="+mn-cs"/>
+                <a:sym typeface="Helvetica Neue Medium"/>
+              </a:defRPr>
+            </a:pPr>
+            <a:endParaRPr/>
+          </a:p>
+        </p:txBody>
+      </p:sp>
+      <p:sp>
+        <p:nvSpPr>
+          <p:cNvPr id="9" name="Constructor"/>
+          <p:cNvSpPr txBox="1"/>
+          <p:nvPr/>
+        </p:nvSpPr>
+        <p:spPr>
+          <a:xfrm rot="16200000">
+            <a:off x="-3585352" y="6047202"/>
+            <a:ext cx="10070064" cy="1621597"/>
+          </a:xfrm>
+          <a:prstGeom prst="rect">
+            <a:avLst/>
+          </a:prstGeom>
+          <a:ln w="12700">
+            <a:miter lim="400000"/>
+          </a:ln>
+          <a:extLst>
+            <a:ext uri="{C572A759-6A51-4108-AA02-DFA0A04FC94B}">
+              <ma14:wrappingTextBoxFlag xmlns="" xmlns:m="http://schemas.openxmlformats.org/officeDocument/2006/math" xmlns:a14="http://schemas.microsoft.com/office/drawing/2010/main" xmlns:ma14="http://schemas.microsoft.com/office/mac/drawingml/2011/main" val="1"/>
+            </a:ext>
+          </a:extLst>
+        </p:spPr>
+        <p:txBody>
+          <a:bodyPr wrap="none" lIns="71437" tIns="71437" rIns="71437" bIns="71437" anchor="ctr">
+            <a:spAutoFit/>
+          </a:bodyPr>
+          <a:lstStyle>
+            <a:lvl1pPr>
+              <a:defRPr sz="10000">
+                <a:solidFill>
+                  <a:srgbClr val="474748"/>
+                </a:solidFill>
+              </a:defRPr>
+            </a:lvl1pPr>
+          </a:lstStyle>
+          <a:p>
+            <a:r>
+              <a:rPr lang="en-US" sz="9600" dirty="0" smtClean="0">
+                <a:solidFill>
+                  <a:schemeClr val="tx2"/>
+                </a:solidFill>
+              </a:rPr>
+              <a:t>State Management</a:t>
+            </a:r>
+            <a:endParaRPr lang="en-US" sz="9600" dirty="0">
+              <a:solidFill>
+                <a:schemeClr val="tx2"/>
+              </a:solidFill>
+            </a:endParaRPr>
+          </a:p>
+        </p:txBody>
+      </p:sp>
+      <p:sp>
+        <p:nvSpPr>
+          <p:cNvPr id="10" name="TextBox 9"/>
+          <p:cNvSpPr txBox="1"/>
+          <p:nvPr/>
+        </p:nvSpPr>
+        <p:spPr>
+          <a:xfrm>
+            <a:off x="3254188" y="806823"/>
+            <a:ext cx="14737976" cy="1375376"/>
+          </a:xfrm>
+          <a:prstGeom prst="rect">
+            <a:avLst/>
+          </a:prstGeom>
+          <a:noFill/>
+          <a:ln w="12700" cap="flat">
+            <a:noFill/>
+            <a:miter lim="400000"/>
+          </a:ln>
+          <a:effectLst/>
+          <a:sp3d/>
+        </p:spPr>
+        <p:style>
+          <a:lnRef idx="0">
+            <a:scrgbClr r="0" g="0" b="0"/>
+          </a:lnRef>
+          <a:fillRef idx="0">
+            <a:scrgbClr r="0" g="0" b="0"/>
+          </a:fillRef>
+          <a:effectRef idx="0">
+            <a:scrgbClr r="0" g="0" b="0"/>
+          </a:effectRef>
+          <a:fontRef idx="none"/>
+        </p:style>
+        <p:txBody>
+          <a:bodyPr rot="0" spcFirstLastPara="1" vertOverflow="overflow" horzOverflow="overflow" vert="horz" wrap="square" lIns="71437" tIns="71437" rIns="71437" bIns="71437" numCol="1" spcCol="38100" rtlCol="0" anchor="ctr">
+            <a:spAutoFit/>
+          </a:bodyPr>
+          <a:lstStyle/>
+          <a:p>
+            <a:pPr marL="0" marR="0" indent="0" algn="l" defTabSz="821531" rtl="0" fontAlgn="auto" latinLnBrk="0" hangingPunct="0">
+              <a:lnSpc>
+                <a:spcPct val="100000"/>
+              </a:lnSpc>
+              <a:spcBef>
+                <a:spcPts val="0"/>
+              </a:spcBef>
+              <a:spcAft>
+                <a:spcPts val="0"/>
+              </a:spcAft>
+              <a:buClrTx/>
+              <a:buSzTx/>
+              <a:buFontTx/>
+              <a:buNone/>
+              <a:tabLst/>
+            </a:pPr>
+            <a:r>
+              <a:rPr kumimoji="0" lang="en-US" sz="8000" b="1" i="0" u="none" strike="noStrike" cap="none" spc="0" normalizeH="0" baseline="0" dirty="0" smtClean="0">
+                <a:ln>
+                  <a:noFill/>
+                </a:ln>
+                <a:solidFill>
+                  <a:srgbClr val="000000"/>
+                </a:solidFill>
+                <a:effectLst/>
+                <a:uFillTx/>
+                <a:latin typeface="Aharoni" pitchFamily="2" charset="-79"/>
+                <a:cs typeface="Aharoni" pitchFamily="2" charset="-79"/>
+                <a:sym typeface="Helvetica Neue"/>
+              </a:rPr>
+              <a:t>Cookies</a:t>
+            </a:r>
+            <a:endParaRPr kumimoji="0" lang="en-US" sz="8000" b="1" i="0" u="none" strike="noStrike" cap="none" spc="0" normalizeH="0" baseline="0" dirty="0">
+              <a:ln>
+                <a:noFill/>
+              </a:ln>
+              <a:solidFill>
+                <a:srgbClr val="000000"/>
+              </a:solidFill>
+              <a:effectLst/>
+              <a:uFillTx/>
+              <a:latin typeface="Aharoni" pitchFamily="2" charset="-79"/>
+              <a:cs typeface="Aharoni" pitchFamily="2" charset="-79"/>
+              <a:sym typeface="Helvetica Neue"/>
+            </a:endParaRPr>
+          </a:p>
+        </p:txBody>
+      </p:sp>
+      <p:sp>
+        <p:nvSpPr>
+          <p:cNvPr id="14" name="Rectangle 13"/>
+          <p:cNvSpPr/>
+          <p:nvPr/>
+        </p:nvSpPr>
+        <p:spPr>
+          <a:xfrm>
+            <a:off x="3886200" y="2752785"/>
+            <a:ext cx="20497800" cy="3139321"/>
+          </a:xfrm>
+          <a:prstGeom prst="rect">
+            <a:avLst/>
+          </a:prstGeom>
+        </p:spPr>
+        <p:txBody>
+          <a:bodyPr wrap="square">
+            <a:spAutoFit/>
+          </a:bodyPr>
+          <a:lstStyle/>
+          <a:p>
+            <a:pPr algn="l">
+              <a:lnSpc>
+                <a:spcPct val="150000"/>
+              </a:lnSpc>
+            </a:pPr>
+            <a:r>
+              <a:rPr lang="en-US" sz="4400" b="0" dirty="0" smtClean="0">
+                <a:solidFill>
+                  <a:schemeClr val="tx1"/>
+                </a:solidFill>
+                <a:latin typeface="Calibri" pitchFamily="34" charset="0"/>
+              </a:rPr>
+              <a:t>Cookies store a value in the user's browser that the browser sends with every page request to the same server. Cookies are the best way to store state data that must be available for multiple Web pages on a web </a:t>
+            </a:r>
+            <a:r>
+              <a:rPr lang="en-US" sz="4400" b="0" dirty="0" smtClean="0">
+                <a:solidFill>
+                  <a:schemeClr val="tx1"/>
+                </a:solidFill>
+                <a:latin typeface="Calibri" pitchFamily="34" charset="0"/>
+              </a:rPr>
+              <a:t>site.</a:t>
+            </a:r>
+            <a:endParaRPr lang="en-US" sz="4400" b="0" dirty="0" smtClean="0">
+              <a:solidFill>
+                <a:schemeClr val="tx1"/>
+              </a:solidFill>
+              <a:latin typeface="Calibri" pitchFamily="34" charset="0"/>
             </a:endParaRPr>
           </a:p>
         </p:txBody>
@@ -8758,6 +11978,3869 @@
 </p:sld>
 </file>
 
+<file path=ppt/slides/slide20.xml><?xml version="1.0" encoding="utf-8"?>
+<p:sld xmlns:a="http://schemas.openxmlformats.org/drawingml/2006/main" xmlns:r="http://schemas.openxmlformats.org/officeDocument/2006/relationships" xmlns:p="http://schemas.openxmlformats.org/presentationml/2006/main">
+  <p:cSld>
+    <p:spTree>
+      <p:nvGrpSpPr>
+        <p:cNvPr id="1" name=""/>
+        <p:cNvGrpSpPr/>
+        <p:nvPr/>
+      </p:nvGrpSpPr>
+      <p:grpSpPr>
+        <a:xfrm>
+          <a:off x="0" y="0"/>
+          <a:ext cx="0" cy="0"/>
+          <a:chOff x="0" y="0"/>
+          <a:chExt cx="0" cy="0"/>
+        </a:xfrm>
+      </p:grpSpPr>
+      <p:sp>
+        <p:nvSpPr>
+          <p:cNvPr id="135" name="Line"/>
+          <p:cNvSpPr/>
+          <p:nvPr/>
+        </p:nvSpPr>
+        <p:spPr>
+          <a:xfrm flipV="1">
+            <a:off x="2885566" y="-124865"/>
+            <a:ext cx="1" cy="13965729"/>
+          </a:xfrm>
+          <a:prstGeom prst="line">
+            <a:avLst/>
+          </a:prstGeom>
+          <a:ln w="57150">
+            <a:solidFill>
+              <a:srgbClr val="183E67"/>
+            </a:solidFill>
+            <a:custDash>
+              <a:ds d="600000" sp="600000"/>
+            </a:custDash>
+            <a:miter lim="400000"/>
+          </a:ln>
+        </p:spPr>
+        <p:txBody>
+          <a:bodyPr lIns="71437" tIns="71437" rIns="71437" bIns="71437" anchor="ctr"/>
+          <a:lstStyle/>
+          <a:p>
+            <a:pPr>
+              <a:defRPr sz="3000" b="0">
+                <a:solidFill>
+                  <a:srgbClr val="FFFFFF"/>
+                </a:solidFill>
+                <a:latin typeface="+mn-lt"/>
+                <a:ea typeface="+mn-ea"/>
+                <a:cs typeface="+mn-cs"/>
+                <a:sym typeface="Helvetica Neue Medium"/>
+              </a:defRPr>
+            </a:pPr>
+            <a:endParaRPr/>
+          </a:p>
+        </p:txBody>
+      </p:sp>
+      <p:sp>
+        <p:nvSpPr>
+          <p:cNvPr id="139" name="Line"/>
+          <p:cNvSpPr/>
+          <p:nvPr/>
+        </p:nvSpPr>
+        <p:spPr>
+          <a:xfrm>
+            <a:off x="2885566" y="2266950"/>
+            <a:ext cx="21498434" cy="0"/>
+          </a:xfrm>
+          <a:prstGeom prst="line">
+            <a:avLst/>
+          </a:prstGeom>
+          <a:ln w="25400">
+            <a:solidFill>
+              <a:schemeClr val="accent1">
+                <a:hueOff val="114395"/>
+                <a:lumOff val="-24975"/>
+              </a:schemeClr>
+            </a:solidFill>
+            <a:miter lim="400000"/>
+          </a:ln>
+          <a:effectLst/>
+        </p:spPr>
+        <p:txBody>
+          <a:bodyPr lIns="71437" tIns="71437" rIns="71437" bIns="71437" anchor="ctr"/>
+          <a:lstStyle/>
+          <a:p>
+            <a:pPr>
+              <a:defRPr sz="3000" b="0">
+                <a:solidFill>
+                  <a:srgbClr val="FFFFFF"/>
+                </a:solidFill>
+                <a:latin typeface="+mn-lt"/>
+                <a:ea typeface="+mn-ea"/>
+                <a:cs typeface="+mn-cs"/>
+                <a:sym typeface="Helvetica Neue Medium"/>
+              </a:defRPr>
+            </a:pPr>
+            <a:endParaRPr/>
+          </a:p>
+        </p:txBody>
+      </p:sp>
+      <p:sp>
+        <p:nvSpPr>
+          <p:cNvPr id="9" name="Constructor"/>
+          <p:cNvSpPr txBox="1"/>
+          <p:nvPr/>
+        </p:nvSpPr>
+        <p:spPr>
+          <a:xfrm rot="16200000">
+            <a:off x="-3585352" y="6047202"/>
+            <a:ext cx="10070064" cy="1621597"/>
+          </a:xfrm>
+          <a:prstGeom prst="rect">
+            <a:avLst/>
+          </a:prstGeom>
+          <a:ln w="12700">
+            <a:miter lim="400000"/>
+          </a:ln>
+          <a:extLst>
+            <a:ext uri="{C572A759-6A51-4108-AA02-DFA0A04FC94B}">
+              <ma14:wrappingTextBoxFlag xmlns="" xmlns:m="http://schemas.openxmlformats.org/officeDocument/2006/math" xmlns:a14="http://schemas.microsoft.com/office/drawing/2010/main" xmlns:ma14="http://schemas.microsoft.com/office/mac/drawingml/2011/main" val="1"/>
+            </a:ext>
+          </a:extLst>
+        </p:spPr>
+        <p:txBody>
+          <a:bodyPr wrap="none" lIns="71437" tIns="71437" rIns="71437" bIns="71437" anchor="ctr">
+            <a:spAutoFit/>
+          </a:bodyPr>
+          <a:lstStyle>
+            <a:lvl1pPr>
+              <a:defRPr sz="10000">
+                <a:solidFill>
+                  <a:srgbClr val="474748"/>
+                </a:solidFill>
+              </a:defRPr>
+            </a:lvl1pPr>
+          </a:lstStyle>
+          <a:p>
+            <a:r>
+              <a:rPr lang="en-US" sz="9600" dirty="0" smtClean="0">
+                <a:solidFill>
+                  <a:schemeClr val="tx2"/>
+                </a:solidFill>
+              </a:rPr>
+              <a:t>State Management</a:t>
+            </a:r>
+            <a:endParaRPr lang="en-US" sz="9600" dirty="0">
+              <a:solidFill>
+                <a:schemeClr val="tx2"/>
+              </a:solidFill>
+            </a:endParaRPr>
+          </a:p>
+        </p:txBody>
+      </p:sp>
+      <p:sp>
+        <p:nvSpPr>
+          <p:cNvPr id="10" name="TextBox 9"/>
+          <p:cNvSpPr txBox="1"/>
+          <p:nvPr/>
+        </p:nvSpPr>
+        <p:spPr>
+          <a:xfrm>
+            <a:off x="3254188" y="806823"/>
+            <a:ext cx="14737976" cy="1375376"/>
+          </a:xfrm>
+          <a:prstGeom prst="rect">
+            <a:avLst/>
+          </a:prstGeom>
+          <a:noFill/>
+          <a:ln w="12700" cap="flat">
+            <a:noFill/>
+            <a:miter lim="400000"/>
+          </a:ln>
+          <a:effectLst/>
+          <a:sp3d/>
+        </p:spPr>
+        <p:style>
+          <a:lnRef idx="0">
+            <a:scrgbClr r="0" g="0" b="0"/>
+          </a:lnRef>
+          <a:fillRef idx="0">
+            <a:scrgbClr r="0" g="0" b="0"/>
+          </a:fillRef>
+          <a:effectRef idx="0">
+            <a:scrgbClr r="0" g="0" b="0"/>
+          </a:effectRef>
+          <a:fontRef idx="none"/>
+        </p:style>
+        <p:txBody>
+          <a:bodyPr rot="0" spcFirstLastPara="1" vertOverflow="overflow" horzOverflow="overflow" vert="horz" wrap="square" lIns="71437" tIns="71437" rIns="71437" bIns="71437" numCol="1" spcCol="38100" rtlCol="0" anchor="ctr">
+            <a:spAutoFit/>
+          </a:bodyPr>
+          <a:lstStyle/>
+          <a:p>
+            <a:pPr marL="0" marR="0" indent="0" algn="l" defTabSz="821531" rtl="0" fontAlgn="auto" latinLnBrk="0" hangingPunct="0">
+              <a:lnSpc>
+                <a:spcPct val="100000"/>
+              </a:lnSpc>
+              <a:spcBef>
+                <a:spcPts val="0"/>
+              </a:spcBef>
+              <a:spcAft>
+                <a:spcPts val="0"/>
+              </a:spcAft>
+              <a:buClrTx/>
+              <a:buSzTx/>
+              <a:buFontTx/>
+              <a:buNone/>
+              <a:tabLst/>
+            </a:pPr>
+            <a:r>
+              <a:rPr kumimoji="0" lang="en-US" sz="8000" b="1" i="0" u="none" strike="noStrike" cap="none" spc="0" normalizeH="0" baseline="0" dirty="0" smtClean="0">
+                <a:ln>
+                  <a:noFill/>
+                </a:ln>
+                <a:solidFill>
+                  <a:srgbClr val="000000"/>
+                </a:solidFill>
+                <a:effectLst/>
+                <a:uFillTx/>
+                <a:latin typeface="Aharoni" pitchFamily="2" charset="-79"/>
+                <a:cs typeface="Aharoni" pitchFamily="2" charset="-79"/>
+                <a:sym typeface="Helvetica Neue"/>
+              </a:rPr>
+              <a:t>Cookies</a:t>
+            </a:r>
+            <a:endParaRPr kumimoji="0" lang="en-US" sz="8000" b="1" i="0" u="none" strike="noStrike" cap="none" spc="0" normalizeH="0" baseline="0" dirty="0">
+              <a:ln>
+                <a:noFill/>
+              </a:ln>
+              <a:solidFill>
+                <a:srgbClr val="000000"/>
+              </a:solidFill>
+              <a:effectLst/>
+              <a:uFillTx/>
+              <a:latin typeface="Aharoni" pitchFamily="2" charset="-79"/>
+              <a:cs typeface="Aharoni" pitchFamily="2" charset="-79"/>
+              <a:sym typeface="Helvetica Neue"/>
+            </a:endParaRPr>
+          </a:p>
+        </p:txBody>
+      </p:sp>
+      <p:sp>
+        <p:nvSpPr>
+          <p:cNvPr id="14" name="Rectangle 13"/>
+          <p:cNvSpPr/>
+          <p:nvPr/>
+        </p:nvSpPr>
+        <p:spPr>
+          <a:xfrm>
+            <a:off x="3886200" y="2752785"/>
+            <a:ext cx="20497800" cy="3139321"/>
+          </a:xfrm>
+          <a:prstGeom prst="rect">
+            <a:avLst/>
+          </a:prstGeom>
+        </p:spPr>
+        <p:txBody>
+          <a:bodyPr wrap="square">
+            <a:spAutoFit/>
+          </a:bodyPr>
+          <a:lstStyle/>
+          <a:p>
+            <a:pPr algn="l">
+              <a:lnSpc>
+                <a:spcPct val="150000"/>
+              </a:lnSpc>
+            </a:pPr>
+            <a:r>
+              <a:rPr lang="en-US" sz="4400" b="0" dirty="0" smtClean="0">
+                <a:solidFill>
+                  <a:schemeClr val="tx1"/>
+                </a:solidFill>
+                <a:latin typeface="Calibri" pitchFamily="34" charset="0"/>
+              </a:rPr>
+              <a:t>Cookies store a value in the user's browser that the browser sends with every page request to the same server. Cookies are the best way to store state data that must be available for multiple Web pages on a web </a:t>
+            </a:r>
+            <a:r>
+              <a:rPr lang="en-US" sz="4400" b="0" dirty="0" smtClean="0">
+                <a:solidFill>
+                  <a:schemeClr val="tx1"/>
+                </a:solidFill>
+                <a:latin typeface="Calibri" pitchFamily="34" charset="0"/>
+              </a:rPr>
+              <a:t>site.</a:t>
+            </a:r>
+            <a:endParaRPr lang="en-US" sz="4400" b="0" dirty="0" smtClean="0">
+              <a:solidFill>
+                <a:schemeClr val="tx1"/>
+              </a:solidFill>
+              <a:latin typeface="Calibri" pitchFamily="34" charset="0"/>
+            </a:endParaRPr>
+          </a:p>
+        </p:txBody>
+      </p:sp>
+      <p:sp>
+        <p:nvSpPr>
+          <p:cNvPr id="7" name="Rectangle 6"/>
+          <p:cNvSpPr/>
+          <p:nvPr/>
+        </p:nvSpPr>
+        <p:spPr>
+          <a:xfrm>
+            <a:off x="3924300" y="7723853"/>
+            <a:ext cx="20116800" cy="4610108"/>
+          </a:xfrm>
+          <a:prstGeom prst="rect">
+            <a:avLst/>
+          </a:prstGeom>
+        </p:spPr>
+        <p:txBody>
+          <a:bodyPr wrap="square">
+            <a:spAutoFit/>
+          </a:bodyPr>
+          <a:lstStyle/>
+          <a:p>
+            <a:pPr algn="l">
+              <a:lnSpc>
+                <a:spcPct val="150000"/>
+              </a:lnSpc>
+            </a:pPr>
+            <a:r>
+              <a:rPr lang="en-US" sz="4000" dirty="0" err="1" smtClean="0">
+                <a:solidFill>
+                  <a:srgbClr val="2B91AF"/>
+                </a:solidFill>
+                <a:latin typeface="Consolas"/>
+              </a:rPr>
+              <a:t>HttpCookie</a:t>
+            </a:r>
+            <a:r>
+              <a:rPr lang="en-US" sz="4000" dirty="0" smtClean="0">
+                <a:solidFill>
+                  <a:srgbClr val="2B91AF"/>
+                </a:solidFill>
+                <a:latin typeface="Consolas"/>
+              </a:rPr>
+              <a:t> </a:t>
+            </a:r>
+            <a:r>
+              <a:rPr lang="en-US" sz="4000" dirty="0" err="1" smtClean="0">
+                <a:solidFill>
+                  <a:srgbClr val="2B91AF"/>
+                </a:solidFill>
+                <a:latin typeface="Consolas"/>
+              </a:rPr>
+              <a:t>StudentCookies</a:t>
+            </a:r>
+            <a:r>
+              <a:rPr lang="en-US" sz="4000" dirty="0" smtClean="0">
+                <a:solidFill>
+                  <a:srgbClr val="2B91AF"/>
+                </a:solidFill>
+                <a:latin typeface="Consolas"/>
+              </a:rPr>
+              <a:t> = </a:t>
+            </a:r>
+            <a:r>
+              <a:rPr lang="en-US" sz="4000" dirty="0" smtClean="0">
+                <a:solidFill>
+                  <a:srgbClr val="0000FF"/>
+                </a:solidFill>
+                <a:latin typeface="Consolas"/>
+              </a:rPr>
+              <a:t>new </a:t>
+            </a:r>
+            <a:r>
+              <a:rPr lang="en-US" sz="4000" dirty="0" err="1" smtClean="0">
+                <a:solidFill>
+                  <a:srgbClr val="2B91AF"/>
+                </a:solidFill>
+                <a:latin typeface="Consolas"/>
+              </a:rPr>
+              <a:t>HttpCookie</a:t>
+            </a:r>
+            <a:r>
+              <a:rPr lang="en-US" sz="4000" dirty="0" smtClean="0">
+                <a:solidFill>
+                  <a:srgbClr val="2B91AF"/>
+                </a:solidFill>
+                <a:latin typeface="Consolas"/>
+              </a:rPr>
+              <a:t>(</a:t>
+            </a:r>
+            <a:r>
+              <a:rPr lang="en-US" sz="4000" dirty="0" smtClean="0">
+                <a:solidFill>
+                  <a:srgbClr val="A31515"/>
+                </a:solidFill>
+                <a:latin typeface="Consolas"/>
+              </a:rPr>
+              <a:t>"</a:t>
+            </a:r>
+            <a:r>
+              <a:rPr lang="en-US" sz="4000" dirty="0" err="1" smtClean="0">
+                <a:solidFill>
+                  <a:srgbClr val="A31515"/>
+                </a:solidFill>
+                <a:latin typeface="Consolas"/>
+              </a:rPr>
+              <a:t>StudentCookies</a:t>
+            </a:r>
+            <a:r>
+              <a:rPr lang="en-US" sz="4000" dirty="0" smtClean="0">
+                <a:solidFill>
+                  <a:srgbClr val="A31515"/>
+                </a:solidFill>
+                <a:latin typeface="Consolas"/>
+              </a:rPr>
+              <a:t>"); </a:t>
+            </a:r>
+          </a:p>
+          <a:p>
+            <a:pPr algn="l">
+              <a:lnSpc>
+                <a:spcPct val="150000"/>
+              </a:lnSpc>
+            </a:pPr>
+            <a:r>
+              <a:rPr lang="en-US" sz="4000" dirty="0" err="1" smtClean="0">
+                <a:solidFill>
+                  <a:srgbClr val="A31515"/>
+                </a:solidFill>
+                <a:latin typeface="Consolas"/>
+              </a:rPr>
+              <a:t>StudentCookies.Value</a:t>
+            </a:r>
+            <a:r>
+              <a:rPr lang="en-US" sz="4000" dirty="0" smtClean="0">
+                <a:solidFill>
+                  <a:srgbClr val="A31515"/>
+                </a:solidFill>
+                <a:latin typeface="Consolas"/>
+              </a:rPr>
+              <a:t> </a:t>
+            </a:r>
+            <a:r>
+              <a:rPr lang="en-US" sz="4000" dirty="0" smtClean="0">
+                <a:solidFill>
+                  <a:srgbClr val="A31515"/>
+                </a:solidFill>
+                <a:latin typeface="Consolas"/>
+              </a:rPr>
+              <a:t>= TextBox1.Text;</a:t>
+            </a:r>
+          </a:p>
+          <a:p>
+            <a:pPr algn="l">
+              <a:lnSpc>
+                <a:spcPct val="150000"/>
+              </a:lnSpc>
+            </a:pPr>
+            <a:r>
+              <a:rPr lang="en-US" sz="4000" dirty="0" err="1" smtClean="0">
+                <a:solidFill>
+                  <a:srgbClr val="A31515"/>
+                </a:solidFill>
+                <a:latin typeface="Consolas"/>
+              </a:rPr>
+              <a:t>StudentCookies.Expires</a:t>
+            </a:r>
+            <a:r>
+              <a:rPr lang="en-US" sz="4000" dirty="0" smtClean="0">
+                <a:solidFill>
+                  <a:srgbClr val="A31515"/>
+                </a:solidFill>
+                <a:latin typeface="Consolas"/>
+              </a:rPr>
+              <a:t> </a:t>
+            </a:r>
+            <a:r>
+              <a:rPr lang="en-US" sz="4000" dirty="0" smtClean="0">
+                <a:solidFill>
+                  <a:srgbClr val="A31515"/>
+                </a:solidFill>
+                <a:latin typeface="Consolas"/>
+              </a:rPr>
+              <a:t>= </a:t>
+            </a:r>
+            <a:r>
+              <a:rPr lang="en-US" sz="4000" dirty="0" err="1" smtClean="0">
+                <a:solidFill>
+                  <a:srgbClr val="2B91AF"/>
+                </a:solidFill>
+                <a:latin typeface="Consolas"/>
+              </a:rPr>
+              <a:t>DateTime.Now.AddHours</a:t>
+            </a:r>
+            <a:r>
+              <a:rPr lang="en-US" sz="4000" dirty="0" smtClean="0">
+                <a:solidFill>
+                  <a:srgbClr val="2B91AF"/>
+                </a:solidFill>
+                <a:latin typeface="Consolas"/>
+              </a:rPr>
+              <a:t>(1); </a:t>
+            </a:r>
+          </a:p>
+          <a:p>
+            <a:pPr algn="l">
+              <a:lnSpc>
+                <a:spcPct val="150000"/>
+              </a:lnSpc>
+            </a:pPr>
+            <a:r>
+              <a:rPr lang="en-US" sz="4000" dirty="0" err="1" smtClean="0">
+                <a:solidFill>
+                  <a:srgbClr val="2B91AF"/>
+                </a:solidFill>
+                <a:latin typeface="Consolas"/>
+              </a:rPr>
+              <a:t>Response.Cookies.Add</a:t>
+            </a:r>
+            <a:r>
+              <a:rPr lang="en-US" sz="4000" dirty="0" smtClean="0">
+                <a:solidFill>
+                  <a:srgbClr val="2B91AF"/>
+                </a:solidFill>
+                <a:latin typeface="Consolas"/>
+              </a:rPr>
+              <a:t>(</a:t>
+            </a:r>
+            <a:r>
+              <a:rPr lang="en-US" sz="4000" dirty="0" err="1" smtClean="0">
+                <a:solidFill>
+                  <a:srgbClr val="2B91AF"/>
+                </a:solidFill>
+                <a:latin typeface="Consolas"/>
+              </a:rPr>
+              <a:t>StudentCookies</a:t>
+            </a:r>
+            <a:r>
+              <a:rPr lang="en-US" sz="4000" dirty="0" smtClean="0">
+                <a:solidFill>
+                  <a:srgbClr val="2B91AF"/>
+                </a:solidFill>
+                <a:latin typeface="Consolas"/>
+              </a:rPr>
+              <a:t>);</a:t>
+            </a:r>
+          </a:p>
+          <a:p>
+            <a:pPr algn="l">
+              <a:lnSpc>
+                <a:spcPct val="150000"/>
+              </a:lnSpc>
+            </a:pPr>
+            <a:endParaRPr lang="en-US" sz="4000" dirty="0" smtClean="0">
+              <a:solidFill>
+                <a:srgbClr val="2B91AF"/>
+              </a:solidFill>
+              <a:latin typeface="Consolas"/>
+            </a:endParaRPr>
+          </a:p>
+        </p:txBody>
+      </p:sp>
+      <p:sp>
+        <p:nvSpPr>
+          <p:cNvPr id="8" name="TextBox 7"/>
+          <p:cNvSpPr txBox="1"/>
+          <p:nvPr/>
+        </p:nvSpPr>
+        <p:spPr>
+          <a:xfrm>
+            <a:off x="3943350" y="6743700"/>
+            <a:ext cx="8486775" cy="821378"/>
+          </a:xfrm>
+          <a:prstGeom prst="rect">
+            <a:avLst/>
+          </a:prstGeom>
+          <a:noFill/>
+          <a:ln w="12700" cap="flat">
+            <a:noFill/>
+            <a:miter lim="400000"/>
+          </a:ln>
+          <a:effectLst/>
+          <a:sp3d/>
+        </p:spPr>
+        <p:style>
+          <a:lnRef idx="0">
+            <a:scrgbClr r="0" g="0" b="0"/>
+          </a:lnRef>
+          <a:fillRef idx="0">
+            <a:scrgbClr r="0" g="0" b="0"/>
+          </a:fillRef>
+          <a:effectRef idx="0">
+            <a:scrgbClr r="0" g="0" b="0"/>
+          </a:effectRef>
+          <a:fontRef idx="none"/>
+        </p:style>
+        <p:txBody>
+          <a:bodyPr rot="0" spcFirstLastPara="1" vertOverflow="overflow" horzOverflow="overflow" vert="horz" wrap="square" lIns="71437" tIns="71437" rIns="71437" bIns="71437" numCol="1" spcCol="38100" rtlCol="0" anchor="ctr">
+            <a:spAutoFit/>
+          </a:bodyPr>
+          <a:lstStyle/>
+          <a:p>
+            <a:pPr marL="0" marR="0" indent="0" algn="l" defTabSz="821531" rtl="0" fontAlgn="auto" latinLnBrk="0" hangingPunct="0">
+              <a:lnSpc>
+                <a:spcPct val="100000"/>
+              </a:lnSpc>
+              <a:spcBef>
+                <a:spcPts val="0"/>
+              </a:spcBef>
+              <a:spcAft>
+                <a:spcPts val="0"/>
+              </a:spcAft>
+              <a:buClrTx/>
+              <a:buSzTx/>
+              <a:buFontTx/>
+              <a:buNone/>
+              <a:tabLst/>
+            </a:pPr>
+            <a:r>
+              <a:rPr kumimoji="0" lang="en-US" sz="4400" i="0" u="none" strike="noStrike" cap="none" spc="0" normalizeH="0" baseline="0" dirty="0" smtClean="0">
+                <a:ln>
+                  <a:noFill/>
+                </a:ln>
+                <a:solidFill>
+                  <a:srgbClr val="000000"/>
+                </a:solidFill>
+                <a:effectLst/>
+                <a:uFillTx/>
+                <a:latin typeface="Calibri" pitchFamily="34" charset="0"/>
+                <a:sym typeface="Helvetica Neue"/>
+              </a:rPr>
+              <a:t>Creating Cookie: First Way</a:t>
+            </a:r>
+            <a:endParaRPr kumimoji="0" lang="en-US" sz="4400" i="0" u="none" strike="noStrike" cap="none" spc="0" normalizeH="0" baseline="0" dirty="0">
+              <a:ln>
+                <a:noFill/>
+              </a:ln>
+              <a:solidFill>
+                <a:srgbClr val="000000"/>
+              </a:solidFill>
+              <a:effectLst/>
+              <a:uFillTx/>
+              <a:latin typeface="Calibri" pitchFamily="34" charset="0"/>
+              <a:sym typeface="Helvetica Neue"/>
+            </a:endParaRPr>
+          </a:p>
+        </p:txBody>
+      </p:sp>
+    </p:spTree>
+  </p:cSld>
+  <p:clrMapOvr>
+    <a:masterClrMapping/>
+  </p:clrMapOvr>
+  <p:transition spd="med"/>
+  <p:timing>
+    <p:tnLst>
+      <p:par>
+        <p:cTn id="1" dur="indefinite" restart="never" nodeType="tmRoot"/>
+      </p:par>
+    </p:tnLst>
+  </p:timing>
+</p:sld>
+</file>
+
+<file path=ppt/slides/slide21.xml><?xml version="1.0" encoding="utf-8"?>
+<p:sld xmlns:a="http://schemas.openxmlformats.org/drawingml/2006/main" xmlns:r="http://schemas.openxmlformats.org/officeDocument/2006/relationships" xmlns:p="http://schemas.openxmlformats.org/presentationml/2006/main">
+  <p:cSld>
+    <p:spTree>
+      <p:nvGrpSpPr>
+        <p:cNvPr id="1" name=""/>
+        <p:cNvGrpSpPr/>
+        <p:nvPr/>
+      </p:nvGrpSpPr>
+      <p:grpSpPr>
+        <a:xfrm>
+          <a:off x="0" y="0"/>
+          <a:ext cx="0" cy="0"/>
+          <a:chOff x="0" y="0"/>
+          <a:chExt cx="0" cy="0"/>
+        </a:xfrm>
+      </p:grpSpPr>
+      <p:sp>
+        <p:nvSpPr>
+          <p:cNvPr id="135" name="Line"/>
+          <p:cNvSpPr/>
+          <p:nvPr/>
+        </p:nvSpPr>
+        <p:spPr>
+          <a:xfrm flipV="1">
+            <a:off x="2885566" y="-124865"/>
+            <a:ext cx="1" cy="13965729"/>
+          </a:xfrm>
+          <a:prstGeom prst="line">
+            <a:avLst/>
+          </a:prstGeom>
+          <a:ln w="57150">
+            <a:solidFill>
+              <a:srgbClr val="183E67"/>
+            </a:solidFill>
+            <a:custDash>
+              <a:ds d="600000" sp="600000"/>
+            </a:custDash>
+            <a:miter lim="400000"/>
+          </a:ln>
+        </p:spPr>
+        <p:txBody>
+          <a:bodyPr lIns="71437" tIns="71437" rIns="71437" bIns="71437" anchor="ctr"/>
+          <a:lstStyle/>
+          <a:p>
+            <a:pPr>
+              <a:defRPr sz="3000" b="0">
+                <a:solidFill>
+                  <a:srgbClr val="FFFFFF"/>
+                </a:solidFill>
+                <a:latin typeface="+mn-lt"/>
+                <a:ea typeface="+mn-ea"/>
+                <a:cs typeface="+mn-cs"/>
+                <a:sym typeface="Helvetica Neue Medium"/>
+              </a:defRPr>
+            </a:pPr>
+            <a:endParaRPr/>
+          </a:p>
+        </p:txBody>
+      </p:sp>
+      <p:sp>
+        <p:nvSpPr>
+          <p:cNvPr id="139" name="Line"/>
+          <p:cNvSpPr/>
+          <p:nvPr/>
+        </p:nvSpPr>
+        <p:spPr>
+          <a:xfrm>
+            <a:off x="2885566" y="2266950"/>
+            <a:ext cx="21498434" cy="0"/>
+          </a:xfrm>
+          <a:prstGeom prst="line">
+            <a:avLst/>
+          </a:prstGeom>
+          <a:ln w="25400">
+            <a:solidFill>
+              <a:schemeClr val="accent1">
+                <a:hueOff val="114395"/>
+                <a:lumOff val="-24975"/>
+              </a:schemeClr>
+            </a:solidFill>
+            <a:miter lim="400000"/>
+          </a:ln>
+          <a:effectLst/>
+        </p:spPr>
+        <p:txBody>
+          <a:bodyPr lIns="71437" tIns="71437" rIns="71437" bIns="71437" anchor="ctr"/>
+          <a:lstStyle/>
+          <a:p>
+            <a:pPr>
+              <a:defRPr sz="3000" b="0">
+                <a:solidFill>
+                  <a:srgbClr val="FFFFFF"/>
+                </a:solidFill>
+                <a:latin typeface="+mn-lt"/>
+                <a:ea typeface="+mn-ea"/>
+                <a:cs typeface="+mn-cs"/>
+                <a:sym typeface="Helvetica Neue Medium"/>
+              </a:defRPr>
+            </a:pPr>
+            <a:endParaRPr/>
+          </a:p>
+        </p:txBody>
+      </p:sp>
+      <p:sp>
+        <p:nvSpPr>
+          <p:cNvPr id="9" name="Constructor"/>
+          <p:cNvSpPr txBox="1"/>
+          <p:nvPr/>
+        </p:nvSpPr>
+        <p:spPr>
+          <a:xfrm rot="16200000">
+            <a:off x="-3585352" y="6047202"/>
+            <a:ext cx="10070064" cy="1621597"/>
+          </a:xfrm>
+          <a:prstGeom prst="rect">
+            <a:avLst/>
+          </a:prstGeom>
+          <a:ln w="12700">
+            <a:miter lim="400000"/>
+          </a:ln>
+          <a:extLst>
+            <a:ext uri="{C572A759-6A51-4108-AA02-DFA0A04FC94B}">
+              <ma14:wrappingTextBoxFlag xmlns="" xmlns:m="http://schemas.openxmlformats.org/officeDocument/2006/math" xmlns:a14="http://schemas.microsoft.com/office/drawing/2010/main" xmlns:ma14="http://schemas.microsoft.com/office/mac/drawingml/2011/main" val="1"/>
+            </a:ext>
+          </a:extLst>
+        </p:spPr>
+        <p:txBody>
+          <a:bodyPr wrap="none" lIns="71437" tIns="71437" rIns="71437" bIns="71437" anchor="ctr">
+            <a:spAutoFit/>
+          </a:bodyPr>
+          <a:lstStyle>
+            <a:lvl1pPr>
+              <a:defRPr sz="10000">
+                <a:solidFill>
+                  <a:srgbClr val="474748"/>
+                </a:solidFill>
+              </a:defRPr>
+            </a:lvl1pPr>
+          </a:lstStyle>
+          <a:p>
+            <a:r>
+              <a:rPr lang="en-US" sz="9600" dirty="0" smtClean="0">
+                <a:solidFill>
+                  <a:schemeClr val="tx2"/>
+                </a:solidFill>
+              </a:rPr>
+              <a:t>State Management</a:t>
+            </a:r>
+            <a:endParaRPr lang="en-US" sz="9600" dirty="0">
+              <a:solidFill>
+                <a:schemeClr val="tx2"/>
+              </a:solidFill>
+            </a:endParaRPr>
+          </a:p>
+        </p:txBody>
+      </p:sp>
+      <p:sp>
+        <p:nvSpPr>
+          <p:cNvPr id="10" name="TextBox 9"/>
+          <p:cNvSpPr txBox="1"/>
+          <p:nvPr/>
+        </p:nvSpPr>
+        <p:spPr>
+          <a:xfrm>
+            <a:off x="3254188" y="806823"/>
+            <a:ext cx="14737976" cy="1375376"/>
+          </a:xfrm>
+          <a:prstGeom prst="rect">
+            <a:avLst/>
+          </a:prstGeom>
+          <a:noFill/>
+          <a:ln w="12700" cap="flat">
+            <a:noFill/>
+            <a:miter lim="400000"/>
+          </a:ln>
+          <a:effectLst/>
+          <a:sp3d/>
+        </p:spPr>
+        <p:style>
+          <a:lnRef idx="0">
+            <a:scrgbClr r="0" g="0" b="0"/>
+          </a:lnRef>
+          <a:fillRef idx="0">
+            <a:scrgbClr r="0" g="0" b="0"/>
+          </a:fillRef>
+          <a:effectRef idx="0">
+            <a:scrgbClr r="0" g="0" b="0"/>
+          </a:effectRef>
+          <a:fontRef idx="none"/>
+        </p:style>
+        <p:txBody>
+          <a:bodyPr rot="0" spcFirstLastPara="1" vertOverflow="overflow" horzOverflow="overflow" vert="horz" wrap="square" lIns="71437" tIns="71437" rIns="71437" bIns="71437" numCol="1" spcCol="38100" rtlCol="0" anchor="ctr">
+            <a:spAutoFit/>
+          </a:bodyPr>
+          <a:lstStyle/>
+          <a:p>
+            <a:pPr marL="0" marR="0" indent="0" algn="l" defTabSz="821531" rtl="0" fontAlgn="auto" latinLnBrk="0" hangingPunct="0">
+              <a:lnSpc>
+                <a:spcPct val="100000"/>
+              </a:lnSpc>
+              <a:spcBef>
+                <a:spcPts val="0"/>
+              </a:spcBef>
+              <a:spcAft>
+                <a:spcPts val="0"/>
+              </a:spcAft>
+              <a:buClrTx/>
+              <a:buSzTx/>
+              <a:buFontTx/>
+              <a:buNone/>
+              <a:tabLst/>
+            </a:pPr>
+            <a:r>
+              <a:rPr kumimoji="0" lang="en-US" sz="8000" b="1" i="0" u="none" strike="noStrike" cap="none" spc="0" normalizeH="0" baseline="0" dirty="0" smtClean="0">
+                <a:ln>
+                  <a:noFill/>
+                </a:ln>
+                <a:solidFill>
+                  <a:srgbClr val="000000"/>
+                </a:solidFill>
+                <a:effectLst/>
+                <a:uFillTx/>
+                <a:latin typeface="Aharoni" pitchFamily="2" charset="-79"/>
+                <a:cs typeface="Aharoni" pitchFamily="2" charset="-79"/>
+                <a:sym typeface="Helvetica Neue"/>
+              </a:rPr>
+              <a:t>Cookies</a:t>
+            </a:r>
+            <a:endParaRPr kumimoji="0" lang="en-US" sz="8000" b="1" i="0" u="none" strike="noStrike" cap="none" spc="0" normalizeH="0" baseline="0" dirty="0">
+              <a:ln>
+                <a:noFill/>
+              </a:ln>
+              <a:solidFill>
+                <a:srgbClr val="000000"/>
+              </a:solidFill>
+              <a:effectLst/>
+              <a:uFillTx/>
+              <a:latin typeface="Aharoni" pitchFamily="2" charset="-79"/>
+              <a:cs typeface="Aharoni" pitchFamily="2" charset="-79"/>
+              <a:sym typeface="Helvetica Neue"/>
+            </a:endParaRPr>
+          </a:p>
+        </p:txBody>
+      </p:sp>
+      <p:sp>
+        <p:nvSpPr>
+          <p:cNvPr id="14" name="Rectangle 13"/>
+          <p:cNvSpPr/>
+          <p:nvPr/>
+        </p:nvSpPr>
+        <p:spPr>
+          <a:xfrm>
+            <a:off x="3886200" y="2752785"/>
+            <a:ext cx="20497800" cy="3139321"/>
+          </a:xfrm>
+          <a:prstGeom prst="rect">
+            <a:avLst/>
+          </a:prstGeom>
+        </p:spPr>
+        <p:txBody>
+          <a:bodyPr wrap="square">
+            <a:spAutoFit/>
+          </a:bodyPr>
+          <a:lstStyle/>
+          <a:p>
+            <a:pPr algn="l">
+              <a:lnSpc>
+                <a:spcPct val="150000"/>
+              </a:lnSpc>
+            </a:pPr>
+            <a:r>
+              <a:rPr lang="en-US" sz="4400" b="0" dirty="0" smtClean="0">
+                <a:solidFill>
+                  <a:schemeClr val="tx1"/>
+                </a:solidFill>
+                <a:latin typeface="Calibri" pitchFamily="34" charset="0"/>
+              </a:rPr>
+              <a:t>Cookies store a value in the user's browser that the browser sends with every page request to the same server. Cookies are the best way to store state data that must be available for multiple Web pages on a web </a:t>
+            </a:r>
+            <a:r>
+              <a:rPr lang="en-US" sz="4400" b="0" dirty="0" smtClean="0">
+                <a:solidFill>
+                  <a:schemeClr val="tx1"/>
+                </a:solidFill>
+                <a:latin typeface="Calibri" pitchFamily="34" charset="0"/>
+              </a:rPr>
+              <a:t>site.</a:t>
+            </a:r>
+            <a:endParaRPr lang="en-US" sz="4400" b="0" dirty="0" smtClean="0">
+              <a:solidFill>
+                <a:schemeClr val="tx1"/>
+              </a:solidFill>
+              <a:latin typeface="Calibri" pitchFamily="34" charset="0"/>
+            </a:endParaRPr>
+          </a:p>
+        </p:txBody>
+      </p:sp>
+      <p:sp>
+        <p:nvSpPr>
+          <p:cNvPr id="7" name="Rectangle 6"/>
+          <p:cNvSpPr/>
+          <p:nvPr/>
+        </p:nvSpPr>
+        <p:spPr>
+          <a:xfrm>
+            <a:off x="3924300" y="7723853"/>
+            <a:ext cx="20116800" cy="707886"/>
+          </a:xfrm>
+          <a:prstGeom prst="rect">
+            <a:avLst/>
+          </a:prstGeom>
+        </p:spPr>
+        <p:txBody>
+          <a:bodyPr wrap="square">
+            <a:spAutoFit/>
+          </a:bodyPr>
+          <a:lstStyle/>
+          <a:p>
+            <a:pPr algn="l"/>
+            <a:r>
+              <a:rPr lang="en-US" sz="4000" b="0" dirty="0" smtClean="0">
+                <a:solidFill>
+                  <a:srgbClr val="0000FF"/>
+                </a:solidFill>
+                <a:latin typeface="Consolas"/>
+              </a:rPr>
+              <a:t>string roll = </a:t>
+            </a:r>
+            <a:r>
+              <a:rPr lang="en-US" sz="4000" b="0" dirty="0" err="1" smtClean="0">
+                <a:solidFill>
+                  <a:srgbClr val="0000FF"/>
+                </a:solidFill>
+                <a:latin typeface="Consolas"/>
+              </a:rPr>
+              <a:t>Request.Cookies</a:t>
+            </a:r>
+            <a:r>
+              <a:rPr lang="en-US" sz="4000" b="0" dirty="0" smtClean="0">
+                <a:solidFill>
+                  <a:srgbClr val="0000FF"/>
+                </a:solidFill>
+                <a:latin typeface="Consolas"/>
+              </a:rPr>
+              <a:t>[</a:t>
+            </a:r>
+            <a:r>
+              <a:rPr lang="en-US" sz="4000" b="0" dirty="0" smtClean="0">
+                <a:solidFill>
+                  <a:srgbClr val="A31515"/>
+                </a:solidFill>
+                <a:latin typeface="Consolas"/>
+              </a:rPr>
+              <a:t>"</a:t>
+            </a:r>
+            <a:r>
+              <a:rPr lang="en-US" sz="4000" b="0" dirty="0" err="1" smtClean="0">
+                <a:solidFill>
+                  <a:srgbClr val="A31515"/>
+                </a:solidFill>
+                <a:latin typeface="Consolas"/>
+              </a:rPr>
+              <a:t>StudentCookies</a:t>
+            </a:r>
+            <a:r>
+              <a:rPr lang="en-US" sz="4000" b="0" dirty="0" smtClean="0">
+                <a:solidFill>
+                  <a:srgbClr val="A31515"/>
+                </a:solidFill>
+                <a:latin typeface="Consolas"/>
+              </a:rPr>
+              <a:t>"].Value;</a:t>
+            </a:r>
+            <a:endParaRPr lang="en-US" sz="4000" b="0" dirty="0" smtClean="0">
+              <a:solidFill>
+                <a:srgbClr val="A31515"/>
+              </a:solidFill>
+              <a:latin typeface="Consolas"/>
+            </a:endParaRPr>
+          </a:p>
+        </p:txBody>
+      </p:sp>
+      <p:sp>
+        <p:nvSpPr>
+          <p:cNvPr id="8" name="TextBox 7"/>
+          <p:cNvSpPr txBox="1"/>
+          <p:nvPr/>
+        </p:nvSpPr>
+        <p:spPr>
+          <a:xfrm>
+            <a:off x="3943350" y="6743700"/>
+            <a:ext cx="8486775" cy="821378"/>
+          </a:xfrm>
+          <a:prstGeom prst="rect">
+            <a:avLst/>
+          </a:prstGeom>
+          <a:noFill/>
+          <a:ln w="12700" cap="flat">
+            <a:noFill/>
+            <a:miter lim="400000"/>
+          </a:ln>
+          <a:effectLst/>
+          <a:sp3d/>
+        </p:spPr>
+        <p:style>
+          <a:lnRef idx="0">
+            <a:scrgbClr r="0" g="0" b="0"/>
+          </a:lnRef>
+          <a:fillRef idx="0">
+            <a:scrgbClr r="0" g="0" b="0"/>
+          </a:fillRef>
+          <a:effectRef idx="0">
+            <a:scrgbClr r="0" g="0" b="0"/>
+          </a:effectRef>
+          <a:fontRef idx="none"/>
+        </p:style>
+        <p:txBody>
+          <a:bodyPr rot="0" spcFirstLastPara="1" vertOverflow="overflow" horzOverflow="overflow" vert="horz" wrap="square" lIns="71437" tIns="71437" rIns="71437" bIns="71437" numCol="1" spcCol="38100" rtlCol="0" anchor="ctr">
+            <a:spAutoFit/>
+          </a:bodyPr>
+          <a:lstStyle/>
+          <a:p>
+            <a:pPr marL="0" marR="0" indent="0" algn="l" defTabSz="821531" rtl="0" fontAlgn="auto" latinLnBrk="0" hangingPunct="0">
+              <a:lnSpc>
+                <a:spcPct val="100000"/>
+              </a:lnSpc>
+              <a:spcBef>
+                <a:spcPts val="0"/>
+              </a:spcBef>
+              <a:spcAft>
+                <a:spcPts val="0"/>
+              </a:spcAft>
+              <a:buClrTx/>
+              <a:buSzTx/>
+              <a:buFontTx/>
+              <a:buNone/>
+              <a:tabLst/>
+            </a:pPr>
+            <a:r>
+              <a:rPr kumimoji="0" lang="en-US" sz="4400" i="0" u="none" strike="noStrike" cap="none" spc="0" normalizeH="0" baseline="0" dirty="0" smtClean="0">
+                <a:ln>
+                  <a:noFill/>
+                </a:ln>
+                <a:solidFill>
+                  <a:srgbClr val="000000"/>
+                </a:solidFill>
+                <a:effectLst/>
+                <a:uFillTx/>
+                <a:latin typeface="Calibri" pitchFamily="34" charset="0"/>
+                <a:sym typeface="Helvetica Neue"/>
+              </a:rPr>
+              <a:t>Reading Cookie: First Way</a:t>
+            </a:r>
+            <a:endParaRPr kumimoji="0" lang="en-US" sz="4400" i="0" u="none" strike="noStrike" cap="none" spc="0" normalizeH="0" baseline="0" dirty="0">
+              <a:ln>
+                <a:noFill/>
+              </a:ln>
+              <a:solidFill>
+                <a:srgbClr val="000000"/>
+              </a:solidFill>
+              <a:effectLst/>
+              <a:uFillTx/>
+              <a:latin typeface="Calibri" pitchFamily="34" charset="0"/>
+              <a:sym typeface="Helvetica Neue"/>
+            </a:endParaRPr>
+          </a:p>
+        </p:txBody>
+      </p:sp>
+    </p:spTree>
+  </p:cSld>
+  <p:clrMapOvr>
+    <a:masterClrMapping/>
+  </p:clrMapOvr>
+  <p:transition spd="med"/>
+  <p:timing>
+    <p:tnLst>
+      <p:par>
+        <p:cTn id="1" dur="indefinite" restart="never" nodeType="tmRoot"/>
+      </p:par>
+    </p:tnLst>
+  </p:timing>
+</p:sld>
+</file>
+
+<file path=ppt/slides/slide22.xml><?xml version="1.0" encoding="utf-8"?>
+<p:sld xmlns:a="http://schemas.openxmlformats.org/drawingml/2006/main" xmlns:r="http://schemas.openxmlformats.org/officeDocument/2006/relationships" xmlns:p="http://schemas.openxmlformats.org/presentationml/2006/main">
+  <p:cSld>
+    <p:spTree>
+      <p:nvGrpSpPr>
+        <p:cNvPr id="1" name=""/>
+        <p:cNvGrpSpPr/>
+        <p:nvPr/>
+      </p:nvGrpSpPr>
+      <p:grpSpPr>
+        <a:xfrm>
+          <a:off x="0" y="0"/>
+          <a:ext cx="0" cy="0"/>
+          <a:chOff x="0" y="0"/>
+          <a:chExt cx="0" cy="0"/>
+        </a:xfrm>
+      </p:grpSpPr>
+      <p:sp>
+        <p:nvSpPr>
+          <p:cNvPr id="135" name="Line"/>
+          <p:cNvSpPr/>
+          <p:nvPr/>
+        </p:nvSpPr>
+        <p:spPr>
+          <a:xfrm flipV="1">
+            <a:off x="2885566" y="-124865"/>
+            <a:ext cx="1" cy="13965729"/>
+          </a:xfrm>
+          <a:prstGeom prst="line">
+            <a:avLst/>
+          </a:prstGeom>
+          <a:ln w="57150">
+            <a:solidFill>
+              <a:srgbClr val="183E67"/>
+            </a:solidFill>
+            <a:custDash>
+              <a:ds d="600000" sp="600000"/>
+            </a:custDash>
+            <a:miter lim="400000"/>
+          </a:ln>
+        </p:spPr>
+        <p:txBody>
+          <a:bodyPr lIns="71437" tIns="71437" rIns="71437" bIns="71437" anchor="ctr"/>
+          <a:lstStyle/>
+          <a:p>
+            <a:pPr>
+              <a:defRPr sz="3000" b="0">
+                <a:solidFill>
+                  <a:srgbClr val="FFFFFF"/>
+                </a:solidFill>
+                <a:latin typeface="+mn-lt"/>
+                <a:ea typeface="+mn-ea"/>
+                <a:cs typeface="+mn-cs"/>
+                <a:sym typeface="Helvetica Neue Medium"/>
+              </a:defRPr>
+            </a:pPr>
+            <a:endParaRPr/>
+          </a:p>
+        </p:txBody>
+      </p:sp>
+      <p:sp>
+        <p:nvSpPr>
+          <p:cNvPr id="139" name="Line"/>
+          <p:cNvSpPr/>
+          <p:nvPr/>
+        </p:nvSpPr>
+        <p:spPr>
+          <a:xfrm>
+            <a:off x="2885566" y="2266950"/>
+            <a:ext cx="21498434" cy="0"/>
+          </a:xfrm>
+          <a:prstGeom prst="line">
+            <a:avLst/>
+          </a:prstGeom>
+          <a:ln w="25400">
+            <a:solidFill>
+              <a:schemeClr val="accent1">
+                <a:hueOff val="114395"/>
+                <a:lumOff val="-24975"/>
+              </a:schemeClr>
+            </a:solidFill>
+            <a:miter lim="400000"/>
+          </a:ln>
+          <a:effectLst/>
+        </p:spPr>
+        <p:txBody>
+          <a:bodyPr lIns="71437" tIns="71437" rIns="71437" bIns="71437" anchor="ctr"/>
+          <a:lstStyle/>
+          <a:p>
+            <a:pPr>
+              <a:defRPr sz="3000" b="0">
+                <a:solidFill>
+                  <a:srgbClr val="FFFFFF"/>
+                </a:solidFill>
+                <a:latin typeface="+mn-lt"/>
+                <a:ea typeface="+mn-ea"/>
+                <a:cs typeface="+mn-cs"/>
+                <a:sym typeface="Helvetica Neue Medium"/>
+              </a:defRPr>
+            </a:pPr>
+            <a:endParaRPr/>
+          </a:p>
+        </p:txBody>
+      </p:sp>
+      <p:sp>
+        <p:nvSpPr>
+          <p:cNvPr id="9" name="Constructor"/>
+          <p:cNvSpPr txBox="1"/>
+          <p:nvPr/>
+        </p:nvSpPr>
+        <p:spPr>
+          <a:xfrm rot="16200000">
+            <a:off x="-3585352" y="6047202"/>
+            <a:ext cx="10070064" cy="1621597"/>
+          </a:xfrm>
+          <a:prstGeom prst="rect">
+            <a:avLst/>
+          </a:prstGeom>
+          <a:ln w="12700">
+            <a:miter lim="400000"/>
+          </a:ln>
+          <a:extLst>
+            <a:ext uri="{C572A759-6A51-4108-AA02-DFA0A04FC94B}">
+              <ma14:wrappingTextBoxFlag xmlns="" xmlns:m="http://schemas.openxmlformats.org/officeDocument/2006/math" xmlns:a14="http://schemas.microsoft.com/office/drawing/2010/main" xmlns:ma14="http://schemas.microsoft.com/office/mac/drawingml/2011/main" val="1"/>
+            </a:ext>
+          </a:extLst>
+        </p:spPr>
+        <p:txBody>
+          <a:bodyPr wrap="none" lIns="71437" tIns="71437" rIns="71437" bIns="71437" anchor="ctr">
+            <a:spAutoFit/>
+          </a:bodyPr>
+          <a:lstStyle>
+            <a:lvl1pPr>
+              <a:defRPr sz="10000">
+                <a:solidFill>
+                  <a:srgbClr val="474748"/>
+                </a:solidFill>
+              </a:defRPr>
+            </a:lvl1pPr>
+          </a:lstStyle>
+          <a:p>
+            <a:r>
+              <a:rPr lang="en-US" sz="9600" dirty="0" smtClean="0">
+                <a:solidFill>
+                  <a:schemeClr val="tx2"/>
+                </a:solidFill>
+              </a:rPr>
+              <a:t>State Management</a:t>
+            </a:r>
+            <a:endParaRPr lang="en-US" sz="9600" dirty="0">
+              <a:solidFill>
+                <a:schemeClr val="tx2"/>
+              </a:solidFill>
+            </a:endParaRPr>
+          </a:p>
+        </p:txBody>
+      </p:sp>
+      <p:sp>
+        <p:nvSpPr>
+          <p:cNvPr id="10" name="TextBox 9"/>
+          <p:cNvSpPr txBox="1"/>
+          <p:nvPr/>
+        </p:nvSpPr>
+        <p:spPr>
+          <a:xfrm>
+            <a:off x="3254188" y="806823"/>
+            <a:ext cx="14737976" cy="1375376"/>
+          </a:xfrm>
+          <a:prstGeom prst="rect">
+            <a:avLst/>
+          </a:prstGeom>
+          <a:noFill/>
+          <a:ln w="12700" cap="flat">
+            <a:noFill/>
+            <a:miter lim="400000"/>
+          </a:ln>
+          <a:effectLst/>
+          <a:sp3d/>
+        </p:spPr>
+        <p:style>
+          <a:lnRef idx="0">
+            <a:scrgbClr r="0" g="0" b="0"/>
+          </a:lnRef>
+          <a:fillRef idx="0">
+            <a:scrgbClr r="0" g="0" b="0"/>
+          </a:fillRef>
+          <a:effectRef idx="0">
+            <a:scrgbClr r="0" g="0" b="0"/>
+          </a:effectRef>
+          <a:fontRef idx="none"/>
+        </p:style>
+        <p:txBody>
+          <a:bodyPr rot="0" spcFirstLastPara="1" vertOverflow="overflow" horzOverflow="overflow" vert="horz" wrap="square" lIns="71437" tIns="71437" rIns="71437" bIns="71437" numCol="1" spcCol="38100" rtlCol="0" anchor="ctr">
+            <a:spAutoFit/>
+          </a:bodyPr>
+          <a:lstStyle/>
+          <a:p>
+            <a:pPr marL="0" marR="0" indent="0" algn="l" defTabSz="821531" rtl="0" fontAlgn="auto" latinLnBrk="0" hangingPunct="0">
+              <a:lnSpc>
+                <a:spcPct val="100000"/>
+              </a:lnSpc>
+              <a:spcBef>
+                <a:spcPts val="0"/>
+              </a:spcBef>
+              <a:spcAft>
+                <a:spcPts val="0"/>
+              </a:spcAft>
+              <a:buClrTx/>
+              <a:buSzTx/>
+              <a:buFontTx/>
+              <a:buNone/>
+              <a:tabLst/>
+            </a:pPr>
+            <a:r>
+              <a:rPr kumimoji="0" lang="en-US" sz="8000" b="1" i="0" u="none" strike="noStrike" cap="none" spc="0" normalizeH="0" baseline="0" dirty="0" smtClean="0">
+                <a:ln>
+                  <a:noFill/>
+                </a:ln>
+                <a:solidFill>
+                  <a:srgbClr val="000000"/>
+                </a:solidFill>
+                <a:effectLst/>
+                <a:uFillTx/>
+                <a:latin typeface="Aharoni" pitchFamily="2" charset="-79"/>
+                <a:cs typeface="Aharoni" pitchFamily="2" charset="-79"/>
+                <a:sym typeface="Helvetica Neue"/>
+              </a:rPr>
+              <a:t>Cookies</a:t>
+            </a:r>
+            <a:endParaRPr kumimoji="0" lang="en-US" sz="8000" b="1" i="0" u="none" strike="noStrike" cap="none" spc="0" normalizeH="0" baseline="0" dirty="0">
+              <a:ln>
+                <a:noFill/>
+              </a:ln>
+              <a:solidFill>
+                <a:srgbClr val="000000"/>
+              </a:solidFill>
+              <a:effectLst/>
+              <a:uFillTx/>
+              <a:latin typeface="Aharoni" pitchFamily="2" charset="-79"/>
+              <a:cs typeface="Aharoni" pitchFamily="2" charset="-79"/>
+              <a:sym typeface="Helvetica Neue"/>
+            </a:endParaRPr>
+          </a:p>
+        </p:txBody>
+      </p:sp>
+      <p:sp>
+        <p:nvSpPr>
+          <p:cNvPr id="14" name="Rectangle 13"/>
+          <p:cNvSpPr/>
+          <p:nvPr/>
+        </p:nvSpPr>
+        <p:spPr>
+          <a:xfrm>
+            <a:off x="3886200" y="2752785"/>
+            <a:ext cx="20497800" cy="3139321"/>
+          </a:xfrm>
+          <a:prstGeom prst="rect">
+            <a:avLst/>
+          </a:prstGeom>
+        </p:spPr>
+        <p:txBody>
+          <a:bodyPr wrap="square">
+            <a:spAutoFit/>
+          </a:bodyPr>
+          <a:lstStyle/>
+          <a:p>
+            <a:pPr algn="l">
+              <a:lnSpc>
+                <a:spcPct val="150000"/>
+              </a:lnSpc>
+            </a:pPr>
+            <a:r>
+              <a:rPr lang="en-US" sz="4400" b="0" dirty="0" smtClean="0">
+                <a:solidFill>
+                  <a:schemeClr val="tx1"/>
+                </a:solidFill>
+                <a:latin typeface="Calibri" pitchFamily="34" charset="0"/>
+              </a:rPr>
+              <a:t>Cookies store a value in the user's browser that the browser sends with every page request to the same server. Cookies are the best way to store state data that must be available for multiple Web pages on a web </a:t>
+            </a:r>
+            <a:r>
+              <a:rPr lang="en-US" sz="4400" b="0" dirty="0" smtClean="0">
+                <a:solidFill>
+                  <a:schemeClr val="tx1"/>
+                </a:solidFill>
+                <a:latin typeface="Calibri" pitchFamily="34" charset="0"/>
+              </a:rPr>
+              <a:t>site.</a:t>
+            </a:r>
+            <a:endParaRPr lang="en-US" sz="4400" b="0" dirty="0" smtClean="0">
+              <a:solidFill>
+                <a:schemeClr val="tx1"/>
+              </a:solidFill>
+              <a:latin typeface="Calibri" pitchFamily="34" charset="0"/>
+            </a:endParaRPr>
+          </a:p>
+        </p:txBody>
+      </p:sp>
+      <p:sp>
+        <p:nvSpPr>
+          <p:cNvPr id="7" name="Rectangle 6"/>
+          <p:cNvSpPr/>
+          <p:nvPr/>
+        </p:nvSpPr>
+        <p:spPr>
+          <a:xfrm>
+            <a:off x="3924300" y="7723853"/>
+            <a:ext cx="20116800" cy="1840119"/>
+          </a:xfrm>
+          <a:prstGeom prst="rect">
+            <a:avLst/>
+          </a:prstGeom>
+        </p:spPr>
+        <p:txBody>
+          <a:bodyPr wrap="square">
+            <a:spAutoFit/>
+          </a:bodyPr>
+          <a:lstStyle/>
+          <a:p>
+            <a:pPr algn="l">
+              <a:lnSpc>
+                <a:spcPct val="150000"/>
+              </a:lnSpc>
+            </a:pPr>
+            <a:r>
+              <a:rPr lang="en-US" sz="4000" dirty="0" err="1" smtClean="0">
+                <a:latin typeface="Consolas"/>
+              </a:rPr>
+              <a:t>Response.Cookies</a:t>
+            </a:r>
+            <a:r>
+              <a:rPr lang="en-US" sz="4000" dirty="0" smtClean="0">
+                <a:latin typeface="Consolas"/>
+              </a:rPr>
+              <a:t>[</a:t>
+            </a:r>
+            <a:r>
+              <a:rPr lang="en-US" sz="4000" dirty="0" smtClean="0">
+                <a:solidFill>
+                  <a:srgbClr val="A31515"/>
+                </a:solidFill>
+                <a:latin typeface="Consolas"/>
+              </a:rPr>
+              <a:t>"</a:t>
+            </a:r>
+            <a:r>
+              <a:rPr lang="en-US" sz="4000" dirty="0" err="1" smtClean="0">
+                <a:solidFill>
+                  <a:srgbClr val="A31515"/>
+                </a:solidFill>
+                <a:latin typeface="Consolas"/>
+              </a:rPr>
+              <a:t>StudentCookies</a:t>
+            </a:r>
+            <a:r>
+              <a:rPr lang="en-US" sz="4000" dirty="0" smtClean="0">
+                <a:solidFill>
+                  <a:srgbClr val="A31515"/>
+                </a:solidFill>
+                <a:latin typeface="Consolas"/>
+              </a:rPr>
+              <a:t>"].Value = TextBox1.Text; </a:t>
+            </a:r>
+          </a:p>
+          <a:p>
+            <a:pPr algn="l">
+              <a:lnSpc>
+                <a:spcPct val="150000"/>
+              </a:lnSpc>
+            </a:pPr>
+            <a:r>
+              <a:rPr lang="en-US" sz="4000" dirty="0" err="1" smtClean="0">
+                <a:solidFill>
+                  <a:srgbClr val="A31515"/>
+                </a:solidFill>
+                <a:latin typeface="Consolas"/>
+              </a:rPr>
+              <a:t>Response.Cookies</a:t>
+            </a:r>
+            <a:r>
+              <a:rPr lang="en-US" sz="4000" dirty="0" smtClean="0">
+                <a:solidFill>
+                  <a:srgbClr val="A31515"/>
+                </a:solidFill>
+                <a:latin typeface="Consolas"/>
+              </a:rPr>
+              <a:t>["</a:t>
+            </a:r>
+            <a:r>
+              <a:rPr lang="en-US" sz="4000" dirty="0" err="1" smtClean="0">
+                <a:solidFill>
+                  <a:srgbClr val="A31515"/>
+                </a:solidFill>
+                <a:latin typeface="Consolas"/>
+              </a:rPr>
+              <a:t>StudentCookies</a:t>
+            </a:r>
+            <a:r>
+              <a:rPr lang="en-US" sz="4000" dirty="0" smtClean="0">
+                <a:solidFill>
+                  <a:srgbClr val="A31515"/>
+                </a:solidFill>
+                <a:latin typeface="Consolas"/>
+              </a:rPr>
+              <a:t>"].Expires = </a:t>
+            </a:r>
+            <a:r>
+              <a:rPr lang="en-US" sz="4000" dirty="0" err="1" smtClean="0">
+                <a:solidFill>
+                  <a:srgbClr val="2B91AF"/>
+                </a:solidFill>
+                <a:latin typeface="Consolas"/>
+              </a:rPr>
+              <a:t>DateTime.Now.AddDays</a:t>
+            </a:r>
+            <a:r>
+              <a:rPr lang="en-US" sz="4000" dirty="0" smtClean="0">
+                <a:solidFill>
+                  <a:srgbClr val="2B91AF"/>
+                </a:solidFill>
+                <a:latin typeface="Consolas"/>
+              </a:rPr>
+              <a:t>(1);</a:t>
+            </a:r>
+          </a:p>
+        </p:txBody>
+      </p:sp>
+      <p:sp>
+        <p:nvSpPr>
+          <p:cNvPr id="8" name="TextBox 7"/>
+          <p:cNvSpPr txBox="1"/>
+          <p:nvPr/>
+        </p:nvSpPr>
+        <p:spPr>
+          <a:xfrm>
+            <a:off x="3943350" y="6743700"/>
+            <a:ext cx="8486775" cy="821378"/>
+          </a:xfrm>
+          <a:prstGeom prst="rect">
+            <a:avLst/>
+          </a:prstGeom>
+          <a:noFill/>
+          <a:ln w="12700" cap="flat">
+            <a:noFill/>
+            <a:miter lim="400000"/>
+          </a:ln>
+          <a:effectLst/>
+          <a:sp3d/>
+        </p:spPr>
+        <p:style>
+          <a:lnRef idx="0">
+            <a:scrgbClr r="0" g="0" b="0"/>
+          </a:lnRef>
+          <a:fillRef idx="0">
+            <a:scrgbClr r="0" g="0" b="0"/>
+          </a:fillRef>
+          <a:effectRef idx="0">
+            <a:scrgbClr r="0" g="0" b="0"/>
+          </a:effectRef>
+          <a:fontRef idx="none"/>
+        </p:style>
+        <p:txBody>
+          <a:bodyPr rot="0" spcFirstLastPara="1" vertOverflow="overflow" horzOverflow="overflow" vert="horz" wrap="square" lIns="71437" tIns="71437" rIns="71437" bIns="71437" numCol="1" spcCol="38100" rtlCol="0" anchor="ctr">
+            <a:spAutoFit/>
+          </a:bodyPr>
+          <a:lstStyle/>
+          <a:p>
+            <a:pPr marL="0" marR="0" indent="0" algn="l" defTabSz="821531" rtl="0" fontAlgn="auto" latinLnBrk="0" hangingPunct="0">
+              <a:lnSpc>
+                <a:spcPct val="100000"/>
+              </a:lnSpc>
+              <a:spcBef>
+                <a:spcPts val="0"/>
+              </a:spcBef>
+              <a:spcAft>
+                <a:spcPts val="0"/>
+              </a:spcAft>
+              <a:buClrTx/>
+              <a:buSzTx/>
+              <a:buFontTx/>
+              <a:buNone/>
+              <a:tabLst/>
+            </a:pPr>
+            <a:r>
+              <a:rPr kumimoji="0" lang="en-US" sz="4400" i="0" u="none" strike="noStrike" cap="none" spc="0" normalizeH="0" baseline="0" dirty="0" smtClean="0">
+                <a:ln>
+                  <a:noFill/>
+                </a:ln>
+                <a:solidFill>
+                  <a:srgbClr val="000000"/>
+                </a:solidFill>
+                <a:effectLst/>
+                <a:uFillTx/>
+                <a:latin typeface="Calibri" pitchFamily="34" charset="0"/>
+                <a:sym typeface="Helvetica Neue"/>
+              </a:rPr>
+              <a:t>Creating Cookie: Second Way</a:t>
+            </a:r>
+            <a:endParaRPr kumimoji="0" lang="en-US" sz="4400" i="0" u="none" strike="noStrike" cap="none" spc="0" normalizeH="0" baseline="0" dirty="0">
+              <a:ln>
+                <a:noFill/>
+              </a:ln>
+              <a:solidFill>
+                <a:srgbClr val="000000"/>
+              </a:solidFill>
+              <a:effectLst/>
+              <a:uFillTx/>
+              <a:latin typeface="Calibri" pitchFamily="34" charset="0"/>
+              <a:sym typeface="Helvetica Neue"/>
+            </a:endParaRPr>
+          </a:p>
+        </p:txBody>
+      </p:sp>
+    </p:spTree>
+  </p:cSld>
+  <p:clrMapOvr>
+    <a:masterClrMapping/>
+  </p:clrMapOvr>
+  <p:transition spd="med"/>
+  <p:timing>
+    <p:tnLst>
+      <p:par>
+        <p:cTn id="1" dur="indefinite" restart="never" nodeType="tmRoot"/>
+      </p:par>
+    </p:tnLst>
+  </p:timing>
+</p:sld>
+</file>
+
+<file path=ppt/slides/slide23.xml><?xml version="1.0" encoding="utf-8"?>
+<p:sld xmlns:a="http://schemas.openxmlformats.org/drawingml/2006/main" xmlns:r="http://schemas.openxmlformats.org/officeDocument/2006/relationships" xmlns:p="http://schemas.openxmlformats.org/presentationml/2006/main">
+  <p:cSld>
+    <p:spTree>
+      <p:nvGrpSpPr>
+        <p:cNvPr id="1" name=""/>
+        <p:cNvGrpSpPr/>
+        <p:nvPr/>
+      </p:nvGrpSpPr>
+      <p:grpSpPr>
+        <a:xfrm>
+          <a:off x="0" y="0"/>
+          <a:ext cx="0" cy="0"/>
+          <a:chOff x="0" y="0"/>
+          <a:chExt cx="0" cy="0"/>
+        </a:xfrm>
+      </p:grpSpPr>
+      <p:sp>
+        <p:nvSpPr>
+          <p:cNvPr id="135" name="Line"/>
+          <p:cNvSpPr/>
+          <p:nvPr/>
+        </p:nvSpPr>
+        <p:spPr>
+          <a:xfrm flipV="1">
+            <a:off x="2885566" y="-124865"/>
+            <a:ext cx="1" cy="13965729"/>
+          </a:xfrm>
+          <a:prstGeom prst="line">
+            <a:avLst/>
+          </a:prstGeom>
+          <a:ln w="57150">
+            <a:solidFill>
+              <a:srgbClr val="183E67"/>
+            </a:solidFill>
+            <a:custDash>
+              <a:ds d="600000" sp="600000"/>
+            </a:custDash>
+            <a:miter lim="400000"/>
+          </a:ln>
+        </p:spPr>
+        <p:txBody>
+          <a:bodyPr lIns="71437" tIns="71437" rIns="71437" bIns="71437" anchor="ctr"/>
+          <a:lstStyle/>
+          <a:p>
+            <a:pPr>
+              <a:defRPr sz="3000" b="0">
+                <a:solidFill>
+                  <a:srgbClr val="FFFFFF"/>
+                </a:solidFill>
+                <a:latin typeface="+mn-lt"/>
+                <a:ea typeface="+mn-ea"/>
+                <a:cs typeface="+mn-cs"/>
+                <a:sym typeface="Helvetica Neue Medium"/>
+              </a:defRPr>
+            </a:pPr>
+            <a:endParaRPr/>
+          </a:p>
+        </p:txBody>
+      </p:sp>
+      <p:sp>
+        <p:nvSpPr>
+          <p:cNvPr id="139" name="Line"/>
+          <p:cNvSpPr/>
+          <p:nvPr/>
+        </p:nvSpPr>
+        <p:spPr>
+          <a:xfrm>
+            <a:off x="2885566" y="2266950"/>
+            <a:ext cx="21498434" cy="0"/>
+          </a:xfrm>
+          <a:prstGeom prst="line">
+            <a:avLst/>
+          </a:prstGeom>
+          <a:ln w="25400">
+            <a:solidFill>
+              <a:schemeClr val="accent1">
+                <a:hueOff val="114395"/>
+                <a:lumOff val="-24975"/>
+              </a:schemeClr>
+            </a:solidFill>
+            <a:miter lim="400000"/>
+          </a:ln>
+          <a:effectLst/>
+        </p:spPr>
+        <p:txBody>
+          <a:bodyPr lIns="71437" tIns="71437" rIns="71437" bIns="71437" anchor="ctr"/>
+          <a:lstStyle/>
+          <a:p>
+            <a:pPr>
+              <a:defRPr sz="3000" b="0">
+                <a:solidFill>
+                  <a:srgbClr val="FFFFFF"/>
+                </a:solidFill>
+                <a:latin typeface="+mn-lt"/>
+                <a:ea typeface="+mn-ea"/>
+                <a:cs typeface="+mn-cs"/>
+                <a:sym typeface="Helvetica Neue Medium"/>
+              </a:defRPr>
+            </a:pPr>
+            <a:endParaRPr/>
+          </a:p>
+        </p:txBody>
+      </p:sp>
+      <p:sp>
+        <p:nvSpPr>
+          <p:cNvPr id="9" name="Constructor"/>
+          <p:cNvSpPr txBox="1"/>
+          <p:nvPr/>
+        </p:nvSpPr>
+        <p:spPr>
+          <a:xfrm rot="16200000">
+            <a:off x="-3585352" y="6047202"/>
+            <a:ext cx="10070064" cy="1621597"/>
+          </a:xfrm>
+          <a:prstGeom prst="rect">
+            <a:avLst/>
+          </a:prstGeom>
+          <a:ln w="12700">
+            <a:miter lim="400000"/>
+          </a:ln>
+          <a:extLst>
+            <a:ext uri="{C572A759-6A51-4108-AA02-DFA0A04FC94B}">
+              <ma14:wrappingTextBoxFlag xmlns="" xmlns:m="http://schemas.openxmlformats.org/officeDocument/2006/math" xmlns:a14="http://schemas.microsoft.com/office/drawing/2010/main" xmlns:ma14="http://schemas.microsoft.com/office/mac/drawingml/2011/main" val="1"/>
+            </a:ext>
+          </a:extLst>
+        </p:spPr>
+        <p:txBody>
+          <a:bodyPr wrap="none" lIns="71437" tIns="71437" rIns="71437" bIns="71437" anchor="ctr">
+            <a:spAutoFit/>
+          </a:bodyPr>
+          <a:lstStyle>
+            <a:lvl1pPr>
+              <a:defRPr sz="10000">
+                <a:solidFill>
+                  <a:srgbClr val="474748"/>
+                </a:solidFill>
+              </a:defRPr>
+            </a:lvl1pPr>
+          </a:lstStyle>
+          <a:p>
+            <a:r>
+              <a:rPr lang="en-US" sz="9600" dirty="0" smtClean="0">
+                <a:solidFill>
+                  <a:schemeClr val="tx2"/>
+                </a:solidFill>
+              </a:rPr>
+              <a:t>State Management</a:t>
+            </a:r>
+            <a:endParaRPr lang="en-US" sz="9600" dirty="0">
+              <a:solidFill>
+                <a:schemeClr val="tx2"/>
+              </a:solidFill>
+            </a:endParaRPr>
+          </a:p>
+        </p:txBody>
+      </p:sp>
+      <p:sp>
+        <p:nvSpPr>
+          <p:cNvPr id="10" name="TextBox 9"/>
+          <p:cNvSpPr txBox="1"/>
+          <p:nvPr/>
+        </p:nvSpPr>
+        <p:spPr>
+          <a:xfrm>
+            <a:off x="3254188" y="806823"/>
+            <a:ext cx="14737976" cy="1375376"/>
+          </a:xfrm>
+          <a:prstGeom prst="rect">
+            <a:avLst/>
+          </a:prstGeom>
+          <a:noFill/>
+          <a:ln w="12700" cap="flat">
+            <a:noFill/>
+            <a:miter lim="400000"/>
+          </a:ln>
+          <a:effectLst/>
+          <a:sp3d/>
+        </p:spPr>
+        <p:style>
+          <a:lnRef idx="0">
+            <a:scrgbClr r="0" g="0" b="0"/>
+          </a:lnRef>
+          <a:fillRef idx="0">
+            <a:scrgbClr r="0" g="0" b="0"/>
+          </a:fillRef>
+          <a:effectRef idx="0">
+            <a:scrgbClr r="0" g="0" b="0"/>
+          </a:effectRef>
+          <a:fontRef idx="none"/>
+        </p:style>
+        <p:txBody>
+          <a:bodyPr rot="0" spcFirstLastPara="1" vertOverflow="overflow" horzOverflow="overflow" vert="horz" wrap="square" lIns="71437" tIns="71437" rIns="71437" bIns="71437" numCol="1" spcCol="38100" rtlCol="0" anchor="ctr">
+            <a:spAutoFit/>
+          </a:bodyPr>
+          <a:lstStyle/>
+          <a:p>
+            <a:pPr marL="0" marR="0" indent="0" algn="l" defTabSz="821531" rtl="0" fontAlgn="auto" latinLnBrk="0" hangingPunct="0">
+              <a:lnSpc>
+                <a:spcPct val="100000"/>
+              </a:lnSpc>
+              <a:spcBef>
+                <a:spcPts val="0"/>
+              </a:spcBef>
+              <a:spcAft>
+                <a:spcPts val="0"/>
+              </a:spcAft>
+              <a:buClrTx/>
+              <a:buSzTx/>
+              <a:buFontTx/>
+              <a:buNone/>
+              <a:tabLst/>
+            </a:pPr>
+            <a:r>
+              <a:rPr kumimoji="0" lang="en-US" sz="8000" b="1" i="0" u="none" strike="noStrike" cap="none" spc="0" normalizeH="0" baseline="0" dirty="0" smtClean="0">
+                <a:ln>
+                  <a:noFill/>
+                </a:ln>
+                <a:solidFill>
+                  <a:srgbClr val="000000"/>
+                </a:solidFill>
+                <a:effectLst/>
+                <a:uFillTx/>
+                <a:latin typeface="Aharoni" pitchFamily="2" charset="-79"/>
+                <a:cs typeface="Aharoni" pitchFamily="2" charset="-79"/>
+                <a:sym typeface="Helvetica Neue"/>
+              </a:rPr>
+              <a:t>Cookies</a:t>
+            </a:r>
+            <a:endParaRPr kumimoji="0" lang="en-US" sz="8000" b="1" i="0" u="none" strike="noStrike" cap="none" spc="0" normalizeH="0" baseline="0" dirty="0">
+              <a:ln>
+                <a:noFill/>
+              </a:ln>
+              <a:solidFill>
+                <a:srgbClr val="000000"/>
+              </a:solidFill>
+              <a:effectLst/>
+              <a:uFillTx/>
+              <a:latin typeface="Aharoni" pitchFamily="2" charset="-79"/>
+              <a:cs typeface="Aharoni" pitchFamily="2" charset="-79"/>
+              <a:sym typeface="Helvetica Neue"/>
+            </a:endParaRPr>
+          </a:p>
+        </p:txBody>
+      </p:sp>
+      <p:sp>
+        <p:nvSpPr>
+          <p:cNvPr id="14" name="Rectangle 13"/>
+          <p:cNvSpPr/>
+          <p:nvPr/>
+        </p:nvSpPr>
+        <p:spPr>
+          <a:xfrm>
+            <a:off x="3886200" y="2752785"/>
+            <a:ext cx="20497800" cy="3139321"/>
+          </a:xfrm>
+          <a:prstGeom prst="rect">
+            <a:avLst/>
+          </a:prstGeom>
+        </p:spPr>
+        <p:txBody>
+          <a:bodyPr wrap="square">
+            <a:spAutoFit/>
+          </a:bodyPr>
+          <a:lstStyle/>
+          <a:p>
+            <a:pPr algn="l">
+              <a:lnSpc>
+                <a:spcPct val="150000"/>
+              </a:lnSpc>
+            </a:pPr>
+            <a:r>
+              <a:rPr lang="en-US" sz="4400" b="0" dirty="0" smtClean="0">
+                <a:solidFill>
+                  <a:schemeClr val="tx1"/>
+                </a:solidFill>
+                <a:latin typeface="Calibri" pitchFamily="34" charset="0"/>
+              </a:rPr>
+              <a:t>Cookies store a value in the user's browser that the browser sends with every page request to the same server. Cookies are the best way to store state data that must be available for multiple Web pages on a web </a:t>
+            </a:r>
+            <a:r>
+              <a:rPr lang="en-US" sz="4400" b="0" dirty="0" smtClean="0">
+                <a:solidFill>
+                  <a:schemeClr val="tx1"/>
+                </a:solidFill>
+                <a:latin typeface="Calibri" pitchFamily="34" charset="0"/>
+              </a:rPr>
+              <a:t>site.</a:t>
+            </a:r>
+            <a:endParaRPr lang="en-US" sz="4400" b="0" dirty="0" smtClean="0">
+              <a:solidFill>
+                <a:schemeClr val="tx1"/>
+              </a:solidFill>
+              <a:latin typeface="Calibri" pitchFamily="34" charset="0"/>
+            </a:endParaRPr>
+          </a:p>
+        </p:txBody>
+      </p:sp>
+      <p:sp>
+        <p:nvSpPr>
+          <p:cNvPr id="7" name="Rectangle 6"/>
+          <p:cNvSpPr/>
+          <p:nvPr/>
+        </p:nvSpPr>
+        <p:spPr>
+          <a:xfrm>
+            <a:off x="3924300" y="7723853"/>
+            <a:ext cx="20116800" cy="707886"/>
+          </a:xfrm>
+          <a:prstGeom prst="rect">
+            <a:avLst/>
+          </a:prstGeom>
+        </p:spPr>
+        <p:txBody>
+          <a:bodyPr wrap="square">
+            <a:spAutoFit/>
+          </a:bodyPr>
+          <a:lstStyle/>
+          <a:p>
+            <a:pPr algn="l"/>
+            <a:r>
+              <a:rPr lang="en-US" sz="4000" b="0" dirty="0" smtClean="0">
+                <a:solidFill>
+                  <a:srgbClr val="0000FF"/>
+                </a:solidFill>
+                <a:latin typeface="Consolas"/>
+              </a:rPr>
+              <a:t>string roll = </a:t>
+            </a:r>
+            <a:r>
+              <a:rPr lang="en-US" sz="4000" b="0" dirty="0" err="1" smtClean="0">
+                <a:solidFill>
+                  <a:srgbClr val="0000FF"/>
+                </a:solidFill>
+                <a:latin typeface="Consolas"/>
+              </a:rPr>
+              <a:t>Request.Cookies</a:t>
+            </a:r>
+            <a:r>
+              <a:rPr lang="en-US" sz="4000" b="0" dirty="0" smtClean="0">
+                <a:solidFill>
+                  <a:srgbClr val="0000FF"/>
+                </a:solidFill>
+                <a:latin typeface="Consolas"/>
+              </a:rPr>
+              <a:t>[</a:t>
+            </a:r>
+            <a:r>
+              <a:rPr lang="en-US" sz="4000" b="0" dirty="0" smtClean="0">
+                <a:solidFill>
+                  <a:srgbClr val="A31515"/>
+                </a:solidFill>
+                <a:latin typeface="Consolas"/>
+              </a:rPr>
+              <a:t>"</a:t>
+            </a:r>
+            <a:r>
+              <a:rPr lang="en-US" sz="4000" b="0" dirty="0" err="1" smtClean="0">
+                <a:solidFill>
+                  <a:srgbClr val="A31515"/>
+                </a:solidFill>
+                <a:latin typeface="Consolas"/>
+              </a:rPr>
+              <a:t>StudentCookies</a:t>
+            </a:r>
+            <a:r>
+              <a:rPr lang="en-US" sz="4000" b="0" dirty="0" smtClean="0">
+                <a:solidFill>
+                  <a:srgbClr val="A31515"/>
+                </a:solidFill>
+                <a:latin typeface="Consolas"/>
+              </a:rPr>
+              <a:t>"].Value;</a:t>
+            </a:r>
+          </a:p>
+        </p:txBody>
+      </p:sp>
+      <p:sp>
+        <p:nvSpPr>
+          <p:cNvPr id="8" name="TextBox 7"/>
+          <p:cNvSpPr txBox="1"/>
+          <p:nvPr/>
+        </p:nvSpPr>
+        <p:spPr>
+          <a:xfrm>
+            <a:off x="3943350" y="6743700"/>
+            <a:ext cx="8486775" cy="821378"/>
+          </a:xfrm>
+          <a:prstGeom prst="rect">
+            <a:avLst/>
+          </a:prstGeom>
+          <a:noFill/>
+          <a:ln w="12700" cap="flat">
+            <a:noFill/>
+            <a:miter lim="400000"/>
+          </a:ln>
+          <a:effectLst/>
+          <a:sp3d/>
+        </p:spPr>
+        <p:style>
+          <a:lnRef idx="0">
+            <a:scrgbClr r="0" g="0" b="0"/>
+          </a:lnRef>
+          <a:fillRef idx="0">
+            <a:scrgbClr r="0" g="0" b="0"/>
+          </a:fillRef>
+          <a:effectRef idx="0">
+            <a:scrgbClr r="0" g="0" b="0"/>
+          </a:effectRef>
+          <a:fontRef idx="none"/>
+        </p:style>
+        <p:txBody>
+          <a:bodyPr rot="0" spcFirstLastPara="1" vertOverflow="overflow" horzOverflow="overflow" vert="horz" wrap="square" lIns="71437" tIns="71437" rIns="71437" bIns="71437" numCol="1" spcCol="38100" rtlCol="0" anchor="ctr">
+            <a:spAutoFit/>
+          </a:bodyPr>
+          <a:lstStyle/>
+          <a:p>
+            <a:pPr marL="0" marR="0" indent="0" algn="l" defTabSz="821531" rtl="0" fontAlgn="auto" latinLnBrk="0" hangingPunct="0">
+              <a:lnSpc>
+                <a:spcPct val="100000"/>
+              </a:lnSpc>
+              <a:spcBef>
+                <a:spcPts val="0"/>
+              </a:spcBef>
+              <a:spcAft>
+                <a:spcPts val="0"/>
+              </a:spcAft>
+              <a:buClrTx/>
+              <a:buSzTx/>
+              <a:buFontTx/>
+              <a:buNone/>
+              <a:tabLst/>
+            </a:pPr>
+            <a:r>
+              <a:rPr kumimoji="0" lang="en-US" sz="4400" i="0" u="none" strike="noStrike" cap="none" spc="0" normalizeH="0" baseline="0" dirty="0" smtClean="0">
+                <a:ln>
+                  <a:noFill/>
+                </a:ln>
+                <a:solidFill>
+                  <a:srgbClr val="000000"/>
+                </a:solidFill>
+                <a:effectLst/>
+                <a:uFillTx/>
+                <a:latin typeface="Calibri" pitchFamily="34" charset="0"/>
+                <a:sym typeface="Helvetica Neue"/>
+              </a:rPr>
+              <a:t>Reading Cookie: Second Way</a:t>
+            </a:r>
+            <a:endParaRPr kumimoji="0" lang="en-US" sz="4400" i="0" u="none" strike="noStrike" cap="none" spc="0" normalizeH="0" baseline="0" dirty="0">
+              <a:ln>
+                <a:noFill/>
+              </a:ln>
+              <a:solidFill>
+                <a:srgbClr val="000000"/>
+              </a:solidFill>
+              <a:effectLst/>
+              <a:uFillTx/>
+              <a:latin typeface="Calibri" pitchFamily="34" charset="0"/>
+              <a:sym typeface="Helvetica Neue"/>
+            </a:endParaRPr>
+          </a:p>
+        </p:txBody>
+      </p:sp>
+    </p:spTree>
+  </p:cSld>
+  <p:clrMapOvr>
+    <a:masterClrMapping/>
+  </p:clrMapOvr>
+  <p:transition spd="med"/>
+  <p:timing>
+    <p:tnLst>
+      <p:par>
+        <p:cTn id="1" dur="indefinite" restart="never" nodeType="tmRoot"/>
+      </p:par>
+    </p:tnLst>
+  </p:timing>
+</p:sld>
+</file>
+
+<file path=ppt/slides/slide24.xml><?xml version="1.0" encoding="utf-8"?>
+<p:sld xmlns:a="http://schemas.openxmlformats.org/drawingml/2006/main" xmlns:r="http://schemas.openxmlformats.org/officeDocument/2006/relationships" xmlns:p="http://schemas.openxmlformats.org/presentationml/2006/main">
+  <p:cSld>
+    <p:spTree>
+      <p:nvGrpSpPr>
+        <p:cNvPr id="1" name=""/>
+        <p:cNvGrpSpPr/>
+        <p:nvPr/>
+      </p:nvGrpSpPr>
+      <p:grpSpPr>
+        <a:xfrm>
+          <a:off x="0" y="0"/>
+          <a:ext cx="0" cy="0"/>
+          <a:chOff x="0" y="0"/>
+          <a:chExt cx="0" cy="0"/>
+        </a:xfrm>
+      </p:grpSpPr>
+      <p:sp>
+        <p:nvSpPr>
+          <p:cNvPr id="135" name="Line"/>
+          <p:cNvSpPr/>
+          <p:nvPr/>
+        </p:nvSpPr>
+        <p:spPr>
+          <a:xfrm flipV="1">
+            <a:off x="2885566" y="-124865"/>
+            <a:ext cx="1" cy="13965729"/>
+          </a:xfrm>
+          <a:prstGeom prst="line">
+            <a:avLst/>
+          </a:prstGeom>
+          <a:ln w="57150">
+            <a:solidFill>
+              <a:srgbClr val="183E67"/>
+            </a:solidFill>
+            <a:custDash>
+              <a:ds d="600000" sp="600000"/>
+            </a:custDash>
+            <a:miter lim="400000"/>
+          </a:ln>
+        </p:spPr>
+        <p:txBody>
+          <a:bodyPr lIns="71437" tIns="71437" rIns="71437" bIns="71437" anchor="ctr"/>
+          <a:lstStyle/>
+          <a:p>
+            <a:pPr>
+              <a:defRPr sz="3000" b="0">
+                <a:solidFill>
+                  <a:srgbClr val="FFFFFF"/>
+                </a:solidFill>
+                <a:latin typeface="+mn-lt"/>
+                <a:ea typeface="+mn-ea"/>
+                <a:cs typeface="+mn-cs"/>
+                <a:sym typeface="Helvetica Neue Medium"/>
+              </a:defRPr>
+            </a:pPr>
+            <a:endParaRPr/>
+          </a:p>
+        </p:txBody>
+      </p:sp>
+      <p:sp>
+        <p:nvSpPr>
+          <p:cNvPr id="139" name="Line"/>
+          <p:cNvSpPr/>
+          <p:nvPr/>
+        </p:nvSpPr>
+        <p:spPr>
+          <a:xfrm>
+            <a:off x="2885566" y="2266950"/>
+            <a:ext cx="21498434" cy="0"/>
+          </a:xfrm>
+          <a:prstGeom prst="line">
+            <a:avLst/>
+          </a:prstGeom>
+          <a:ln w="25400">
+            <a:solidFill>
+              <a:schemeClr val="accent1">
+                <a:hueOff val="114395"/>
+                <a:lumOff val="-24975"/>
+              </a:schemeClr>
+            </a:solidFill>
+            <a:miter lim="400000"/>
+          </a:ln>
+          <a:effectLst/>
+        </p:spPr>
+        <p:txBody>
+          <a:bodyPr lIns="71437" tIns="71437" rIns="71437" bIns="71437" anchor="ctr"/>
+          <a:lstStyle/>
+          <a:p>
+            <a:pPr>
+              <a:defRPr sz="3000" b="0">
+                <a:solidFill>
+                  <a:srgbClr val="FFFFFF"/>
+                </a:solidFill>
+                <a:latin typeface="+mn-lt"/>
+                <a:ea typeface="+mn-ea"/>
+                <a:cs typeface="+mn-cs"/>
+                <a:sym typeface="Helvetica Neue Medium"/>
+              </a:defRPr>
+            </a:pPr>
+            <a:endParaRPr/>
+          </a:p>
+        </p:txBody>
+      </p:sp>
+      <p:sp>
+        <p:nvSpPr>
+          <p:cNvPr id="9" name="Constructor"/>
+          <p:cNvSpPr txBox="1"/>
+          <p:nvPr/>
+        </p:nvSpPr>
+        <p:spPr>
+          <a:xfrm rot="16200000">
+            <a:off x="-3585352" y="6047202"/>
+            <a:ext cx="10070064" cy="1621597"/>
+          </a:xfrm>
+          <a:prstGeom prst="rect">
+            <a:avLst/>
+          </a:prstGeom>
+          <a:ln w="12700">
+            <a:miter lim="400000"/>
+          </a:ln>
+          <a:extLst>
+            <a:ext uri="{C572A759-6A51-4108-AA02-DFA0A04FC94B}">
+              <ma14:wrappingTextBoxFlag xmlns="" xmlns:m="http://schemas.openxmlformats.org/officeDocument/2006/math" xmlns:a14="http://schemas.microsoft.com/office/drawing/2010/main" xmlns:ma14="http://schemas.microsoft.com/office/mac/drawingml/2011/main" val="1"/>
+            </a:ext>
+          </a:extLst>
+        </p:spPr>
+        <p:txBody>
+          <a:bodyPr wrap="none" lIns="71437" tIns="71437" rIns="71437" bIns="71437" anchor="ctr">
+            <a:spAutoFit/>
+          </a:bodyPr>
+          <a:lstStyle>
+            <a:lvl1pPr>
+              <a:defRPr sz="10000">
+                <a:solidFill>
+                  <a:srgbClr val="474748"/>
+                </a:solidFill>
+              </a:defRPr>
+            </a:lvl1pPr>
+          </a:lstStyle>
+          <a:p>
+            <a:r>
+              <a:rPr lang="en-US" sz="9600" dirty="0" smtClean="0">
+                <a:solidFill>
+                  <a:schemeClr val="tx2"/>
+                </a:solidFill>
+              </a:rPr>
+              <a:t>State Management</a:t>
+            </a:r>
+            <a:endParaRPr lang="en-US" sz="9600" dirty="0">
+              <a:solidFill>
+                <a:schemeClr val="tx2"/>
+              </a:solidFill>
+            </a:endParaRPr>
+          </a:p>
+        </p:txBody>
+      </p:sp>
+      <p:sp>
+        <p:nvSpPr>
+          <p:cNvPr id="10" name="TextBox 9"/>
+          <p:cNvSpPr txBox="1"/>
+          <p:nvPr/>
+        </p:nvSpPr>
+        <p:spPr>
+          <a:xfrm>
+            <a:off x="3254188" y="806823"/>
+            <a:ext cx="14737976" cy="1375376"/>
+          </a:xfrm>
+          <a:prstGeom prst="rect">
+            <a:avLst/>
+          </a:prstGeom>
+          <a:noFill/>
+          <a:ln w="12700" cap="flat">
+            <a:noFill/>
+            <a:miter lim="400000"/>
+          </a:ln>
+          <a:effectLst/>
+          <a:sp3d/>
+        </p:spPr>
+        <p:style>
+          <a:lnRef idx="0">
+            <a:scrgbClr r="0" g="0" b="0"/>
+          </a:lnRef>
+          <a:fillRef idx="0">
+            <a:scrgbClr r="0" g="0" b="0"/>
+          </a:fillRef>
+          <a:effectRef idx="0">
+            <a:scrgbClr r="0" g="0" b="0"/>
+          </a:effectRef>
+          <a:fontRef idx="none"/>
+        </p:style>
+        <p:txBody>
+          <a:bodyPr rot="0" spcFirstLastPara="1" vertOverflow="overflow" horzOverflow="overflow" vert="horz" wrap="square" lIns="71437" tIns="71437" rIns="71437" bIns="71437" numCol="1" spcCol="38100" rtlCol="0" anchor="ctr">
+            <a:spAutoFit/>
+          </a:bodyPr>
+          <a:lstStyle/>
+          <a:p>
+            <a:pPr marL="0" marR="0" indent="0" algn="l" defTabSz="821531" rtl="0" fontAlgn="auto" latinLnBrk="0" hangingPunct="0">
+              <a:lnSpc>
+                <a:spcPct val="100000"/>
+              </a:lnSpc>
+              <a:spcBef>
+                <a:spcPts val="0"/>
+              </a:spcBef>
+              <a:spcAft>
+                <a:spcPts val="0"/>
+              </a:spcAft>
+              <a:buClrTx/>
+              <a:buSzTx/>
+              <a:buFontTx/>
+              <a:buNone/>
+              <a:tabLst/>
+            </a:pPr>
+            <a:r>
+              <a:rPr kumimoji="0" lang="en-US" sz="8000" b="1" i="0" u="none" strike="noStrike" cap="none" spc="0" normalizeH="0" baseline="0" dirty="0" smtClean="0">
+                <a:ln>
+                  <a:noFill/>
+                </a:ln>
+                <a:solidFill>
+                  <a:srgbClr val="000000"/>
+                </a:solidFill>
+                <a:effectLst/>
+                <a:uFillTx/>
+                <a:latin typeface="Aharoni" pitchFamily="2" charset="-79"/>
+                <a:cs typeface="Aharoni" pitchFamily="2" charset="-79"/>
+                <a:sym typeface="Helvetica Neue"/>
+              </a:rPr>
+              <a:t>Cookies</a:t>
+            </a:r>
+            <a:endParaRPr kumimoji="0" lang="en-US" sz="8000" b="1" i="0" u="none" strike="noStrike" cap="none" spc="0" normalizeH="0" baseline="0" dirty="0">
+              <a:ln>
+                <a:noFill/>
+              </a:ln>
+              <a:solidFill>
+                <a:srgbClr val="000000"/>
+              </a:solidFill>
+              <a:effectLst/>
+              <a:uFillTx/>
+              <a:latin typeface="Aharoni" pitchFamily="2" charset="-79"/>
+              <a:cs typeface="Aharoni" pitchFamily="2" charset="-79"/>
+              <a:sym typeface="Helvetica Neue"/>
+            </a:endParaRPr>
+          </a:p>
+        </p:txBody>
+      </p:sp>
+      <p:sp>
+        <p:nvSpPr>
+          <p:cNvPr id="14" name="Rectangle 13"/>
+          <p:cNvSpPr/>
+          <p:nvPr/>
+        </p:nvSpPr>
+        <p:spPr>
+          <a:xfrm>
+            <a:off x="3886200" y="2752785"/>
+            <a:ext cx="20497800" cy="3139321"/>
+          </a:xfrm>
+          <a:prstGeom prst="rect">
+            <a:avLst/>
+          </a:prstGeom>
+        </p:spPr>
+        <p:txBody>
+          <a:bodyPr wrap="square">
+            <a:spAutoFit/>
+          </a:bodyPr>
+          <a:lstStyle/>
+          <a:p>
+            <a:pPr algn="l">
+              <a:lnSpc>
+                <a:spcPct val="150000"/>
+              </a:lnSpc>
+            </a:pPr>
+            <a:r>
+              <a:rPr lang="en-US" sz="4400" b="0" dirty="0" smtClean="0">
+                <a:solidFill>
+                  <a:schemeClr val="tx1"/>
+                </a:solidFill>
+                <a:latin typeface="Calibri" pitchFamily="34" charset="0"/>
+              </a:rPr>
+              <a:t>Cookies store a value in the user's browser that the browser sends with every page request to the same server. Cookies are the best way to store state data that must be available for multiple Web pages on a web </a:t>
+            </a:r>
+            <a:r>
+              <a:rPr lang="en-US" sz="4400" b="0" dirty="0" smtClean="0">
+                <a:solidFill>
+                  <a:schemeClr val="tx1"/>
+                </a:solidFill>
+                <a:latin typeface="Calibri" pitchFamily="34" charset="0"/>
+              </a:rPr>
+              <a:t>site.</a:t>
+            </a:r>
+            <a:endParaRPr lang="en-US" sz="4400" b="0" dirty="0" smtClean="0">
+              <a:solidFill>
+                <a:schemeClr val="tx1"/>
+              </a:solidFill>
+              <a:latin typeface="Calibri" pitchFamily="34" charset="0"/>
+            </a:endParaRPr>
+          </a:p>
+        </p:txBody>
+      </p:sp>
+      <p:sp>
+        <p:nvSpPr>
+          <p:cNvPr id="7" name="Rectangle 6"/>
+          <p:cNvSpPr/>
+          <p:nvPr/>
+        </p:nvSpPr>
+        <p:spPr>
+          <a:xfrm>
+            <a:off x="3924300" y="7723853"/>
+            <a:ext cx="20116800" cy="5533438"/>
+          </a:xfrm>
+          <a:prstGeom prst="rect">
+            <a:avLst/>
+          </a:prstGeom>
+        </p:spPr>
+        <p:txBody>
+          <a:bodyPr wrap="square">
+            <a:spAutoFit/>
+          </a:bodyPr>
+          <a:lstStyle/>
+          <a:p>
+            <a:pPr algn="l">
+              <a:lnSpc>
+                <a:spcPct val="150000"/>
+              </a:lnSpc>
+            </a:pPr>
+            <a:r>
+              <a:rPr lang="en-US" sz="4000" b="0" dirty="0" err="1" smtClean="0">
+                <a:latin typeface="Consolas"/>
+              </a:rPr>
+              <a:t>Response.Cookies</a:t>
+            </a:r>
+            <a:r>
+              <a:rPr lang="en-US" sz="4000" b="0" dirty="0" smtClean="0">
+                <a:latin typeface="Consolas"/>
+              </a:rPr>
+              <a:t>[</a:t>
+            </a:r>
+            <a:r>
+              <a:rPr lang="en-US" sz="4000" b="0" dirty="0" smtClean="0">
+                <a:solidFill>
+                  <a:srgbClr val="A31515"/>
+                </a:solidFill>
+                <a:latin typeface="Consolas"/>
+              </a:rPr>
+              <a:t>"</a:t>
+            </a:r>
+            <a:r>
+              <a:rPr lang="en-US" sz="4000" b="0" dirty="0" err="1" smtClean="0">
+                <a:solidFill>
+                  <a:srgbClr val="A31515"/>
+                </a:solidFill>
+                <a:latin typeface="Consolas"/>
+              </a:rPr>
+              <a:t>StudentCookies</a:t>
+            </a:r>
+            <a:r>
+              <a:rPr lang="en-US" sz="4000" b="0" dirty="0" smtClean="0">
+                <a:solidFill>
+                  <a:srgbClr val="A31515"/>
+                </a:solidFill>
+                <a:latin typeface="Consolas"/>
+              </a:rPr>
+              <a:t>"]["</a:t>
+            </a:r>
+            <a:r>
+              <a:rPr lang="en-US" sz="4000" b="0" dirty="0" err="1" smtClean="0">
+                <a:solidFill>
+                  <a:srgbClr val="A31515"/>
+                </a:solidFill>
+                <a:latin typeface="Consolas"/>
+              </a:rPr>
+              <a:t>RollNumber</a:t>
+            </a:r>
+            <a:r>
+              <a:rPr lang="en-US" sz="4000" b="0" dirty="0" smtClean="0">
+                <a:solidFill>
+                  <a:srgbClr val="A31515"/>
+                </a:solidFill>
+                <a:latin typeface="Consolas"/>
+              </a:rPr>
+              <a:t>"] = TextBox1.Text; </a:t>
+            </a:r>
+          </a:p>
+          <a:p>
+            <a:pPr algn="l">
+              <a:lnSpc>
+                <a:spcPct val="150000"/>
+              </a:lnSpc>
+            </a:pPr>
+            <a:r>
+              <a:rPr lang="en-US" sz="4000" b="0" dirty="0" err="1" smtClean="0">
+                <a:solidFill>
+                  <a:srgbClr val="A31515"/>
+                </a:solidFill>
+                <a:latin typeface="Consolas"/>
+              </a:rPr>
+              <a:t>Response.Cookies</a:t>
+            </a:r>
+            <a:r>
+              <a:rPr lang="en-US" sz="4000" b="0" dirty="0" smtClean="0">
+                <a:solidFill>
+                  <a:srgbClr val="A31515"/>
+                </a:solidFill>
+                <a:latin typeface="Consolas"/>
+              </a:rPr>
+              <a:t>["</a:t>
+            </a:r>
+            <a:r>
+              <a:rPr lang="en-US" sz="4000" b="0" dirty="0" err="1" smtClean="0">
+                <a:solidFill>
+                  <a:srgbClr val="A31515"/>
+                </a:solidFill>
+                <a:latin typeface="Consolas"/>
+              </a:rPr>
+              <a:t>StudentCookies</a:t>
+            </a:r>
+            <a:r>
+              <a:rPr lang="en-US" sz="4000" b="0" dirty="0" smtClean="0">
+                <a:solidFill>
+                  <a:srgbClr val="A31515"/>
+                </a:solidFill>
+                <a:latin typeface="Consolas"/>
+              </a:rPr>
+              <a:t>"]["</a:t>
+            </a:r>
+            <a:r>
+              <a:rPr lang="en-US" sz="4000" b="0" dirty="0" err="1" smtClean="0">
+                <a:solidFill>
+                  <a:srgbClr val="A31515"/>
+                </a:solidFill>
+                <a:latin typeface="Consolas"/>
+              </a:rPr>
+              <a:t>FirstName</a:t>
+            </a:r>
+            <a:r>
+              <a:rPr lang="en-US" sz="4000" b="0" dirty="0" smtClean="0">
+                <a:solidFill>
+                  <a:srgbClr val="A31515"/>
+                </a:solidFill>
+                <a:latin typeface="Consolas"/>
+              </a:rPr>
+              <a:t>"] = "</a:t>
+            </a:r>
+            <a:r>
+              <a:rPr lang="en-US" sz="4000" b="0" dirty="0" err="1" smtClean="0">
+                <a:solidFill>
+                  <a:srgbClr val="A31515"/>
+                </a:solidFill>
+                <a:latin typeface="Consolas"/>
+              </a:rPr>
+              <a:t>Abhimanyu</a:t>
+            </a:r>
+            <a:r>
+              <a:rPr lang="en-US" sz="4000" b="0" dirty="0" smtClean="0">
+                <a:solidFill>
+                  <a:srgbClr val="A31515"/>
+                </a:solidFill>
+                <a:latin typeface="Consolas"/>
+              </a:rPr>
+              <a:t>"; </a:t>
+            </a:r>
+          </a:p>
+          <a:p>
+            <a:pPr algn="l">
+              <a:lnSpc>
+                <a:spcPct val="150000"/>
+              </a:lnSpc>
+            </a:pPr>
+            <a:r>
+              <a:rPr lang="en-US" sz="4000" b="0" dirty="0" err="1" smtClean="0">
+                <a:solidFill>
+                  <a:srgbClr val="A31515"/>
+                </a:solidFill>
+                <a:latin typeface="Consolas"/>
+              </a:rPr>
+              <a:t>Response.Cookies</a:t>
+            </a:r>
+            <a:r>
+              <a:rPr lang="en-US" sz="4000" b="0" dirty="0" smtClean="0">
+                <a:solidFill>
+                  <a:srgbClr val="A31515"/>
+                </a:solidFill>
+                <a:latin typeface="Consolas"/>
+              </a:rPr>
+              <a:t>["</a:t>
+            </a:r>
+            <a:r>
+              <a:rPr lang="en-US" sz="4000" b="0" dirty="0" err="1" smtClean="0">
+                <a:solidFill>
+                  <a:srgbClr val="A31515"/>
+                </a:solidFill>
+                <a:latin typeface="Consolas"/>
+              </a:rPr>
+              <a:t>StudentCookies</a:t>
+            </a:r>
+            <a:r>
+              <a:rPr lang="en-US" sz="4000" b="0" dirty="0" smtClean="0">
+                <a:solidFill>
+                  <a:srgbClr val="A31515"/>
+                </a:solidFill>
+                <a:latin typeface="Consolas"/>
+              </a:rPr>
+              <a:t>"]["</a:t>
+            </a:r>
+            <a:r>
+              <a:rPr lang="en-US" sz="4000" b="0" dirty="0" err="1" smtClean="0">
+                <a:solidFill>
+                  <a:srgbClr val="A31515"/>
+                </a:solidFill>
+                <a:latin typeface="Consolas"/>
+              </a:rPr>
+              <a:t>MiddleName</a:t>
+            </a:r>
+            <a:r>
+              <a:rPr lang="en-US" sz="4000" b="0" dirty="0" smtClean="0">
+                <a:solidFill>
+                  <a:srgbClr val="A31515"/>
+                </a:solidFill>
+                <a:latin typeface="Consolas"/>
+              </a:rPr>
+              <a:t>"] = "Kumar"; </a:t>
+            </a:r>
+          </a:p>
+          <a:p>
+            <a:pPr algn="l">
+              <a:lnSpc>
+                <a:spcPct val="150000"/>
+              </a:lnSpc>
+            </a:pPr>
+            <a:r>
+              <a:rPr lang="en-US" sz="4000" b="0" dirty="0" err="1" smtClean="0">
+                <a:solidFill>
+                  <a:srgbClr val="A31515"/>
+                </a:solidFill>
+                <a:latin typeface="Consolas"/>
+              </a:rPr>
+              <a:t>Response.Cookies</a:t>
+            </a:r>
+            <a:r>
+              <a:rPr lang="en-US" sz="4000" b="0" dirty="0" smtClean="0">
+                <a:solidFill>
+                  <a:srgbClr val="A31515"/>
+                </a:solidFill>
+                <a:latin typeface="Consolas"/>
+              </a:rPr>
+              <a:t>["</a:t>
+            </a:r>
+            <a:r>
+              <a:rPr lang="en-US" sz="4000" b="0" dirty="0" err="1" smtClean="0">
+                <a:solidFill>
+                  <a:srgbClr val="A31515"/>
+                </a:solidFill>
+                <a:latin typeface="Consolas"/>
+              </a:rPr>
+              <a:t>StudentCookies</a:t>
+            </a:r>
+            <a:r>
+              <a:rPr lang="en-US" sz="4000" b="0" dirty="0" smtClean="0">
+                <a:solidFill>
+                  <a:srgbClr val="A31515"/>
+                </a:solidFill>
+                <a:latin typeface="Consolas"/>
+              </a:rPr>
+              <a:t>"]["</a:t>
+            </a:r>
+            <a:r>
+              <a:rPr lang="en-US" sz="4000" b="0" dirty="0" err="1" smtClean="0">
+                <a:solidFill>
+                  <a:srgbClr val="A31515"/>
+                </a:solidFill>
+                <a:latin typeface="Consolas"/>
+              </a:rPr>
+              <a:t>LastName</a:t>
+            </a:r>
+            <a:r>
+              <a:rPr lang="en-US" sz="4000" b="0" dirty="0" smtClean="0">
+                <a:solidFill>
+                  <a:srgbClr val="A31515"/>
+                </a:solidFill>
+                <a:latin typeface="Consolas"/>
+              </a:rPr>
+              <a:t>"] = "</a:t>
+            </a:r>
+            <a:r>
+              <a:rPr lang="en-US" sz="4000" b="0" dirty="0" err="1" smtClean="0">
+                <a:solidFill>
+                  <a:srgbClr val="A31515"/>
+                </a:solidFill>
+                <a:latin typeface="Consolas"/>
+              </a:rPr>
+              <a:t>Vatsa</a:t>
+            </a:r>
+            <a:r>
+              <a:rPr lang="en-US" sz="4000" b="0" dirty="0" smtClean="0">
+                <a:solidFill>
+                  <a:srgbClr val="A31515"/>
+                </a:solidFill>
+                <a:latin typeface="Consolas"/>
+              </a:rPr>
+              <a:t>"; </a:t>
+            </a:r>
+          </a:p>
+          <a:p>
+            <a:pPr algn="l">
+              <a:lnSpc>
+                <a:spcPct val="150000"/>
+              </a:lnSpc>
+            </a:pPr>
+            <a:r>
+              <a:rPr lang="en-US" sz="4000" b="0" dirty="0" err="1" smtClean="0">
+                <a:solidFill>
+                  <a:srgbClr val="A31515"/>
+                </a:solidFill>
+                <a:latin typeface="Consolas"/>
+              </a:rPr>
+              <a:t>Response.Cookies</a:t>
+            </a:r>
+            <a:r>
+              <a:rPr lang="en-US" sz="4000" b="0" dirty="0" smtClean="0">
+                <a:solidFill>
+                  <a:srgbClr val="A31515"/>
+                </a:solidFill>
+                <a:latin typeface="Consolas"/>
+              </a:rPr>
+              <a:t>["</a:t>
+            </a:r>
+            <a:r>
+              <a:rPr lang="en-US" sz="4000" b="0" dirty="0" err="1" smtClean="0">
+                <a:solidFill>
+                  <a:srgbClr val="A31515"/>
+                </a:solidFill>
+                <a:latin typeface="Consolas"/>
+              </a:rPr>
+              <a:t>StudentCookies</a:t>
+            </a:r>
+            <a:r>
+              <a:rPr lang="en-US" sz="4000" b="0" dirty="0" smtClean="0">
+                <a:solidFill>
+                  <a:srgbClr val="A31515"/>
+                </a:solidFill>
+                <a:latin typeface="Consolas"/>
+              </a:rPr>
+              <a:t>"]["</a:t>
+            </a:r>
+            <a:r>
+              <a:rPr lang="en-US" sz="4000" b="0" dirty="0" err="1" smtClean="0">
+                <a:solidFill>
+                  <a:srgbClr val="A31515"/>
+                </a:solidFill>
+                <a:latin typeface="Consolas"/>
+              </a:rPr>
+              <a:t>TotalMarks</a:t>
+            </a:r>
+            <a:r>
+              <a:rPr lang="en-US" sz="4000" b="0" dirty="0" smtClean="0">
+                <a:solidFill>
+                  <a:srgbClr val="A31515"/>
+                </a:solidFill>
+                <a:latin typeface="Consolas"/>
+              </a:rPr>
+              <a:t>"] = "499"; </a:t>
+            </a:r>
+          </a:p>
+          <a:p>
+            <a:pPr algn="l">
+              <a:lnSpc>
+                <a:spcPct val="150000"/>
+              </a:lnSpc>
+            </a:pPr>
+            <a:r>
+              <a:rPr lang="en-US" sz="4000" b="0" dirty="0" err="1" smtClean="0">
+                <a:solidFill>
+                  <a:srgbClr val="A31515"/>
+                </a:solidFill>
+                <a:latin typeface="Consolas"/>
+              </a:rPr>
+              <a:t>Response.Cookies</a:t>
+            </a:r>
+            <a:r>
+              <a:rPr lang="en-US" sz="4000" b="0" dirty="0" smtClean="0">
+                <a:solidFill>
+                  <a:srgbClr val="A31515"/>
+                </a:solidFill>
+                <a:latin typeface="Consolas"/>
+              </a:rPr>
+              <a:t>["</a:t>
+            </a:r>
+            <a:r>
+              <a:rPr lang="en-US" sz="4000" b="0" dirty="0" err="1" smtClean="0">
+                <a:solidFill>
+                  <a:srgbClr val="A31515"/>
+                </a:solidFill>
+                <a:latin typeface="Consolas"/>
+              </a:rPr>
+              <a:t>StudentCookies</a:t>
+            </a:r>
+            <a:r>
+              <a:rPr lang="en-US" sz="4000" b="0" dirty="0" smtClean="0">
+                <a:solidFill>
+                  <a:srgbClr val="A31515"/>
+                </a:solidFill>
+                <a:latin typeface="Consolas"/>
+              </a:rPr>
+              <a:t>"].Expires = </a:t>
+            </a:r>
+            <a:r>
+              <a:rPr lang="en-US" sz="4000" b="0" dirty="0" err="1" smtClean="0">
+                <a:solidFill>
+                  <a:srgbClr val="2B91AF"/>
+                </a:solidFill>
+                <a:latin typeface="Consolas"/>
+              </a:rPr>
+              <a:t>DateTime.Now.AddDays</a:t>
+            </a:r>
+            <a:r>
+              <a:rPr lang="en-US" sz="4000" b="0" dirty="0" smtClean="0">
+                <a:solidFill>
+                  <a:srgbClr val="2B91AF"/>
+                </a:solidFill>
+                <a:latin typeface="Consolas"/>
+              </a:rPr>
+              <a:t>(1);</a:t>
+            </a:r>
+          </a:p>
+        </p:txBody>
+      </p:sp>
+      <p:sp>
+        <p:nvSpPr>
+          <p:cNvPr id="8" name="TextBox 7"/>
+          <p:cNvSpPr txBox="1"/>
+          <p:nvPr/>
+        </p:nvSpPr>
+        <p:spPr>
+          <a:xfrm>
+            <a:off x="3943350" y="6743700"/>
+            <a:ext cx="8486775" cy="821378"/>
+          </a:xfrm>
+          <a:prstGeom prst="rect">
+            <a:avLst/>
+          </a:prstGeom>
+          <a:noFill/>
+          <a:ln w="12700" cap="flat">
+            <a:noFill/>
+            <a:miter lim="400000"/>
+          </a:ln>
+          <a:effectLst/>
+          <a:sp3d/>
+        </p:spPr>
+        <p:style>
+          <a:lnRef idx="0">
+            <a:scrgbClr r="0" g="0" b="0"/>
+          </a:lnRef>
+          <a:fillRef idx="0">
+            <a:scrgbClr r="0" g="0" b="0"/>
+          </a:fillRef>
+          <a:effectRef idx="0">
+            <a:scrgbClr r="0" g="0" b="0"/>
+          </a:effectRef>
+          <a:fontRef idx="none"/>
+        </p:style>
+        <p:txBody>
+          <a:bodyPr rot="0" spcFirstLastPara="1" vertOverflow="overflow" horzOverflow="overflow" vert="horz" wrap="square" lIns="71437" tIns="71437" rIns="71437" bIns="71437" numCol="1" spcCol="38100" rtlCol="0" anchor="ctr">
+            <a:spAutoFit/>
+          </a:bodyPr>
+          <a:lstStyle/>
+          <a:p>
+            <a:pPr marL="0" marR="0" indent="0" algn="l" defTabSz="821531" rtl="0" fontAlgn="auto" latinLnBrk="0" hangingPunct="0">
+              <a:lnSpc>
+                <a:spcPct val="100000"/>
+              </a:lnSpc>
+              <a:spcBef>
+                <a:spcPts val="0"/>
+              </a:spcBef>
+              <a:spcAft>
+                <a:spcPts val="0"/>
+              </a:spcAft>
+              <a:buClrTx/>
+              <a:buSzTx/>
+              <a:buFontTx/>
+              <a:buNone/>
+              <a:tabLst/>
+            </a:pPr>
+            <a:r>
+              <a:rPr kumimoji="0" lang="en-US" sz="4400" i="0" u="none" strike="noStrike" cap="none" spc="0" normalizeH="0" baseline="0" dirty="0" smtClean="0">
+                <a:ln>
+                  <a:noFill/>
+                </a:ln>
+                <a:solidFill>
+                  <a:srgbClr val="000000"/>
+                </a:solidFill>
+                <a:effectLst/>
+                <a:uFillTx/>
+                <a:latin typeface="Calibri" pitchFamily="34" charset="0"/>
+                <a:sym typeface="Helvetica Neue"/>
+              </a:rPr>
+              <a:t>Creating Cookie: Third Way</a:t>
+            </a:r>
+            <a:endParaRPr kumimoji="0" lang="en-US" sz="4400" i="0" u="none" strike="noStrike" cap="none" spc="0" normalizeH="0" baseline="0" dirty="0">
+              <a:ln>
+                <a:noFill/>
+              </a:ln>
+              <a:solidFill>
+                <a:srgbClr val="000000"/>
+              </a:solidFill>
+              <a:effectLst/>
+              <a:uFillTx/>
+              <a:latin typeface="Calibri" pitchFamily="34" charset="0"/>
+              <a:sym typeface="Helvetica Neue"/>
+            </a:endParaRPr>
+          </a:p>
+        </p:txBody>
+      </p:sp>
+    </p:spTree>
+  </p:cSld>
+  <p:clrMapOvr>
+    <a:masterClrMapping/>
+  </p:clrMapOvr>
+  <p:transition spd="med"/>
+  <p:timing>
+    <p:tnLst>
+      <p:par>
+        <p:cTn id="1" dur="indefinite" restart="never" nodeType="tmRoot"/>
+      </p:par>
+    </p:tnLst>
+  </p:timing>
+</p:sld>
+</file>
+
+<file path=ppt/slides/slide25.xml><?xml version="1.0" encoding="utf-8"?>
+<p:sld xmlns:a="http://schemas.openxmlformats.org/drawingml/2006/main" xmlns:r="http://schemas.openxmlformats.org/officeDocument/2006/relationships" xmlns:p="http://schemas.openxmlformats.org/presentationml/2006/main">
+  <p:cSld>
+    <p:spTree>
+      <p:nvGrpSpPr>
+        <p:cNvPr id="1" name=""/>
+        <p:cNvGrpSpPr/>
+        <p:nvPr/>
+      </p:nvGrpSpPr>
+      <p:grpSpPr>
+        <a:xfrm>
+          <a:off x="0" y="0"/>
+          <a:ext cx="0" cy="0"/>
+          <a:chOff x="0" y="0"/>
+          <a:chExt cx="0" cy="0"/>
+        </a:xfrm>
+      </p:grpSpPr>
+      <p:sp>
+        <p:nvSpPr>
+          <p:cNvPr id="135" name="Line"/>
+          <p:cNvSpPr/>
+          <p:nvPr/>
+        </p:nvSpPr>
+        <p:spPr>
+          <a:xfrm flipV="1">
+            <a:off x="2885566" y="-124865"/>
+            <a:ext cx="1" cy="13965729"/>
+          </a:xfrm>
+          <a:prstGeom prst="line">
+            <a:avLst/>
+          </a:prstGeom>
+          <a:ln w="57150">
+            <a:solidFill>
+              <a:srgbClr val="183E67"/>
+            </a:solidFill>
+            <a:custDash>
+              <a:ds d="600000" sp="600000"/>
+            </a:custDash>
+            <a:miter lim="400000"/>
+          </a:ln>
+        </p:spPr>
+        <p:txBody>
+          <a:bodyPr lIns="71437" tIns="71437" rIns="71437" bIns="71437" anchor="ctr"/>
+          <a:lstStyle/>
+          <a:p>
+            <a:pPr>
+              <a:defRPr sz="3000" b="0">
+                <a:solidFill>
+                  <a:srgbClr val="FFFFFF"/>
+                </a:solidFill>
+                <a:latin typeface="+mn-lt"/>
+                <a:ea typeface="+mn-ea"/>
+                <a:cs typeface="+mn-cs"/>
+                <a:sym typeface="Helvetica Neue Medium"/>
+              </a:defRPr>
+            </a:pPr>
+            <a:endParaRPr/>
+          </a:p>
+        </p:txBody>
+      </p:sp>
+      <p:sp>
+        <p:nvSpPr>
+          <p:cNvPr id="139" name="Line"/>
+          <p:cNvSpPr/>
+          <p:nvPr/>
+        </p:nvSpPr>
+        <p:spPr>
+          <a:xfrm>
+            <a:off x="2885566" y="2266950"/>
+            <a:ext cx="21498434" cy="0"/>
+          </a:xfrm>
+          <a:prstGeom prst="line">
+            <a:avLst/>
+          </a:prstGeom>
+          <a:ln w="25400">
+            <a:solidFill>
+              <a:schemeClr val="accent1">
+                <a:hueOff val="114395"/>
+                <a:lumOff val="-24975"/>
+              </a:schemeClr>
+            </a:solidFill>
+            <a:miter lim="400000"/>
+          </a:ln>
+          <a:effectLst/>
+        </p:spPr>
+        <p:txBody>
+          <a:bodyPr lIns="71437" tIns="71437" rIns="71437" bIns="71437" anchor="ctr"/>
+          <a:lstStyle/>
+          <a:p>
+            <a:pPr>
+              <a:defRPr sz="3000" b="0">
+                <a:solidFill>
+                  <a:srgbClr val="FFFFFF"/>
+                </a:solidFill>
+                <a:latin typeface="+mn-lt"/>
+                <a:ea typeface="+mn-ea"/>
+                <a:cs typeface="+mn-cs"/>
+                <a:sym typeface="Helvetica Neue Medium"/>
+              </a:defRPr>
+            </a:pPr>
+            <a:endParaRPr/>
+          </a:p>
+        </p:txBody>
+      </p:sp>
+      <p:sp>
+        <p:nvSpPr>
+          <p:cNvPr id="9" name="Constructor"/>
+          <p:cNvSpPr txBox="1"/>
+          <p:nvPr/>
+        </p:nvSpPr>
+        <p:spPr>
+          <a:xfrm rot="16200000">
+            <a:off x="-3585352" y="6047202"/>
+            <a:ext cx="10070064" cy="1621597"/>
+          </a:xfrm>
+          <a:prstGeom prst="rect">
+            <a:avLst/>
+          </a:prstGeom>
+          <a:ln w="12700">
+            <a:miter lim="400000"/>
+          </a:ln>
+          <a:extLst>
+            <a:ext uri="{C572A759-6A51-4108-AA02-DFA0A04FC94B}">
+              <ma14:wrappingTextBoxFlag xmlns="" xmlns:m="http://schemas.openxmlformats.org/officeDocument/2006/math" xmlns:a14="http://schemas.microsoft.com/office/drawing/2010/main" xmlns:ma14="http://schemas.microsoft.com/office/mac/drawingml/2011/main" val="1"/>
+            </a:ext>
+          </a:extLst>
+        </p:spPr>
+        <p:txBody>
+          <a:bodyPr wrap="none" lIns="71437" tIns="71437" rIns="71437" bIns="71437" anchor="ctr">
+            <a:spAutoFit/>
+          </a:bodyPr>
+          <a:lstStyle>
+            <a:lvl1pPr>
+              <a:defRPr sz="10000">
+                <a:solidFill>
+                  <a:srgbClr val="474748"/>
+                </a:solidFill>
+              </a:defRPr>
+            </a:lvl1pPr>
+          </a:lstStyle>
+          <a:p>
+            <a:r>
+              <a:rPr lang="en-US" sz="9600" dirty="0" smtClean="0">
+                <a:solidFill>
+                  <a:schemeClr val="tx2"/>
+                </a:solidFill>
+              </a:rPr>
+              <a:t>State Management</a:t>
+            </a:r>
+            <a:endParaRPr lang="en-US" sz="9600" dirty="0">
+              <a:solidFill>
+                <a:schemeClr val="tx2"/>
+              </a:solidFill>
+            </a:endParaRPr>
+          </a:p>
+        </p:txBody>
+      </p:sp>
+      <p:sp>
+        <p:nvSpPr>
+          <p:cNvPr id="10" name="TextBox 9"/>
+          <p:cNvSpPr txBox="1"/>
+          <p:nvPr/>
+        </p:nvSpPr>
+        <p:spPr>
+          <a:xfrm>
+            <a:off x="3254188" y="806823"/>
+            <a:ext cx="14737976" cy="1375376"/>
+          </a:xfrm>
+          <a:prstGeom prst="rect">
+            <a:avLst/>
+          </a:prstGeom>
+          <a:noFill/>
+          <a:ln w="12700" cap="flat">
+            <a:noFill/>
+            <a:miter lim="400000"/>
+          </a:ln>
+          <a:effectLst/>
+          <a:sp3d/>
+        </p:spPr>
+        <p:style>
+          <a:lnRef idx="0">
+            <a:scrgbClr r="0" g="0" b="0"/>
+          </a:lnRef>
+          <a:fillRef idx="0">
+            <a:scrgbClr r="0" g="0" b="0"/>
+          </a:fillRef>
+          <a:effectRef idx="0">
+            <a:scrgbClr r="0" g="0" b="0"/>
+          </a:effectRef>
+          <a:fontRef idx="none"/>
+        </p:style>
+        <p:txBody>
+          <a:bodyPr rot="0" spcFirstLastPara="1" vertOverflow="overflow" horzOverflow="overflow" vert="horz" wrap="square" lIns="71437" tIns="71437" rIns="71437" bIns="71437" numCol="1" spcCol="38100" rtlCol="0" anchor="ctr">
+            <a:spAutoFit/>
+          </a:bodyPr>
+          <a:lstStyle/>
+          <a:p>
+            <a:pPr marL="0" marR="0" indent="0" algn="l" defTabSz="821531" rtl="0" fontAlgn="auto" latinLnBrk="0" hangingPunct="0">
+              <a:lnSpc>
+                <a:spcPct val="100000"/>
+              </a:lnSpc>
+              <a:spcBef>
+                <a:spcPts val="0"/>
+              </a:spcBef>
+              <a:spcAft>
+                <a:spcPts val="0"/>
+              </a:spcAft>
+              <a:buClrTx/>
+              <a:buSzTx/>
+              <a:buFontTx/>
+              <a:buNone/>
+              <a:tabLst/>
+            </a:pPr>
+            <a:r>
+              <a:rPr kumimoji="0" lang="en-US" sz="8000" b="1" i="0" u="none" strike="noStrike" cap="none" spc="0" normalizeH="0" baseline="0" dirty="0" smtClean="0">
+                <a:ln>
+                  <a:noFill/>
+                </a:ln>
+                <a:solidFill>
+                  <a:srgbClr val="000000"/>
+                </a:solidFill>
+                <a:effectLst/>
+                <a:uFillTx/>
+                <a:latin typeface="Aharoni" pitchFamily="2" charset="-79"/>
+                <a:cs typeface="Aharoni" pitchFamily="2" charset="-79"/>
+                <a:sym typeface="Helvetica Neue"/>
+              </a:rPr>
+              <a:t>Cookies</a:t>
+            </a:r>
+            <a:endParaRPr kumimoji="0" lang="en-US" sz="8000" b="1" i="0" u="none" strike="noStrike" cap="none" spc="0" normalizeH="0" baseline="0" dirty="0">
+              <a:ln>
+                <a:noFill/>
+              </a:ln>
+              <a:solidFill>
+                <a:srgbClr val="000000"/>
+              </a:solidFill>
+              <a:effectLst/>
+              <a:uFillTx/>
+              <a:latin typeface="Aharoni" pitchFamily="2" charset="-79"/>
+              <a:cs typeface="Aharoni" pitchFamily="2" charset="-79"/>
+              <a:sym typeface="Helvetica Neue"/>
+            </a:endParaRPr>
+          </a:p>
+        </p:txBody>
+      </p:sp>
+      <p:sp>
+        <p:nvSpPr>
+          <p:cNvPr id="14" name="Rectangle 13"/>
+          <p:cNvSpPr/>
+          <p:nvPr/>
+        </p:nvSpPr>
+        <p:spPr>
+          <a:xfrm>
+            <a:off x="3886200" y="2752785"/>
+            <a:ext cx="20497800" cy="3139321"/>
+          </a:xfrm>
+          <a:prstGeom prst="rect">
+            <a:avLst/>
+          </a:prstGeom>
+        </p:spPr>
+        <p:txBody>
+          <a:bodyPr wrap="square">
+            <a:spAutoFit/>
+          </a:bodyPr>
+          <a:lstStyle/>
+          <a:p>
+            <a:pPr algn="l">
+              <a:lnSpc>
+                <a:spcPct val="150000"/>
+              </a:lnSpc>
+            </a:pPr>
+            <a:r>
+              <a:rPr lang="en-US" sz="4400" b="0" dirty="0" smtClean="0">
+                <a:solidFill>
+                  <a:schemeClr val="tx1"/>
+                </a:solidFill>
+                <a:latin typeface="Calibri" pitchFamily="34" charset="0"/>
+              </a:rPr>
+              <a:t>Cookies store a value in the user's browser that the browser sends with every page request to the same server. Cookies are the best way to store state data that must be available for multiple Web pages on a web </a:t>
+            </a:r>
+            <a:r>
+              <a:rPr lang="en-US" sz="4400" b="0" dirty="0" smtClean="0">
+                <a:solidFill>
+                  <a:schemeClr val="tx1"/>
+                </a:solidFill>
+                <a:latin typeface="Calibri" pitchFamily="34" charset="0"/>
+              </a:rPr>
+              <a:t>site.</a:t>
+            </a:r>
+            <a:endParaRPr lang="en-US" sz="4400" b="0" dirty="0" smtClean="0">
+              <a:solidFill>
+                <a:schemeClr val="tx1"/>
+              </a:solidFill>
+              <a:latin typeface="Calibri" pitchFamily="34" charset="0"/>
+            </a:endParaRPr>
+          </a:p>
+        </p:txBody>
+      </p:sp>
+      <p:sp>
+        <p:nvSpPr>
+          <p:cNvPr id="7" name="Rectangle 6"/>
+          <p:cNvSpPr/>
+          <p:nvPr/>
+        </p:nvSpPr>
+        <p:spPr>
+          <a:xfrm>
+            <a:off x="3924300" y="7323803"/>
+            <a:ext cx="20459700" cy="6555641"/>
+          </a:xfrm>
+          <a:prstGeom prst="rect">
+            <a:avLst/>
+          </a:prstGeom>
+        </p:spPr>
+        <p:txBody>
+          <a:bodyPr wrap="square">
+            <a:spAutoFit/>
+          </a:bodyPr>
+          <a:lstStyle/>
+          <a:p>
+            <a:pPr algn="l">
+              <a:lnSpc>
+                <a:spcPct val="150000"/>
+              </a:lnSpc>
+            </a:pPr>
+            <a:r>
+              <a:rPr lang="en-US" sz="4000" b="0" dirty="0" smtClean="0">
+                <a:solidFill>
+                  <a:srgbClr val="0000FF"/>
+                </a:solidFill>
+                <a:latin typeface="Consolas"/>
+              </a:rPr>
+              <a:t>string </a:t>
+            </a:r>
+            <a:r>
+              <a:rPr lang="en-US" sz="4000" b="0" dirty="0" smtClean="0">
+                <a:solidFill>
+                  <a:srgbClr val="0000FF"/>
+                </a:solidFill>
+                <a:latin typeface="Consolas"/>
+              </a:rPr>
+              <a:t>roll; </a:t>
+            </a:r>
+          </a:p>
+          <a:p>
+            <a:pPr algn="l">
+              <a:lnSpc>
+                <a:spcPct val="150000"/>
+              </a:lnSpc>
+            </a:pPr>
+            <a:r>
+              <a:rPr lang="en-US" sz="4000" b="0" dirty="0" smtClean="0">
+                <a:solidFill>
+                  <a:srgbClr val="0000FF"/>
+                </a:solidFill>
+                <a:latin typeface="Consolas"/>
+              </a:rPr>
+              <a:t>roll </a:t>
+            </a:r>
+            <a:r>
+              <a:rPr lang="en-US" sz="4000" b="0" dirty="0" smtClean="0">
+                <a:solidFill>
+                  <a:srgbClr val="0000FF"/>
+                </a:solidFill>
+                <a:latin typeface="Consolas"/>
+              </a:rPr>
+              <a:t>= </a:t>
+            </a:r>
+            <a:r>
+              <a:rPr lang="en-US" sz="4000" b="0" dirty="0" err="1" smtClean="0">
+                <a:solidFill>
+                  <a:srgbClr val="0000FF"/>
+                </a:solidFill>
+                <a:latin typeface="Consolas"/>
+              </a:rPr>
+              <a:t>Request.Cookies</a:t>
+            </a:r>
+            <a:r>
+              <a:rPr lang="en-US" sz="4000" b="0" dirty="0" smtClean="0">
+                <a:solidFill>
+                  <a:srgbClr val="0000FF"/>
+                </a:solidFill>
+                <a:latin typeface="Consolas"/>
+              </a:rPr>
+              <a:t>[</a:t>
+            </a:r>
+            <a:r>
+              <a:rPr lang="en-US" sz="4000" b="0" dirty="0" smtClean="0">
+                <a:solidFill>
+                  <a:srgbClr val="A31515"/>
+                </a:solidFill>
+                <a:latin typeface="Consolas"/>
+              </a:rPr>
+              <a:t>"</a:t>
+            </a:r>
+            <a:r>
+              <a:rPr lang="en-US" sz="4000" b="0" dirty="0" err="1" smtClean="0">
+                <a:solidFill>
+                  <a:srgbClr val="A31515"/>
+                </a:solidFill>
+                <a:latin typeface="Consolas"/>
+              </a:rPr>
+              <a:t>StudentCookies</a:t>
+            </a:r>
+            <a:r>
+              <a:rPr lang="en-US" sz="4000" b="0" dirty="0" smtClean="0">
+                <a:solidFill>
+                  <a:srgbClr val="A31515"/>
+                </a:solidFill>
+                <a:latin typeface="Consolas"/>
+              </a:rPr>
+              <a:t>"]["</a:t>
+            </a:r>
+            <a:r>
+              <a:rPr lang="en-US" sz="4000" b="0" dirty="0" err="1" smtClean="0">
+                <a:solidFill>
+                  <a:srgbClr val="A31515"/>
+                </a:solidFill>
+                <a:latin typeface="Consolas"/>
+              </a:rPr>
+              <a:t>RollNumber</a:t>
+            </a:r>
+            <a:r>
+              <a:rPr lang="en-US" sz="4000" b="0" dirty="0" smtClean="0">
+                <a:solidFill>
+                  <a:srgbClr val="A31515"/>
+                </a:solidFill>
+                <a:latin typeface="Consolas"/>
+              </a:rPr>
+              <a:t>"]; </a:t>
+            </a:r>
+          </a:p>
+          <a:p>
+            <a:pPr algn="l">
+              <a:lnSpc>
+                <a:spcPct val="150000"/>
+              </a:lnSpc>
+            </a:pPr>
+            <a:r>
+              <a:rPr lang="en-US" sz="4000" b="0" dirty="0" smtClean="0">
+                <a:solidFill>
+                  <a:srgbClr val="A31515"/>
+                </a:solidFill>
+                <a:latin typeface="Consolas"/>
+              </a:rPr>
+              <a:t>roll </a:t>
+            </a:r>
+            <a:r>
+              <a:rPr lang="en-US" sz="4000" b="0" dirty="0" smtClean="0">
+                <a:solidFill>
+                  <a:srgbClr val="A31515"/>
+                </a:solidFill>
+                <a:latin typeface="Consolas"/>
+              </a:rPr>
+              <a:t>= roll + " " + </a:t>
+            </a:r>
+            <a:r>
+              <a:rPr lang="en-US" sz="4000" b="0" dirty="0" err="1" smtClean="0">
+                <a:solidFill>
+                  <a:srgbClr val="A31515"/>
+                </a:solidFill>
+                <a:latin typeface="Consolas"/>
+              </a:rPr>
+              <a:t>Request.Cookies</a:t>
+            </a:r>
+            <a:r>
+              <a:rPr lang="en-US" sz="4000" b="0" dirty="0" smtClean="0">
+                <a:solidFill>
+                  <a:srgbClr val="A31515"/>
+                </a:solidFill>
+                <a:latin typeface="Consolas"/>
+              </a:rPr>
+              <a:t>["</a:t>
+            </a:r>
+            <a:r>
+              <a:rPr lang="en-US" sz="4000" b="0" dirty="0" err="1" smtClean="0">
+                <a:solidFill>
+                  <a:srgbClr val="A31515"/>
+                </a:solidFill>
+                <a:latin typeface="Consolas"/>
+              </a:rPr>
+              <a:t>StudentCookies</a:t>
+            </a:r>
+            <a:r>
+              <a:rPr lang="en-US" sz="4000" b="0" dirty="0" smtClean="0">
+                <a:solidFill>
+                  <a:srgbClr val="A31515"/>
+                </a:solidFill>
+                <a:latin typeface="Consolas"/>
+              </a:rPr>
+              <a:t>"]["</a:t>
+            </a:r>
+            <a:r>
+              <a:rPr lang="en-US" sz="4000" b="0" dirty="0" err="1" smtClean="0">
+                <a:solidFill>
+                  <a:srgbClr val="A31515"/>
+                </a:solidFill>
+                <a:latin typeface="Consolas"/>
+              </a:rPr>
+              <a:t>FirstName</a:t>
+            </a:r>
+            <a:r>
+              <a:rPr lang="en-US" sz="4000" b="0" dirty="0" smtClean="0">
+                <a:solidFill>
+                  <a:srgbClr val="A31515"/>
+                </a:solidFill>
+                <a:latin typeface="Consolas"/>
+              </a:rPr>
+              <a:t>"]; </a:t>
+            </a:r>
+          </a:p>
+          <a:p>
+            <a:pPr algn="l">
+              <a:lnSpc>
+                <a:spcPct val="150000"/>
+              </a:lnSpc>
+            </a:pPr>
+            <a:r>
+              <a:rPr lang="en-US" sz="4000" b="0" dirty="0" smtClean="0">
+                <a:solidFill>
+                  <a:srgbClr val="A31515"/>
+                </a:solidFill>
+                <a:latin typeface="Consolas"/>
+              </a:rPr>
+              <a:t>roll </a:t>
+            </a:r>
+            <a:r>
+              <a:rPr lang="en-US" sz="4000" b="0" dirty="0" smtClean="0">
+                <a:solidFill>
+                  <a:srgbClr val="A31515"/>
+                </a:solidFill>
+                <a:latin typeface="Consolas"/>
+              </a:rPr>
+              <a:t>= roll + " " + </a:t>
+            </a:r>
+            <a:r>
+              <a:rPr lang="en-US" sz="4000" b="0" dirty="0" err="1" smtClean="0">
+                <a:solidFill>
+                  <a:srgbClr val="A31515"/>
+                </a:solidFill>
+                <a:latin typeface="Consolas"/>
+              </a:rPr>
+              <a:t>Request.Cookies</a:t>
+            </a:r>
+            <a:r>
+              <a:rPr lang="en-US" sz="4000" b="0" dirty="0" smtClean="0">
+                <a:solidFill>
+                  <a:srgbClr val="A31515"/>
+                </a:solidFill>
+                <a:latin typeface="Consolas"/>
+              </a:rPr>
+              <a:t>["</a:t>
+            </a:r>
+            <a:r>
+              <a:rPr lang="en-US" sz="4000" b="0" dirty="0" err="1" smtClean="0">
+                <a:solidFill>
+                  <a:srgbClr val="A31515"/>
+                </a:solidFill>
+                <a:latin typeface="Consolas"/>
+              </a:rPr>
+              <a:t>StudentCookies</a:t>
+            </a:r>
+            <a:r>
+              <a:rPr lang="en-US" sz="4000" b="0" dirty="0" smtClean="0">
+                <a:solidFill>
+                  <a:srgbClr val="A31515"/>
+                </a:solidFill>
+                <a:latin typeface="Consolas"/>
+              </a:rPr>
+              <a:t>"]["</a:t>
+            </a:r>
+            <a:r>
+              <a:rPr lang="en-US" sz="4000" b="0" dirty="0" err="1" smtClean="0">
+                <a:solidFill>
+                  <a:srgbClr val="A31515"/>
+                </a:solidFill>
+                <a:latin typeface="Consolas"/>
+              </a:rPr>
+              <a:t>MiddleName</a:t>
+            </a:r>
+            <a:r>
+              <a:rPr lang="en-US" sz="4000" b="0" dirty="0" smtClean="0">
+                <a:solidFill>
+                  <a:srgbClr val="A31515"/>
+                </a:solidFill>
+                <a:latin typeface="Consolas"/>
+              </a:rPr>
+              <a:t>"]; </a:t>
+            </a:r>
+          </a:p>
+          <a:p>
+            <a:pPr algn="l">
+              <a:lnSpc>
+                <a:spcPct val="150000"/>
+              </a:lnSpc>
+            </a:pPr>
+            <a:r>
+              <a:rPr lang="en-US" sz="4000" b="0" dirty="0" smtClean="0">
+                <a:solidFill>
+                  <a:srgbClr val="A31515"/>
+                </a:solidFill>
+                <a:latin typeface="Consolas"/>
+              </a:rPr>
+              <a:t>roll </a:t>
+            </a:r>
+            <a:r>
+              <a:rPr lang="en-US" sz="4000" b="0" dirty="0" smtClean="0">
+                <a:solidFill>
+                  <a:srgbClr val="A31515"/>
+                </a:solidFill>
+                <a:latin typeface="Consolas"/>
+              </a:rPr>
+              <a:t>= roll + " " + </a:t>
+            </a:r>
+            <a:r>
+              <a:rPr lang="en-US" sz="4000" b="0" dirty="0" err="1" smtClean="0">
+                <a:solidFill>
+                  <a:srgbClr val="A31515"/>
+                </a:solidFill>
+                <a:latin typeface="Consolas"/>
+              </a:rPr>
+              <a:t>Request.Cookies</a:t>
+            </a:r>
+            <a:r>
+              <a:rPr lang="en-US" sz="4000" b="0" dirty="0" smtClean="0">
+                <a:solidFill>
+                  <a:srgbClr val="A31515"/>
+                </a:solidFill>
+                <a:latin typeface="Consolas"/>
+              </a:rPr>
+              <a:t>["</a:t>
+            </a:r>
+            <a:r>
+              <a:rPr lang="en-US" sz="4000" b="0" dirty="0" err="1" smtClean="0">
+                <a:solidFill>
+                  <a:srgbClr val="A31515"/>
+                </a:solidFill>
+                <a:latin typeface="Consolas"/>
+              </a:rPr>
+              <a:t>StudentCookies</a:t>
+            </a:r>
+            <a:r>
+              <a:rPr lang="en-US" sz="4000" b="0" dirty="0" smtClean="0">
+                <a:solidFill>
+                  <a:srgbClr val="A31515"/>
+                </a:solidFill>
+                <a:latin typeface="Consolas"/>
+              </a:rPr>
+              <a:t>"]["</a:t>
+            </a:r>
+            <a:r>
+              <a:rPr lang="en-US" sz="4000" b="0" dirty="0" err="1" smtClean="0">
+                <a:solidFill>
+                  <a:srgbClr val="A31515"/>
+                </a:solidFill>
+                <a:latin typeface="Consolas"/>
+              </a:rPr>
+              <a:t>LastName</a:t>
+            </a:r>
+            <a:r>
+              <a:rPr lang="en-US" sz="4000" b="0" dirty="0" smtClean="0">
+                <a:solidFill>
+                  <a:srgbClr val="A31515"/>
+                </a:solidFill>
+                <a:latin typeface="Consolas"/>
+              </a:rPr>
+              <a:t>"]; </a:t>
+            </a:r>
+          </a:p>
+          <a:p>
+            <a:pPr algn="l">
+              <a:lnSpc>
+                <a:spcPct val="150000"/>
+              </a:lnSpc>
+            </a:pPr>
+            <a:r>
+              <a:rPr lang="en-US" sz="4000" b="0" dirty="0" smtClean="0">
+                <a:solidFill>
+                  <a:srgbClr val="A31515"/>
+                </a:solidFill>
+                <a:latin typeface="Consolas"/>
+              </a:rPr>
+              <a:t>roll </a:t>
+            </a:r>
+            <a:r>
+              <a:rPr lang="en-US" sz="4000" b="0" dirty="0" smtClean="0">
+                <a:solidFill>
+                  <a:srgbClr val="A31515"/>
+                </a:solidFill>
+                <a:latin typeface="Consolas"/>
+              </a:rPr>
+              <a:t>= roll + " " + </a:t>
+            </a:r>
+            <a:r>
+              <a:rPr lang="en-US" sz="4000" b="0" dirty="0" err="1" smtClean="0">
+                <a:solidFill>
+                  <a:srgbClr val="A31515"/>
+                </a:solidFill>
+                <a:latin typeface="Consolas"/>
+              </a:rPr>
+              <a:t>Request.Cookies</a:t>
+            </a:r>
+            <a:r>
+              <a:rPr lang="en-US" sz="4000" b="0" dirty="0" smtClean="0">
+                <a:solidFill>
+                  <a:srgbClr val="A31515"/>
+                </a:solidFill>
+                <a:latin typeface="Consolas"/>
+              </a:rPr>
+              <a:t>["</a:t>
+            </a:r>
+            <a:r>
+              <a:rPr lang="en-US" sz="4000" b="0" dirty="0" err="1" smtClean="0">
+                <a:solidFill>
+                  <a:srgbClr val="A31515"/>
+                </a:solidFill>
+                <a:latin typeface="Consolas"/>
+              </a:rPr>
+              <a:t>StudentCookies</a:t>
+            </a:r>
+            <a:r>
+              <a:rPr lang="en-US" sz="4000" b="0" dirty="0" smtClean="0">
+                <a:solidFill>
+                  <a:srgbClr val="A31515"/>
+                </a:solidFill>
+                <a:latin typeface="Consolas"/>
+              </a:rPr>
+              <a:t>"]["</a:t>
+            </a:r>
+            <a:r>
+              <a:rPr lang="en-US" sz="4000" b="0" dirty="0" err="1" smtClean="0">
+                <a:solidFill>
+                  <a:srgbClr val="A31515"/>
+                </a:solidFill>
+                <a:latin typeface="Consolas"/>
+              </a:rPr>
+              <a:t>TotalMarks</a:t>
+            </a:r>
+            <a:r>
+              <a:rPr lang="en-US" sz="4000" b="0" dirty="0" smtClean="0">
+                <a:solidFill>
+                  <a:srgbClr val="A31515"/>
+                </a:solidFill>
+                <a:latin typeface="Consolas"/>
+              </a:rPr>
+              <a:t>"]; </a:t>
+            </a:r>
+          </a:p>
+          <a:p>
+            <a:pPr algn="l">
+              <a:lnSpc>
+                <a:spcPct val="150000"/>
+              </a:lnSpc>
+            </a:pPr>
+            <a:r>
+              <a:rPr lang="en-US" sz="4000" b="0" dirty="0" smtClean="0">
+                <a:solidFill>
+                  <a:srgbClr val="A31515"/>
+                </a:solidFill>
+                <a:latin typeface="Consolas"/>
+              </a:rPr>
+              <a:t>Label1.Text </a:t>
+            </a:r>
+            <a:r>
+              <a:rPr lang="en-US" sz="4000" b="0" dirty="0" smtClean="0">
+                <a:solidFill>
+                  <a:srgbClr val="A31515"/>
+                </a:solidFill>
+                <a:latin typeface="Consolas"/>
+              </a:rPr>
+              <a:t>= roll;</a:t>
+            </a:r>
+            <a:endParaRPr lang="en-US" sz="4000" b="0" dirty="0" smtClean="0">
+              <a:solidFill>
+                <a:srgbClr val="2B91AF"/>
+              </a:solidFill>
+              <a:latin typeface="Consolas"/>
+            </a:endParaRPr>
+          </a:p>
+        </p:txBody>
+      </p:sp>
+      <p:sp>
+        <p:nvSpPr>
+          <p:cNvPr id="8" name="TextBox 7"/>
+          <p:cNvSpPr txBox="1"/>
+          <p:nvPr/>
+        </p:nvSpPr>
+        <p:spPr>
+          <a:xfrm>
+            <a:off x="3943350" y="6743700"/>
+            <a:ext cx="8486775" cy="821378"/>
+          </a:xfrm>
+          <a:prstGeom prst="rect">
+            <a:avLst/>
+          </a:prstGeom>
+          <a:noFill/>
+          <a:ln w="12700" cap="flat">
+            <a:noFill/>
+            <a:miter lim="400000"/>
+          </a:ln>
+          <a:effectLst/>
+          <a:sp3d/>
+        </p:spPr>
+        <p:style>
+          <a:lnRef idx="0">
+            <a:scrgbClr r="0" g="0" b="0"/>
+          </a:lnRef>
+          <a:fillRef idx="0">
+            <a:scrgbClr r="0" g="0" b="0"/>
+          </a:fillRef>
+          <a:effectRef idx="0">
+            <a:scrgbClr r="0" g="0" b="0"/>
+          </a:effectRef>
+          <a:fontRef idx="none"/>
+        </p:style>
+        <p:txBody>
+          <a:bodyPr rot="0" spcFirstLastPara="1" vertOverflow="overflow" horzOverflow="overflow" vert="horz" wrap="square" lIns="71437" tIns="71437" rIns="71437" bIns="71437" numCol="1" spcCol="38100" rtlCol="0" anchor="ctr">
+            <a:spAutoFit/>
+          </a:bodyPr>
+          <a:lstStyle/>
+          <a:p>
+            <a:pPr marL="0" marR="0" indent="0" algn="l" defTabSz="821531" rtl="0" fontAlgn="auto" latinLnBrk="0" hangingPunct="0">
+              <a:lnSpc>
+                <a:spcPct val="100000"/>
+              </a:lnSpc>
+              <a:spcBef>
+                <a:spcPts val="0"/>
+              </a:spcBef>
+              <a:spcAft>
+                <a:spcPts val="0"/>
+              </a:spcAft>
+              <a:buClrTx/>
+              <a:buSzTx/>
+              <a:buFontTx/>
+              <a:buNone/>
+              <a:tabLst/>
+            </a:pPr>
+            <a:r>
+              <a:rPr kumimoji="0" lang="en-US" sz="4400" i="0" u="none" strike="noStrike" cap="none" spc="0" normalizeH="0" baseline="0" dirty="0" smtClean="0">
+                <a:ln>
+                  <a:noFill/>
+                </a:ln>
+                <a:solidFill>
+                  <a:srgbClr val="000000"/>
+                </a:solidFill>
+                <a:effectLst/>
+                <a:uFillTx/>
+                <a:latin typeface="Calibri" pitchFamily="34" charset="0"/>
+                <a:sym typeface="Helvetica Neue"/>
+              </a:rPr>
+              <a:t>Reading Cookie: Third Way</a:t>
+            </a:r>
+            <a:endParaRPr kumimoji="0" lang="en-US" sz="4400" i="0" u="none" strike="noStrike" cap="none" spc="0" normalizeH="0" baseline="0" dirty="0">
+              <a:ln>
+                <a:noFill/>
+              </a:ln>
+              <a:solidFill>
+                <a:srgbClr val="000000"/>
+              </a:solidFill>
+              <a:effectLst/>
+              <a:uFillTx/>
+              <a:latin typeface="Calibri" pitchFamily="34" charset="0"/>
+              <a:sym typeface="Helvetica Neue"/>
+            </a:endParaRPr>
+          </a:p>
+        </p:txBody>
+      </p:sp>
+    </p:spTree>
+  </p:cSld>
+  <p:clrMapOvr>
+    <a:masterClrMapping/>
+  </p:clrMapOvr>
+  <p:transition spd="med"/>
+  <p:timing>
+    <p:tnLst>
+      <p:par>
+        <p:cTn id="1" dur="indefinite" restart="never" nodeType="tmRoot"/>
+      </p:par>
+    </p:tnLst>
+  </p:timing>
+</p:sld>
+</file>
+
 <file path=ppt/slides/slide3.xml><?xml version="1.0" encoding="utf-8"?>
 <p:sld xmlns:a="http://schemas.openxmlformats.org/drawingml/2006/main" xmlns:r="http://schemas.openxmlformats.org/officeDocument/2006/relationships" xmlns:p="http://schemas.openxmlformats.org/presentationml/2006/main">
   <p:cSld>
@@ -9904,23 +16987,8 @@
                 </a:solidFill>
                 <a:latin typeface="Consolas"/>
               </a:rPr>
-              <a:t>="</a:t>
-            </a:r>
-            <a:r>
-              <a:rPr lang="en-US" sz="4800" dirty="0" smtClean="0">
-                <a:solidFill>
-                  <a:srgbClr val="0000FF"/>
-                </a:solidFill>
-                <a:latin typeface="Consolas"/>
-              </a:rPr>
-              <a:t>false	/&gt;</a:t>
-            </a:r>
-            <a:endParaRPr lang="en-US" sz="4800" dirty="0" smtClean="0">
-              <a:solidFill>
-                <a:srgbClr val="0000FF"/>
-              </a:solidFill>
-              <a:latin typeface="Consolas"/>
-            </a:endParaRPr>
+              <a:t>="false	/&gt;</a:t>
+            </a:r>
           </a:p>
           <a:p>
             <a:pPr marL="511175" indent="-511175" algn="l">
